--- a/Poster.pptx
+++ b/Poster.pptx
@@ -238,7 +238,7 @@
           <a:p>
             <a:fld id="{9D057405-09D7-044B-AD01-93B9D04A1610}" type="datetimeFigureOut">
               <a:rPr lang="en-US" smtClean="0"/>
-              <a:t>7/24/2017</a:t>
+              <a:t>7/26/2017</a:t>
             </a:fld>
             <a:endParaRPr lang="en-US" dirty="0"/>
           </a:p>
@@ -3914,15 +3914,7 @@
             <a:pPr algn="ctr" defTabSz="4597326"/>
             <a:r>
               <a:rPr lang="en-US" sz="4800" dirty="0" smtClean="0"/>
-              <a:t>{agabram,sarah</a:t>
-            </a:r>
-            <a:r>
-              <a:rPr lang="en-US" sz="4800" dirty="0" smtClean="0"/>
-              <a:t>_heckman</a:t>
-            </a:r>
-            <a:r>
-              <a:rPr lang="en-US" sz="4800" dirty="0" smtClean="0"/>
-              <a:t>}@</a:t>
+              <a:t>{agabram,sarah_heckman}@</a:t>
             </a:r>
             <a:r>
               <a:rPr lang="en-US" sz="4800" dirty="0"/>
@@ -3942,7 +3934,7 @@
         <p:spPr bwMode="auto">
           <a:xfrm>
             <a:off x="1520150" y="7458200"/>
-            <a:ext cx="10189356" cy="11220025"/>
+            <a:ext cx="10189356" cy="12697352"/>
           </a:xfrm>
           <a:prstGeom prst="rect">
             <a:avLst/>
@@ -3979,11 +3971,47 @@
             </a:pPr>
             <a:r>
               <a:rPr lang="en-US" sz="4800" dirty="0" smtClean="0"/>
-              <a:t>Computer Science is a field with a notoriously high drop rate. This research aims to evaluate the impact of several interventions in the Fall 2016 class. </a:t>
+              <a:t>Computer Science is a field with a notoriously high drop rate. </a:t>
+            </a:r>
+            <a:r>
+              <a:rPr lang="en-US" sz="4800" dirty="0"/>
+              <a:t>The goal of this research increase student learning, efficacy, engagement, </a:t>
             </a:r>
             <a:r>
               <a:rPr lang="en-US" sz="4800" dirty="0" smtClean="0"/>
-              <a:t>My focus has been on analyzing the impact these interventions had student grades.</a:t>
+              <a:t>and </a:t>
+            </a:r>
+            <a:r>
+              <a:rPr lang="en-US" sz="4800" dirty="0"/>
+              <a:t>retention through several interventions in CSC216</a:t>
+            </a:r>
+            <a:r>
+              <a:rPr lang="en-US" sz="4800" dirty="0" smtClean="0"/>
+              <a:t>. I </a:t>
+            </a:r>
+            <a:r>
+              <a:rPr lang="en-US" sz="4800" dirty="0" smtClean="0"/>
+              <a:t>focused on </a:t>
+            </a:r>
+            <a:r>
+              <a:rPr lang="en-US" sz="4800" dirty="0" smtClean="0"/>
+              <a:t>analyzing the impact these interventions had </a:t>
+            </a:r>
+            <a:r>
+              <a:rPr lang="en-US" sz="4800" dirty="0" smtClean="0"/>
+              <a:t>on </a:t>
+            </a:r>
+            <a:r>
+              <a:rPr lang="en-US" sz="4800" dirty="0" smtClean="0"/>
+              <a:t>learning, through the lens of </a:t>
+            </a:r>
+            <a:r>
+              <a:rPr lang="en-US" sz="4800" dirty="0" smtClean="0"/>
+              <a:t>student </a:t>
+            </a:r>
+            <a:r>
+              <a:rPr lang="en-US" sz="4800" dirty="0" smtClean="0"/>
+              <a:t>grades.</a:t>
             </a:r>
           </a:p>
           <a:p>
@@ -4030,8 +4058,8 @@
         </p:nvSpPr>
         <p:spPr bwMode="auto">
           <a:xfrm>
-            <a:off x="1515739" y="15809288"/>
-            <a:ext cx="10189356" cy="14174680"/>
+            <a:off x="1515739" y="16614112"/>
+            <a:ext cx="10189356" cy="15282676"/>
           </a:xfrm>
           <a:prstGeom prst="rect">
             <a:avLst/>
@@ -4134,19 +4162,31 @@
             </a:pPr>
             <a:r>
               <a:rPr lang="en-US" sz="4800" dirty="0" smtClean="0"/>
-              <a:t>Labs built into a larger project</a:t>
-            </a:r>
-          </a:p>
-          <a:p>
-            <a:pPr lvl="1" algn="just" defTabSz="4597326">
+              <a:t>Labs built into a larger </a:t>
+            </a:r>
+            <a:r>
+              <a:rPr lang="en-US" sz="4800" dirty="0" smtClean="0"/>
+              <a:t>project</a:t>
+            </a:r>
+          </a:p>
+          <a:p>
+            <a:pPr algn="just" defTabSz="4597326">
               <a:spcBef>
                 <a:spcPct val="50000"/>
               </a:spcBef>
             </a:pPr>
             <a:r>
-              <a:rPr lang="en-US" sz="4800" dirty="0" smtClean="0"/>
+              <a:rPr lang="en-US" sz="4800" dirty="0"/>
               <a:t>Several datasets were taken in both the Fall 2015 and 2016 classes including grades, survey responses, office hours and message board activity.</a:t>
             </a:r>
+          </a:p>
+          <a:p>
+            <a:pPr algn="just" defTabSz="4597326">
+              <a:spcBef>
+                <a:spcPct val="50000"/>
+              </a:spcBef>
+            </a:pPr>
+            <a:endParaRPr lang="en-US" sz="4800" dirty="0" smtClean="0"/>
           </a:p>
         </p:txBody>
       </p:sp>
@@ -4208,7 +4248,6 @@
               <a:rPr lang="en-US" sz="4800" dirty="0" smtClean="0"/>
               <a:t>, and revolved around creating several flexible scripts that could run statistical tests on the data, as well as other potential data with similar values.</a:t>
             </a:r>
-            <a:endParaRPr lang="en-US" sz="4800" dirty="0" smtClean="0"/>
           </a:p>
           <a:p>
             <a:pPr algn="just" defTabSz="4597326">
@@ -4308,7 +4347,6 @@
               <a:rPr lang="en-US" sz="4800" dirty="0" smtClean="0"/>
               <a:t>The addition of process points was not a worthwhile change</a:t>
             </a:r>
-            <a:endParaRPr lang="en-US" sz="4800" dirty="0" smtClean="0"/>
           </a:p>
           <a:p>
             <a:pPr marL="685800" indent="-685800" algn="just" defTabSz="4597326">
@@ -4384,66 +4422,81 @@
           </a:p>
         </p:txBody>
       </p:sp>
-      <p:pic>
-        <p:nvPicPr>
-          <p:cNvPr id="2" name="Picture 1" descr="logodesign(red).png"/>
-          <p:cNvPicPr>
-            <a:picLocks noChangeAspect="1"/>
-          </p:cNvPicPr>
+      <p:grpSp>
+        <p:nvGrpSpPr>
+          <p:cNvPr id="5" name="Group 4"/>
+          <p:cNvGrpSpPr/>
           <p:nvPr/>
-        </p:nvPicPr>
-        <p:blipFill>
-          <a:blip r:embed="rId3" cstate="print">
-            <a:extLst>
-              <a:ext uri="{28A0092B-C50C-407E-A947-70E740481C1C}">
-                <a14:useLocalDpi xmlns:a14="http://schemas.microsoft.com/office/drawing/2010/main" val="0"/>
-              </a:ext>
-            </a:extLst>
-          </a:blip>
-          <a:stretch>
-            <a:fillRect/>
-          </a:stretch>
-        </p:blipFill>
-        <p:spPr>
-          <a:xfrm>
-            <a:off x="41941124" y="2321678"/>
-            <a:ext cx="3380883" cy="2959433"/>
-          </a:xfrm>
-          <a:prstGeom prst="rect">
-            <a:avLst/>
-          </a:prstGeom>
-        </p:spPr>
-      </p:pic>
-      <p:pic>
-        <p:nvPicPr>
-          <p:cNvPr id="4" name="Picture 3" descr="logo-01.jpg"/>
-          <p:cNvPicPr>
-            <a:picLocks noChangeAspect="1"/>
-          </p:cNvPicPr>
-          <p:nvPr/>
-        </p:nvPicPr>
-        <p:blipFill>
-          <a:blip r:embed="rId4">
-            <a:extLst>
-              <a:ext uri="{28A0092B-C50C-407E-A947-70E740481C1C}">
-                <a14:useLocalDpi xmlns:a14="http://schemas.microsoft.com/office/drawing/2010/main" val="0"/>
-              </a:ext>
-            </a:extLst>
-          </a:blip>
-          <a:stretch>
-            <a:fillRect/>
-          </a:stretch>
-        </p:blipFill>
-        <p:spPr>
+        </p:nvGrpSpPr>
+        <p:grpSpPr>
           <a:xfrm>
             <a:off x="40816399" y="1143551"/>
-            <a:ext cx="5630333" cy="1005930"/>
+            <a:ext cx="5630333" cy="4137560"/>
+            <a:chOff x="40816399" y="1143551"/>
+            <a:chExt cx="5630333" cy="4137560"/>
           </a:xfrm>
-          <a:prstGeom prst="rect">
-            <a:avLst/>
-          </a:prstGeom>
-        </p:spPr>
-      </p:pic>
+        </p:grpSpPr>
+        <p:pic>
+          <p:nvPicPr>
+            <p:cNvPr id="2" name="Picture 1" descr="logodesign(red).png"/>
+            <p:cNvPicPr>
+              <a:picLocks noChangeAspect="1"/>
+            </p:cNvPicPr>
+            <p:nvPr/>
+          </p:nvPicPr>
+          <p:blipFill>
+            <a:blip r:embed="rId3" cstate="print">
+              <a:extLst>
+                <a:ext uri="{28A0092B-C50C-407E-A947-70E740481C1C}">
+                  <a14:useLocalDpi xmlns:a14="http://schemas.microsoft.com/office/drawing/2010/main" val="0"/>
+                </a:ext>
+              </a:extLst>
+            </a:blip>
+            <a:stretch>
+              <a:fillRect/>
+            </a:stretch>
+          </p:blipFill>
+          <p:spPr>
+            <a:xfrm>
+              <a:off x="41941124" y="2321678"/>
+              <a:ext cx="3380883" cy="2959433"/>
+            </a:xfrm>
+            <a:prstGeom prst="rect">
+              <a:avLst/>
+            </a:prstGeom>
+          </p:spPr>
+        </p:pic>
+        <p:pic>
+          <p:nvPicPr>
+            <p:cNvPr id="4" name="Picture 3" descr="logo-01.jpg"/>
+            <p:cNvPicPr>
+              <a:picLocks noChangeAspect="1"/>
+            </p:cNvPicPr>
+            <p:nvPr/>
+          </p:nvPicPr>
+          <p:blipFill>
+            <a:blip r:embed="rId4">
+              <a:extLst>
+                <a:ext uri="{28A0092B-C50C-407E-A947-70E740481C1C}">
+                  <a14:useLocalDpi xmlns:a14="http://schemas.microsoft.com/office/drawing/2010/main" val="0"/>
+                </a:ext>
+              </a:extLst>
+            </a:blip>
+            <a:stretch>
+              <a:fillRect/>
+            </a:stretch>
+          </p:blipFill>
+          <p:spPr>
+            <a:xfrm>
+              <a:off x="40816399" y="1143551"/>
+              <a:ext cx="5630333" cy="1005930"/>
+            </a:xfrm>
+            <a:prstGeom prst="rect">
+              <a:avLst/>
+            </a:prstGeom>
+          </p:spPr>
+        </p:pic>
+      </p:grpSp>
       <p:pic>
         <p:nvPicPr>
           <p:cNvPr id="3" name="Picture 2"/>

--- a/Poster.pptx
+++ b/Poster.pptx
@@ -3987,31 +3987,7 @@
             </a:r>
             <a:r>
               <a:rPr lang="en-US" sz="4800" dirty="0" smtClean="0"/>
-              <a:t>. I </a:t>
-            </a:r>
-            <a:r>
-              <a:rPr lang="en-US" sz="4800" dirty="0" smtClean="0"/>
-              <a:t>focused on </a:t>
-            </a:r>
-            <a:r>
-              <a:rPr lang="en-US" sz="4800" dirty="0" smtClean="0"/>
-              <a:t>analyzing the impact these interventions had </a:t>
-            </a:r>
-            <a:r>
-              <a:rPr lang="en-US" sz="4800" dirty="0" smtClean="0"/>
-              <a:t>on </a:t>
-            </a:r>
-            <a:r>
-              <a:rPr lang="en-US" sz="4800" dirty="0" smtClean="0"/>
-              <a:t>learning, through the lens of </a:t>
-            </a:r>
-            <a:r>
-              <a:rPr lang="en-US" sz="4800" dirty="0" smtClean="0"/>
-              <a:t>student </a:t>
-            </a:r>
-            <a:r>
-              <a:rPr lang="en-US" sz="4800" dirty="0" smtClean="0"/>
-              <a:t>grades.</a:t>
+              <a:t>. I focused on analyzing the impact these interventions had on learning, through the lens of student grades.</a:t>
             </a:r>
           </a:p>
           <a:p>
@@ -4162,11 +4138,7 @@
             </a:pPr>
             <a:r>
               <a:rPr lang="en-US" sz="4800" dirty="0" smtClean="0"/>
-              <a:t>Labs built into a larger </a:t>
-            </a:r>
-            <a:r>
-              <a:rPr lang="en-US" sz="4800" dirty="0" smtClean="0"/>
-              <a:t>project</a:t>
+              <a:t>Labs built into a larger project</a:t>
             </a:r>
           </a:p>
           <a:p>
@@ -4527,4417 +4499,6 @@
           </a:prstGeom>
         </p:spPr>
       </p:pic>
-      <p:graphicFrame>
-        <p:nvGraphicFramePr>
-          <p:cNvPr id="14" name="Table 13"/>
-          <p:cNvGraphicFramePr>
-            <a:graphicFrameLocks noGrp="1"/>
-          </p:cNvGraphicFramePr>
-          <p:nvPr>
-            <p:extLst>
-              <p:ext uri="{D42A27DB-BD31-4B8C-83A1-F6EECF244321}">
-                <p14:modId xmlns:p14="http://schemas.microsoft.com/office/powerpoint/2010/main" val="3633933712"/>
-              </p:ext>
-            </p:extLst>
-          </p:nvPr>
-        </p:nvGraphicFramePr>
-        <p:xfrm>
-          <a:off x="13031105" y="10382579"/>
-          <a:ext cx="21688511" cy="11549229"/>
-        </p:xfrm>
-        <a:graphic>
-          <a:graphicData uri="http://schemas.openxmlformats.org/drawingml/2006/table">
-            <a:tbl>
-              <a:tblPr>
-                <a:tableStyleId>{775DCB02-9BB8-47FD-8907-85C794F793BA}</a:tableStyleId>
-              </a:tblPr>
-              <a:tblGrid>
-                <a:gridCol w="2909960">
-                  <a:extLst>
-                    <a:ext uri="{9D8B030D-6E8A-4147-A177-3AD203B41FA5}">
-                      <a16:colId xmlns:a16="http://schemas.microsoft.com/office/drawing/2014/main" val="2809412632"/>
-                    </a:ext>
-                  </a:extLst>
-                </a:gridCol>
-                <a:gridCol w="1859140">
-                  <a:extLst>
-                    <a:ext uri="{9D8B030D-6E8A-4147-A177-3AD203B41FA5}">
-                      <a16:colId xmlns:a16="http://schemas.microsoft.com/office/drawing/2014/main" val="1749353655"/>
-                    </a:ext>
-                  </a:extLst>
-                </a:gridCol>
-                <a:gridCol w="1293314">
-                  <a:extLst>
-                    <a:ext uri="{9D8B030D-6E8A-4147-A177-3AD203B41FA5}">
-                      <a16:colId xmlns:a16="http://schemas.microsoft.com/office/drawing/2014/main" val="1783984300"/>
-                    </a:ext>
-                  </a:extLst>
-                </a:gridCol>
-                <a:gridCol w="1734461">
-                  <a:extLst>
-                    <a:ext uri="{9D8B030D-6E8A-4147-A177-3AD203B41FA5}">
-                      <a16:colId xmlns:a16="http://schemas.microsoft.com/office/drawing/2014/main" val="3298253636"/>
-                    </a:ext>
-                  </a:extLst>
-                </a:gridCol>
-                <a:gridCol w="1293314">
-                  <a:extLst>
-                    <a:ext uri="{9D8B030D-6E8A-4147-A177-3AD203B41FA5}">
-                      <a16:colId xmlns:a16="http://schemas.microsoft.com/office/drawing/2014/main" val="3558661577"/>
-                    </a:ext>
-                  </a:extLst>
-                </a:gridCol>
-                <a:gridCol w="1293314">
-                  <a:extLst>
-                    <a:ext uri="{9D8B030D-6E8A-4147-A177-3AD203B41FA5}">
-                      <a16:colId xmlns:a16="http://schemas.microsoft.com/office/drawing/2014/main" val="3760325771"/>
-                    </a:ext>
-                  </a:extLst>
-                </a:gridCol>
-                <a:gridCol w="1293314">
-                  <a:extLst>
-                    <a:ext uri="{9D8B030D-6E8A-4147-A177-3AD203B41FA5}">
-                      <a16:colId xmlns:a16="http://schemas.microsoft.com/office/drawing/2014/main" val="3840669695"/>
-                    </a:ext>
-                  </a:extLst>
-                </a:gridCol>
-                <a:gridCol w="1293314">
-                  <a:extLst>
-                    <a:ext uri="{9D8B030D-6E8A-4147-A177-3AD203B41FA5}">
-                      <a16:colId xmlns:a16="http://schemas.microsoft.com/office/drawing/2014/main" val="3876348748"/>
-                    </a:ext>
-                  </a:extLst>
-                </a:gridCol>
-                <a:gridCol w="1293314">
-                  <a:extLst>
-                    <a:ext uri="{9D8B030D-6E8A-4147-A177-3AD203B41FA5}">
-                      <a16:colId xmlns:a16="http://schemas.microsoft.com/office/drawing/2014/main" val="4152259323"/>
-                    </a:ext>
-                  </a:extLst>
-                </a:gridCol>
-                <a:gridCol w="1293314">
-                  <a:extLst>
-                    <a:ext uri="{9D8B030D-6E8A-4147-A177-3AD203B41FA5}">
-                      <a16:colId xmlns:a16="http://schemas.microsoft.com/office/drawing/2014/main" val="1226920148"/>
-                    </a:ext>
-                  </a:extLst>
-                </a:gridCol>
-                <a:gridCol w="2063202">
-                  <a:extLst>
-                    <a:ext uri="{9D8B030D-6E8A-4147-A177-3AD203B41FA5}">
-                      <a16:colId xmlns:a16="http://schemas.microsoft.com/office/drawing/2014/main" val="1359020162"/>
-                    </a:ext>
-                  </a:extLst>
-                </a:gridCol>
-                <a:gridCol w="1293314">
-                  <a:extLst>
-                    <a:ext uri="{9D8B030D-6E8A-4147-A177-3AD203B41FA5}">
-                      <a16:colId xmlns:a16="http://schemas.microsoft.com/office/drawing/2014/main" val="3036571459"/>
-                    </a:ext>
-                  </a:extLst>
-                </a:gridCol>
-                <a:gridCol w="1293314">
-                  <a:extLst>
-                    <a:ext uri="{9D8B030D-6E8A-4147-A177-3AD203B41FA5}">
-                      <a16:colId xmlns:a16="http://schemas.microsoft.com/office/drawing/2014/main" val="1261832642"/>
-                    </a:ext>
-                  </a:extLst>
-                </a:gridCol>
-                <a:gridCol w="1481922">
-                  <a:extLst>
-                    <a:ext uri="{9D8B030D-6E8A-4147-A177-3AD203B41FA5}">
-                      <a16:colId xmlns:a16="http://schemas.microsoft.com/office/drawing/2014/main" val="2936654332"/>
-                    </a:ext>
-                  </a:extLst>
-                </a:gridCol>
-              </a:tblGrid>
-              <a:tr h="1472787">
-                <a:tc>
-                  <a:txBody>
-                    <a:bodyPr/>
-                    <a:lstStyle/>
-                    <a:p>
-                      <a:pPr algn="l" fontAlgn="b"/>
-                      <a:r>
-                        <a:rPr lang="en-US" sz="3000" u="none" strike="noStrike" dirty="0">
-                          <a:effectLst/>
-                        </a:rPr>
-                        <a:t> </a:t>
-                      </a:r>
-                      <a:endParaRPr lang="en-US" sz="3000" b="0" i="0" u="none" strike="noStrike" dirty="0">
-                        <a:solidFill>
-                          <a:srgbClr val="000000"/>
-                        </a:solidFill>
-                        <a:effectLst/>
-                        <a:latin typeface="Calibri" panose="020F0502020204030204" pitchFamily="34" charset="0"/>
-                      </a:endParaRPr>
-                    </a:p>
-                  </a:txBody>
-                  <a:tcPr marL="9525" marR="9525" marT="9525" marB="0" anchor="b"/>
-                </a:tc>
-                <a:tc>
-                  <a:txBody>
-                    <a:bodyPr/>
-                    <a:lstStyle/>
-                    <a:p>
-                      <a:pPr algn="l" fontAlgn="b"/>
-                      <a:r>
-                        <a:rPr lang="en-US" sz="3000" u="none" strike="noStrike" dirty="0">
-                          <a:effectLst/>
-                        </a:rPr>
-                        <a:t> </a:t>
-                      </a:r>
-                      <a:r>
-                        <a:rPr lang="en-US" sz="3000" u="none" strike="noStrike" dirty="0" smtClean="0">
-                          <a:effectLst/>
-                        </a:rPr>
-                        <a:t>Final Average</a:t>
-                      </a:r>
-                      <a:endParaRPr lang="en-US" sz="3000" b="0" i="0" u="none" strike="noStrike" dirty="0">
-                        <a:solidFill>
-                          <a:srgbClr val="000000"/>
-                        </a:solidFill>
-                        <a:effectLst/>
-                        <a:latin typeface="Calibri" panose="020F0502020204030204" pitchFamily="34" charset="0"/>
-                      </a:endParaRPr>
-                    </a:p>
-                  </a:txBody>
-                  <a:tcPr marL="9525" marR="9525" marT="9525" marB="0" anchor="b"/>
-                </a:tc>
-                <a:tc>
-                  <a:txBody>
-                    <a:bodyPr/>
-                    <a:lstStyle/>
-                    <a:p>
-                      <a:pPr algn="l" fontAlgn="b"/>
-                      <a:r>
-                        <a:rPr lang="en-US" sz="3000" u="none" strike="noStrike">
-                          <a:effectLst/>
-                        </a:rPr>
-                        <a:t>EOOT</a:t>
-                      </a:r>
-                      <a:endParaRPr lang="en-US" sz="3000" b="0" i="0" u="none" strike="noStrike">
-                        <a:solidFill>
-                          <a:srgbClr val="000000"/>
-                        </a:solidFill>
-                        <a:effectLst/>
-                        <a:latin typeface="Calibri" panose="020F0502020204030204" pitchFamily="34" charset="0"/>
-                      </a:endParaRPr>
-                    </a:p>
-                  </a:txBody>
-                  <a:tcPr marL="9525" marR="9525" marT="9525" marB="0" anchor="b"/>
-                </a:tc>
-                <a:tc>
-                  <a:txBody>
-                    <a:bodyPr/>
-                    <a:lstStyle/>
-                    <a:p>
-                      <a:pPr algn="l" fontAlgn="b"/>
-                      <a:r>
-                        <a:rPr lang="en-US" sz="3000" u="none" strike="noStrike" dirty="0" smtClean="0">
-                          <a:effectLst/>
-                        </a:rPr>
-                        <a:t>Testing Tutorial</a:t>
-                      </a:r>
-                      <a:endParaRPr lang="en-US" sz="3000" b="0" i="0" u="none" strike="noStrike" dirty="0">
-                        <a:solidFill>
-                          <a:srgbClr val="000000"/>
-                        </a:solidFill>
-                        <a:effectLst/>
-                        <a:latin typeface="Calibri" panose="020F0502020204030204" pitchFamily="34" charset="0"/>
-                      </a:endParaRPr>
-                    </a:p>
-                  </a:txBody>
-                  <a:tcPr marL="9525" marR="9525" marT="9525" marB="0" anchor="b"/>
-                </a:tc>
-                <a:tc>
-                  <a:txBody>
-                    <a:bodyPr/>
-                    <a:lstStyle/>
-                    <a:p>
-                      <a:pPr algn="l" fontAlgn="b"/>
-                      <a:r>
-                        <a:rPr lang="en-US" sz="3000" u="none" strike="noStrike">
-                          <a:effectLst/>
-                        </a:rPr>
-                        <a:t>P1P1</a:t>
-                      </a:r>
-                      <a:endParaRPr lang="en-US" sz="3000" b="0" i="0" u="none" strike="noStrike">
-                        <a:solidFill>
-                          <a:srgbClr val="000000"/>
-                        </a:solidFill>
-                        <a:effectLst/>
-                        <a:latin typeface="Calibri" panose="020F0502020204030204" pitchFamily="34" charset="0"/>
-                      </a:endParaRPr>
-                    </a:p>
-                  </a:txBody>
-                  <a:tcPr marL="9525" marR="9525" marT="9525" marB="0" anchor="b"/>
-                </a:tc>
-                <a:tc>
-                  <a:txBody>
-                    <a:bodyPr/>
-                    <a:lstStyle/>
-                    <a:p>
-                      <a:pPr algn="l" fontAlgn="b"/>
-                      <a:r>
-                        <a:rPr lang="en-US" sz="3000" u="none" strike="noStrike">
-                          <a:effectLst/>
-                        </a:rPr>
-                        <a:t>P1P2</a:t>
-                      </a:r>
-                      <a:endParaRPr lang="en-US" sz="3000" b="0" i="0" u="none" strike="noStrike">
-                        <a:solidFill>
-                          <a:srgbClr val="000000"/>
-                        </a:solidFill>
-                        <a:effectLst/>
-                        <a:latin typeface="Calibri" panose="020F0502020204030204" pitchFamily="34" charset="0"/>
-                      </a:endParaRPr>
-                    </a:p>
-                  </a:txBody>
-                  <a:tcPr marL="9525" marR="9525" marT="9525" marB="0" anchor="b"/>
-                </a:tc>
-                <a:tc>
-                  <a:txBody>
-                    <a:bodyPr/>
-                    <a:lstStyle/>
-                    <a:p>
-                      <a:pPr algn="l" fontAlgn="b"/>
-                      <a:r>
-                        <a:rPr lang="en-US" sz="3000" u="none" strike="noStrike">
-                          <a:effectLst/>
-                        </a:rPr>
-                        <a:t>P2P1</a:t>
-                      </a:r>
-                      <a:endParaRPr lang="en-US" sz="3000" b="0" i="0" u="none" strike="noStrike">
-                        <a:solidFill>
-                          <a:srgbClr val="000000"/>
-                        </a:solidFill>
-                        <a:effectLst/>
-                        <a:latin typeface="Calibri" panose="020F0502020204030204" pitchFamily="34" charset="0"/>
-                      </a:endParaRPr>
-                    </a:p>
-                  </a:txBody>
-                  <a:tcPr marL="9525" marR="9525" marT="9525" marB="0" anchor="b"/>
-                </a:tc>
-                <a:tc>
-                  <a:txBody>
-                    <a:bodyPr/>
-                    <a:lstStyle/>
-                    <a:p>
-                      <a:pPr algn="l" fontAlgn="b"/>
-                      <a:r>
-                        <a:rPr lang="en-US" sz="3000" u="none" strike="noStrike" dirty="0">
-                          <a:effectLst/>
-                        </a:rPr>
-                        <a:t>P2P2</a:t>
-                      </a:r>
-                      <a:endParaRPr lang="en-US" sz="3000" b="0" i="0" u="none" strike="noStrike" dirty="0">
-                        <a:solidFill>
-                          <a:srgbClr val="000000"/>
-                        </a:solidFill>
-                        <a:effectLst/>
-                        <a:latin typeface="Calibri" panose="020F0502020204030204" pitchFamily="34" charset="0"/>
-                      </a:endParaRPr>
-                    </a:p>
-                  </a:txBody>
-                  <a:tcPr marL="9525" marR="9525" marT="9525" marB="0" anchor="b"/>
-                </a:tc>
-                <a:tc>
-                  <a:txBody>
-                    <a:bodyPr/>
-                    <a:lstStyle/>
-                    <a:p>
-                      <a:pPr algn="l" fontAlgn="b"/>
-                      <a:r>
-                        <a:rPr lang="en-US" sz="3000" u="none" strike="noStrike">
-                          <a:effectLst/>
-                        </a:rPr>
-                        <a:t>P3P1</a:t>
-                      </a:r>
-                      <a:endParaRPr lang="en-US" sz="3000" b="0" i="0" u="none" strike="noStrike">
-                        <a:solidFill>
-                          <a:srgbClr val="000000"/>
-                        </a:solidFill>
-                        <a:effectLst/>
-                        <a:latin typeface="Calibri" panose="020F0502020204030204" pitchFamily="34" charset="0"/>
-                      </a:endParaRPr>
-                    </a:p>
-                  </a:txBody>
-                  <a:tcPr marL="9525" marR="9525" marT="9525" marB="0" anchor="b"/>
-                </a:tc>
-                <a:tc>
-                  <a:txBody>
-                    <a:bodyPr/>
-                    <a:lstStyle/>
-                    <a:p>
-                      <a:pPr algn="l" fontAlgn="b"/>
-                      <a:r>
-                        <a:rPr lang="en-US" sz="3000" u="none" strike="noStrike">
-                          <a:effectLst/>
-                        </a:rPr>
-                        <a:t>P3P2</a:t>
-                      </a:r>
-                      <a:endParaRPr lang="en-US" sz="3000" b="0" i="0" u="none" strike="noStrike">
-                        <a:solidFill>
-                          <a:srgbClr val="000000"/>
-                        </a:solidFill>
-                        <a:effectLst/>
-                        <a:latin typeface="Calibri" panose="020F0502020204030204" pitchFamily="34" charset="0"/>
-                      </a:endParaRPr>
-                    </a:p>
-                  </a:txBody>
-                  <a:tcPr marL="9525" marR="9525" marT="9525" marB="0" anchor="b"/>
-                </a:tc>
-                <a:tc>
-                  <a:txBody>
-                    <a:bodyPr/>
-                    <a:lstStyle/>
-                    <a:p>
-                      <a:pPr algn="l" fontAlgn="b"/>
-                      <a:r>
-                        <a:rPr lang="en-US" sz="3000" u="none" strike="noStrike" dirty="0" smtClean="0">
-                          <a:effectLst/>
-                        </a:rPr>
-                        <a:t>In Class Labs</a:t>
-                      </a:r>
-                      <a:endParaRPr lang="en-US" sz="3000" b="0" i="0" u="none" strike="noStrike" dirty="0">
-                        <a:solidFill>
-                          <a:srgbClr val="000000"/>
-                        </a:solidFill>
-                        <a:effectLst/>
-                        <a:latin typeface="Calibri" panose="020F0502020204030204" pitchFamily="34" charset="0"/>
-                      </a:endParaRPr>
-                    </a:p>
-                  </a:txBody>
-                  <a:tcPr marL="9525" marR="9525" marT="9525" marB="0" anchor="b"/>
-                </a:tc>
-                <a:tc>
-                  <a:txBody>
-                    <a:bodyPr/>
-                    <a:lstStyle/>
-                    <a:p>
-                      <a:pPr algn="l" fontAlgn="b"/>
-                      <a:r>
-                        <a:rPr lang="en-US" sz="3000" u="none" strike="noStrike" dirty="0">
-                          <a:effectLst/>
-                        </a:rPr>
-                        <a:t>Exam1</a:t>
-                      </a:r>
-                      <a:endParaRPr lang="en-US" sz="3000" b="0" i="0" u="none" strike="noStrike" dirty="0">
-                        <a:solidFill>
-                          <a:srgbClr val="000000"/>
-                        </a:solidFill>
-                        <a:effectLst/>
-                        <a:latin typeface="Calibri" panose="020F0502020204030204" pitchFamily="34" charset="0"/>
-                      </a:endParaRPr>
-                    </a:p>
-                  </a:txBody>
-                  <a:tcPr marL="9525" marR="9525" marT="9525" marB="0" anchor="b"/>
-                </a:tc>
-                <a:tc>
-                  <a:txBody>
-                    <a:bodyPr/>
-                    <a:lstStyle/>
-                    <a:p>
-                      <a:pPr algn="l" fontAlgn="b"/>
-                      <a:r>
-                        <a:rPr lang="en-US" sz="3000" u="none" strike="noStrike">
-                          <a:effectLst/>
-                        </a:rPr>
-                        <a:t>Exam2</a:t>
-                      </a:r>
-                      <a:endParaRPr lang="en-US" sz="3000" b="0" i="0" u="none" strike="noStrike">
-                        <a:solidFill>
-                          <a:srgbClr val="000000"/>
-                        </a:solidFill>
-                        <a:effectLst/>
-                        <a:latin typeface="Calibri" panose="020F0502020204030204" pitchFamily="34" charset="0"/>
-                      </a:endParaRPr>
-                    </a:p>
-                  </a:txBody>
-                  <a:tcPr marL="9525" marR="9525" marT="9525" marB="0" anchor="b"/>
-                </a:tc>
-                <a:tc>
-                  <a:txBody>
-                    <a:bodyPr/>
-                    <a:lstStyle/>
-                    <a:p>
-                      <a:pPr algn="l" fontAlgn="b"/>
-                      <a:r>
-                        <a:rPr lang="en-US" sz="3000" u="none" strike="noStrike">
-                          <a:effectLst/>
-                        </a:rPr>
-                        <a:t>Final Exam</a:t>
-                      </a:r>
-                      <a:endParaRPr lang="en-US" sz="3000" b="0" i="0" u="none" strike="noStrike">
-                        <a:solidFill>
-                          <a:srgbClr val="000000"/>
-                        </a:solidFill>
-                        <a:effectLst/>
-                        <a:latin typeface="Calibri" panose="020F0502020204030204" pitchFamily="34" charset="0"/>
-                      </a:endParaRPr>
-                    </a:p>
-                  </a:txBody>
-                  <a:tcPr marL="9525" marR="9525" marT="9525" marB="0" anchor="b"/>
-                </a:tc>
-                <a:extLst>
-                  <a:ext uri="{0D108BD9-81ED-4DB2-BD59-A6C34878D82A}">
-                    <a16:rowId xmlns:a16="http://schemas.microsoft.com/office/drawing/2014/main" val="1607550455"/>
-                  </a:ext>
-                </a:extLst>
-              </a:tr>
-              <a:tr h="813693">
-                <a:tc>
-                  <a:txBody>
-                    <a:bodyPr/>
-                    <a:lstStyle/>
-                    <a:p>
-                      <a:pPr algn="ctr" fontAlgn="ctr"/>
-                      <a:r>
-                        <a:rPr lang="en-US" sz="3000" u="none" strike="noStrike">
-                          <a:effectLst/>
-                        </a:rPr>
-                        <a:t>All</a:t>
-                      </a:r>
-                      <a:endParaRPr lang="en-US" sz="3000" b="0" i="0" u="none" strike="noStrike">
-                        <a:solidFill>
-                          <a:srgbClr val="000000"/>
-                        </a:solidFill>
-                        <a:effectLst/>
-                        <a:latin typeface="Calibri" panose="020F0502020204030204" pitchFamily="34" charset="0"/>
-                      </a:endParaRPr>
-                    </a:p>
-                  </a:txBody>
-                  <a:tcPr marL="9525" marR="9525" marT="9525" marB="0" anchor="ctr"/>
-                </a:tc>
-                <a:tc>
-                  <a:txBody>
-                    <a:bodyPr/>
-                    <a:lstStyle/>
-                    <a:p>
-                      <a:pPr algn="ctr" fontAlgn="b"/>
-                      <a:r>
-                        <a:rPr lang="en-US" sz="3000" u="none" strike="noStrike" dirty="0">
-                          <a:effectLst/>
-                        </a:rPr>
-                        <a:t>+</a:t>
-                      </a:r>
-                      <a:endParaRPr lang="en-US" sz="3000" b="0" i="0" u="none" strike="noStrike" dirty="0">
-                        <a:solidFill>
-                          <a:srgbClr val="006100"/>
-                        </a:solidFill>
-                        <a:effectLst/>
-                        <a:latin typeface="Calibri" panose="020F0502020204030204" pitchFamily="34" charset="0"/>
-                      </a:endParaRPr>
-                    </a:p>
-                  </a:txBody>
-                  <a:tcPr marL="9525" marR="9525" marT="9525" marB="0" anchor="b"/>
-                </a:tc>
-                <a:tc>
-                  <a:txBody>
-                    <a:bodyPr/>
-                    <a:lstStyle/>
-                    <a:p>
-                      <a:pPr algn="ctr" fontAlgn="b"/>
-                      <a:r>
-                        <a:rPr lang="en-US" sz="3000" u="none" strike="noStrike">
-                          <a:effectLst/>
-                        </a:rPr>
-                        <a:t>+</a:t>
-                      </a:r>
-                      <a:endParaRPr lang="en-US" sz="3000" b="0" i="0" u="none" strike="noStrike">
-                        <a:solidFill>
-                          <a:srgbClr val="006100"/>
-                        </a:solidFill>
-                        <a:effectLst/>
-                        <a:latin typeface="Calibri" panose="020F0502020204030204" pitchFamily="34" charset="0"/>
-                      </a:endParaRPr>
-                    </a:p>
-                  </a:txBody>
-                  <a:tcPr marL="9525" marR="9525" marT="9525" marB="0" anchor="b"/>
-                </a:tc>
-                <a:tc>
-                  <a:txBody>
-                    <a:bodyPr/>
-                    <a:lstStyle/>
-                    <a:p>
-                      <a:pPr algn="ctr" fontAlgn="b"/>
-                      <a:r>
-                        <a:rPr lang="en-US" sz="3000" u="none" strike="noStrike">
-                          <a:effectLst/>
-                        </a:rPr>
-                        <a:t> </a:t>
-                      </a:r>
-                      <a:endParaRPr lang="en-US" sz="3000" b="0" i="0" u="none" strike="noStrike">
-                        <a:solidFill>
-                          <a:srgbClr val="000000"/>
-                        </a:solidFill>
-                        <a:effectLst/>
-                        <a:latin typeface="Calibri" panose="020F0502020204030204" pitchFamily="34" charset="0"/>
-                      </a:endParaRPr>
-                    </a:p>
-                  </a:txBody>
-                  <a:tcPr marL="9525" marR="9525" marT="9525" marB="0" anchor="b"/>
-                </a:tc>
-                <a:tc>
-                  <a:txBody>
-                    <a:bodyPr/>
-                    <a:lstStyle/>
-                    <a:p>
-                      <a:pPr algn="ctr" fontAlgn="b"/>
-                      <a:r>
-                        <a:rPr lang="en-US" sz="3000" u="none" strike="noStrike">
-                          <a:effectLst/>
-                        </a:rPr>
-                        <a:t> </a:t>
-                      </a:r>
-                      <a:endParaRPr lang="en-US" sz="3000" b="0" i="0" u="none" strike="noStrike">
-                        <a:solidFill>
-                          <a:srgbClr val="000000"/>
-                        </a:solidFill>
-                        <a:effectLst/>
-                        <a:latin typeface="Calibri" panose="020F0502020204030204" pitchFamily="34" charset="0"/>
-                      </a:endParaRPr>
-                    </a:p>
-                  </a:txBody>
-                  <a:tcPr marL="9525" marR="9525" marT="9525" marB="0" anchor="b"/>
-                </a:tc>
-                <a:tc>
-                  <a:txBody>
-                    <a:bodyPr/>
-                    <a:lstStyle/>
-                    <a:p>
-                      <a:pPr algn="ctr" fontAlgn="b"/>
-                      <a:r>
-                        <a:rPr lang="en-US" sz="3000" u="none" strike="noStrike">
-                          <a:effectLst/>
-                        </a:rPr>
-                        <a:t>-</a:t>
-                      </a:r>
-                      <a:endParaRPr lang="en-US" sz="3000" b="0" i="0" u="none" strike="noStrike">
-                        <a:solidFill>
-                          <a:srgbClr val="9C0006"/>
-                        </a:solidFill>
-                        <a:effectLst/>
-                        <a:latin typeface="Calibri" panose="020F0502020204030204" pitchFamily="34" charset="0"/>
-                      </a:endParaRPr>
-                    </a:p>
-                  </a:txBody>
-                  <a:tcPr marL="9525" marR="9525" marT="9525" marB="0" anchor="b"/>
-                </a:tc>
-                <a:tc>
-                  <a:txBody>
-                    <a:bodyPr/>
-                    <a:lstStyle/>
-                    <a:p>
-                      <a:pPr algn="ctr" fontAlgn="b"/>
-                      <a:r>
-                        <a:rPr lang="en-US" sz="3000" u="none" strike="noStrike">
-                          <a:effectLst/>
-                        </a:rPr>
-                        <a:t> </a:t>
-                      </a:r>
-                      <a:endParaRPr lang="en-US" sz="3000" b="0" i="0" u="none" strike="noStrike">
-                        <a:solidFill>
-                          <a:srgbClr val="000000"/>
-                        </a:solidFill>
-                        <a:effectLst/>
-                        <a:latin typeface="Calibri" panose="020F0502020204030204" pitchFamily="34" charset="0"/>
-                      </a:endParaRPr>
-                    </a:p>
-                  </a:txBody>
-                  <a:tcPr marL="9525" marR="9525" marT="9525" marB="0" anchor="b"/>
-                </a:tc>
-                <a:tc>
-                  <a:txBody>
-                    <a:bodyPr/>
-                    <a:lstStyle/>
-                    <a:p>
-                      <a:pPr algn="ctr" fontAlgn="b"/>
-                      <a:r>
-                        <a:rPr lang="en-US" sz="3000" u="none" strike="noStrike">
-                          <a:effectLst/>
-                        </a:rPr>
-                        <a:t> </a:t>
-                      </a:r>
-                      <a:endParaRPr lang="en-US" sz="3000" b="0" i="0" u="none" strike="noStrike">
-                        <a:solidFill>
-                          <a:srgbClr val="000000"/>
-                        </a:solidFill>
-                        <a:effectLst/>
-                        <a:latin typeface="Calibri" panose="020F0502020204030204" pitchFamily="34" charset="0"/>
-                      </a:endParaRPr>
-                    </a:p>
-                  </a:txBody>
-                  <a:tcPr marL="9525" marR="9525" marT="9525" marB="0" anchor="b"/>
-                </a:tc>
-                <a:tc>
-                  <a:txBody>
-                    <a:bodyPr/>
-                    <a:lstStyle/>
-                    <a:p>
-                      <a:pPr algn="ctr" fontAlgn="b"/>
-                      <a:r>
-                        <a:rPr lang="en-US" sz="3000" u="none" strike="noStrike">
-                          <a:effectLst/>
-                        </a:rPr>
-                        <a:t>-</a:t>
-                      </a:r>
-                      <a:endParaRPr lang="en-US" sz="3000" b="0" i="0" u="none" strike="noStrike">
-                        <a:solidFill>
-                          <a:srgbClr val="9C0006"/>
-                        </a:solidFill>
-                        <a:effectLst/>
-                        <a:latin typeface="Calibri" panose="020F0502020204030204" pitchFamily="34" charset="0"/>
-                      </a:endParaRPr>
-                    </a:p>
-                  </a:txBody>
-                  <a:tcPr marL="9525" marR="9525" marT="9525" marB="0" anchor="b"/>
-                </a:tc>
-                <a:tc>
-                  <a:txBody>
-                    <a:bodyPr/>
-                    <a:lstStyle/>
-                    <a:p>
-                      <a:pPr algn="ctr" fontAlgn="b"/>
-                      <a:r>
-                        <a:rPr lang="en-US" sz="3000" u="none" strike="noStrike">
-                          <a:effectLst/>
-                        </a:rPr>
-                        <a:t> </a:t>
-                      </a:r>
-                      <a:endParaRPr lang="en-US" sz="3000" b="0" i="0" u="none" strike="noStrike">
-                        <a:solidFill>
-                          <a:srgbClr val="000000"/>
-                        </a:solidFill>
-                        <a:effectLst/>
-                        <a:latin typeface="Calibri" panose="020F0502020204030204" pitchFamily="34" charset="0"/>
-                      </a:endParaRPr>
-                    </a:p>
-                  </a:txBody>
-                  <a:tcPr marL="9525" marR="9525" marT="9525" marB="0" anchor="b"/>
-                </a:tc>
-                <a:tc>
-                  <a:txBody>
-                    <a:bodyPr/>
-                    <a:lstStyle/>
-                    <a:p>
-                      <a:pPr algn="ctr" fontAlgn="b"/>
-                      <a:r>
-                        <a:rPr lang="en-US" sz="3000" u="none" strike="noStrike">
-                          <a:effectLst/>
-                        </a:rPr>
-                        <a:t>+</a:t>
-                      </a:r>
-                      <a:endParaRPr lang="en-US" sz="3000" b="0" i="0" u="none" strike="noStrike">
-                        <a:solidFill>
-                          <a:srgbClr val="006100"/>
-                        </a:solidFill>
-                        <a:effectLst/>
-                        <a:latin typeface="Calibri" panose="020F0502020204030204" pitchFamily="34" charset="0"/>
-                      </a:endParaRPr>
-                    </a:p>
-                  </a:txBody>
-                  <a:tcPr marL="9525" marR="9525" marT="9525" marB="0" anchor="b"/>
-                </a:tc>
-                <a:tc>
-                  <a:txBody>
-                    <a:bodyPr/>
-                    <a:lstStyle/>
-                    <a:p>
-                      <a:pPr algn="ctr" fontAlgn="b"/>
-                      <a:r>
-                        <a:rPr lang="en-US" sz="3000" u="none" strike="noStrike">
-                          <a:effectLst/>
-                        </a:rPr>
-                        <a:t> </a:t>
-                      </a:r>
-                      <a:endParaRPr lang="en-US" sz="3000" b="0" i="0" u="none" strike="noStrike">
-                        <a:solidFill>
-                          <a:srgbClr val="000000"/>
-                        </a:solidFill>
-                        <a:effectLst/>
-                        <a:latin typeface="Calibri" panose="020F0502020204030204" pitchFamily="34" charset="0"/>
-                      </a:endParaRPr>
-                    </a:p>
-                  </a:txBody>
-                  <a:tcPr marL="9525" marR="9525" marT="9525" marB="0" anchor="b"/>
-                </a:tc>
-                <a:tc>
-                  <a:txBody>
-                    <a:bodyPr/>
-                    <a:lstStyle/>
-                    <a:p>
-                      <a:pPr algn="ctr" fontAlgn="b"/>
-                      <a:r>
-                        <a:rPr lang="en-US" sz="3000" u="none" strike="noStrike">
-                          <a:effectLst/>
-                        </a:rPr>
-                        <a:t>+</a:t>
-                      </a:r>
-                      <a:endParaRPr lang="en-US" sz="3000" b="0" i="0" u="none" strike="noStrike">
-                        <a:solidFill>
-                          <a:srgbClr val="006100"/>
-                        </a:solidFill>
-                        <a:effectLst/>
-                        <a:latin typeface="Calibri" panose="020F0502020204030204" pitchFamily="34" charset="0"/>
-                      </a:endParaRPr>
-                    </a:p>
-                  </a:txBody>
-                  <a:tcPr marL="9525" marR="9525" marT="9525" marB="0" anchor="b"/>
-                </a:tc>
-                <a:tc>
-                  <a:txBody>
-                    <a:bodyPr/>
-                    <a:lstStyle/>
-                    <a:p>
-                      <a:pPr algn="ctr" fontAlgn="b"/>
-                      <a:r>
-                        <a:rPr lang="en-US" sz="3000" u="none" strike="noStrike">
-                          <a:effectLst/>
-                        </a:rPr>
-                        <a:t> </a:t>
-                      </a:r>
-                      <a:endParaRPr lang="en-US" sz="3000" b="0" i="0" u="none" strike="noStrike">
-                        <a:solidFill>
-                          <a:srgbClr val="000000"/>
-                        </a:solidFill>
-                        <a:effectLst/>
-                        <a:latin typeface="Calibri" panose="020F0502020204030204" pitchFamily="34" charset="0"/>
-                      </a:endParaRPr>
-                    </a:p>
-                  </a:txBody>
-                  <a:tcPr marL="9525" marR="9525" marT="9525" marB="0" anchor="b"/>
-                </a:tc>
-                <a:extLst>
-                  <a:ext uri="{0D108BD9-81ED-4DB2-BD59-A6C34878D82A}">
-                    <a16:rowId xmlns:a16="http://schemas.microsoft.com/office/drawing/2014/main" val="2761008232"/>
-                  </a:ext>
-                </a:extLst>
-              </a:tr>
-              <a:tr h="813693">
-                <a:tc>
-                  <a:txBody>
-                    <a:bodyPr/>
-                    <a:lstStyle/>
-                    <a:p>
-                      <a:pPr algn="ctr" fontAlgn="ctr"/>
-                      <a:r>
-                        <a:rPr lang="en-US" sz="3000" u="none" strike="noStrike">
-                          <a:effectLst/>
-                        </a:rPr>
-                        <a:t>White</a:t>
-                      </a:r>
-                      <a:endParaRPr lang="en-US" sz="3000" b="0" i="0" u="none" strike="noStrike">
-                        <a:solidFill>
-                          <a:srgbClr val="000000"/>
-                        </a:solidFill>
-                        <a:effectLst/>
-                        <a:latin typeface="Calibri" panose="020F0502020204030204" pitchFamily="34" charset="0"/>
-                      </a:endParaRPr>
-                    </a:p>
-                  </a:txBody>
-                  <a:tcPr marL="9525" marR="9525" marT="9525" marB="0" anchor="ctr"/>
-                </a:tc>
-                <a:tc>
-                  <a:txBody>
-                    <a:bodyPr/>
-                    <a:lstStyle/>
-                    <a:p>
-                      <a:pPr algn="ctr" fontAlgn="b"/>
-                      <a:r>
-                        <a:rPr lang="en-US" sz="3000" u="none" strike="noStrike" dirty="0">
-                          <a:effectLst/>
-                        </a:rPr>
-                        <a:t>+</a:t>
-                      </a:r>
-                      <a:endParaRPr lang="en-US" sz="3000" b="0" i="0" u="none" strike="noStrike" dirty="0">
-                        <a:solidFill>
-                          <a:srgbClr val="006100"/>
-                        </a:solidFill>
-                        <a:effectLst/>
-                        <a:latin typeface="Calibri" panose="020F0502020204030204" pitchFamily="34" charset="0"/>
-                      </a:endParaRPr>
-                    </a:p>
-                  </a:txBody>
-                  <a:tcPr marL="9525" marR="9525" marT="9525" marB="0" anchor="b"/>
-                </a:tc>
-                <a:tc>
-                  <a:txBody>
-                    <a:bodyPr/>
-                    <a:lstStyle/>
-                    <a:p>
-                      <a:pPr algn="ctr" fontAlgn="b"/>
-                      <a:r>
-                        <a:rPr lang="en-US" sz="3000" u="none" strike="noStrike" dirty="0">
-                          <a:effectLst/>
-                        </a:rPr>
-                        <a:t>+</a:t>
-                      </a:r>
-                      <a:endParaRPr lang="en-US" sz="3000" b="0" i="0" u="none" strike="noStrike" dirty="0">
-                        <a:solidFill>
-                          <a:srgbClr val="006100"/>
-                        </a:solidFill>
-                        <a:effectLst/>
-                        <a:latin typeface="Calibri" panose="020F0502020204030204" pitchFamily="34" charset="0"/>
-                      </a:endParaRPr>
-                    </a:p>
-                  </a:txBody>
-                  <a:tcPr marL="9525" marR="9525" marT="9525" marB="0" anchor="b"/>
-                </a:tc>
-                <a:tc>
-                  <a:txBody>
-                    <a:bodyPr/>
-                    <a:lstStyle/>
-                    <a:p>
-                      <a:pPr algn="ctr" fontAlgn="b"/>
-                      <a:r>
-                        <a:rPr lang="en-US" sz="3000" u="none" strike="noStrike">
-                          <a:effectLst/>
-                        </a:rPr>
-                        <a:t> </a:t>
-                      </a:r>
-                      <a:endParaRPr lang="en-US" sz="3000" b="0" i="0" u="none" strike="noStrike">
-                        <a:solidFill>
-                          <a:srgbClr val="000000"/>
-                        </a:solidFill>
-                        <a:effectLst/>
-                        <a:latin typeface="Calibri" panose="020F0502020204030204" pitchFamily="34" charset="0"/>
-                      </a:endParaRPr>
-                    </a:p>
-                  </a:txBody>
-                  <a:tcPr marL="9525" marR="9525" marT="9525" marB="0" anchor="b"/>
-                </a:tc>
-                <a:tc>
-                  <a:txBody>
-                    <a:bodyPr/>
-                    <a:lstStyle/>
-                    <a:p>
-                      <a:pPr algn="ctr" fontAlgn="b"/>
-                      <a:r>
-                        <a:rPr lang="en-US" sz="3000" u="none" strike="noStrike">
-                          <a:effectLst/>
-                        </a:rPr>
-                        <a:t> </a:t>
-                      </a:r>
-                      <a:endParaRPr lang="en-US" sz="3000" b="0" i="0" u="none" strike="noStrike">
-                        <a:solidFill>
-                          <a:srgbClr val="000000"/>
-                        </a:solidFill>
-                        <a:effectLst/>
-                        <a:latin typeface="Calibri" panose="020F0502020204030204" pitchFamily="34" charset="0"/>
-                      </a:endParaRPr>
-                    </a:p>
-                  </a:txBody>
-                  <a:tcPr marL="9525" marR="9525" marT="9525" marB="0" anchor="b"/>
-                </a:tc>
-                <a:tc>
-                  <a:txBody>
-                    <a:bodyPr/>
-                    <a:lstStyle/>
-                    <a:p>
-                      <a:pPr algn="ctr" fontAlgn="b"/>
-                      <a:r>
-                        <a:rPr lang="en-US" sz="3000" u="none" strike="noStrike">
-                          <a:effectLst/>
-                        </a:rPr>
-                        <a:t>-</a:t>
-                      </a:r>
-                      <a:endParaRPr lang="en-US" sz="3000" b="0" i="0" u="none" strike="noStrike">
-                        <a:solidFill>
-                          <a:srgbClr val="9C0006"/>
-                        </a:solidFill>
-                        <a:effectLst/>
-                        <a:latin typeface="Calibri" panose="020F0502020204030204" pitchFamily="34" charset="0"/>
-                      </a:endParaRPr>
-                    </a:p>
-                  </a:txBody>
-                  <a:tcPr marL="9525" marR="9525" marT="9525" marB="0" anchor="b"/>
-                </a:tc>
-                <a:tc>
-                  <a:txBody>
-                    <a:bodyPr/>
-                    <a:lstStyle/>
-                    <a:p>
-                      <a:pPr algn="ctr" fontAlgn="b"/>
-                      <a:r>
-                        <a:rPr lang="en-US" sz="3000" u="none" strike="noStrike">
-                          <a:effectLst/>
-                        </a:rPr>
-                        <a:t> </a:t>
-                      </a:r>
-                      <a:endParaRPr lang="en-US" sz="3000" b="0" i="0" u="none" strike="noStrike">
-                        <a:solidFill>
-                          <a:srgbClr val="000000"/>
-                        </a:solidFill>
-                        <a:effectLst/>
-                        <a:latin typeface="Calibri" panose="020F0502020204030204" pitchFamily="34" charset="0"/>
-                      </a:endParaRPr>
-                    </a:p>
-                  </a:txBody>
-                  <a:tcPr marL="9525" marR="9525" marT="9525" marB="0" anchor="b"/>
-                </a:tc>
-                <a:tc>
-                  <a:txBody>
-                    <a:bodyPr/>
-                    <a:lstStyle/>
-                    <a:p>
-                      <a:pPr algn="ctr" fontAlgn="b"/>
-                      <a:r>
-                        <a:rPr lang="en-US" sz="3000" u="none" strike="noStrike">
-                          <a:effectLst/>
-                        </a:rPr>
-                        <a:t>+</a:t>
-                      </a:r>
-                      <a:endParaRPr lang="en-US" sz="3000" b="0" i="0" u="none" strike="noStrike">
-                        <a:solidFill>
-                          <a:srgbClr val="006100"/>
-                        </a:solidFill>
-                        <a:effectLst/>
-                        <a:latin typeface="Calibri" panose="020F0502020204030204" pitchFamily="34" charset="0"/>
-                      </a:endParaRPr>
-                    </a:p>
-                  </a:txBody>
-                  <a:tcPr marL="9525" marR="9525" marT="9525" marB="0" anchor="b"/>
-                </a:tc>
-                <a:tc>
-                  <a:txBody>
-                    <a:bodyPr/>
-                    <a:lstStyle/>
-                    <a:p>
-                      <a:pPr algn="ctr" fontAlgn="b"/>
-                      <a:r>
-                        <a:rPr lang="en-US" sz="3000" u="none" strike="noStrike">
-                          <a:effectLst/>
-                        </a:rPr>
-                        <a:t>-</a:t>
-                      </a:r>
-                      <a:endParaRPr lang="en-US" sz="3000" b="0" i="0" u="none" strike="noStrike">
-                        <a:solidFill>
-                          <a:srgbClr val="9C0006"/>
-                        </a:solidFill>
-                        <a:effectLst/>
-                        <a:latin typeface="Calibri" panose="020F0502020204030204" pitchFamily="34" charset="0"/>
-                      </a:endParaRPr>
-                    </a:p>
-                  </a:txBody>
-                  <a:tcPr marL="9525" marR="9525" marT="9525" marB="0" anchor="b"/>
-                </a:tc>
-                <a:tc>
-                  <a:txBody>
-                    <a:bodyPr/>
-                    <a:lstStyle/>
-                    <a:p>
-                      <a:pPr algn="ctr" fontAlgn="b"/>
-                      <a:r>
-                        <a:rPr lang="en-US" sz="3000" u="none" strike="noStrike">
-                          <a:effectLst/>
-                        </a:rPr>
-                        <a:t> </a:t>
-                      </a:r>
-                      <a:endParaRPr lang="en-US" sz="3000" b="0" i="0" u="none" strike="noStrike">
-                        <a:solidFill>
-                          <a:srgbClr val="000000"/>
-                        </a:solidFill>
-                        <a:effectLst/>
-                        <a:latin typeface="Calibri" panose="020F0502020204030204" pitchFamily="34" charset="0"/>
-                      </a:endParaRPr>
-                    </a:p>
-                  </a:txBody>
-                  <a:tcPr marL="9525" marR="9525" marT="9525" marB="0" anchor="b"/>
-                </a:tc>
-                <a:tc>
-                  <a:txBody>
-                    <a:bodyPr/>
-                    <a:lstStyle/>
-                    <a:p>
-                      <a:pPr algn="ctr" fontAlgn="b"/>
-                      <a:r>
-                        <a:rPr lang="en-US" sz="3000" u="none" strike="noStrike">
-                          <a:effectLst/>
-                        </a:rPr>
-                        <a:t>+</a:t>
-                      </a:r>
-                      <a:endParaRPr lang="en-US" sz="3000" b="0" i="0" u="none" strike="noStrike">
-                        <a:solidFill>
-                          <a:srgbClr val="006100"/>
-                        </a:solidFill>
-                        <a:effectLst/>
-                        <a:latin typeface="Calibri" panose="020F0502020204030204" pitchFamily="34" charset="0"/>
-                      </a:endParaRPr>
-                    </a:p>
-                  </a:txBody>
-                  <a:tcPr marL="9525" marR="9525" marT="9525" marB="0" anchor="b"/>
-                </a:tc>
-                <a:tc>
-                  <a:txBody>
-                    <a:bodyPr/>
-                    <a:lstStyle/>
-                    <a:p>
-                      <a:pPr algn="ctr" fontAlgn="b"/>
-                      <a:r>
-                        <a:rPr lang="en-US" sz="3000" u="none" strike="noStrike">
-                          <a:effectLst/>
-                        </a:rPr>
-                        <a:t> </a:t>
-                      </a:r>
-                      <a:endParaRPr lang="en-US" sz="3000" b="0" i="0" u="none" strike="noStrike">
-                        <a:solidFill>
-                          <a:srgbClr val="000000"/>
-                        </a:solidFill>
-                        <a:effectLst/>
-                        <a:latin typeface="Calibri" panose="020F0502020204030204" pitchFamily="34" charset="0"/>
-                      </a:endParaRPr>
-                    </a:p>
-                  </a:txBody>
-                  <a:tcPr marL="9525" marR="9525" marT="9525" marB="0" anchor="b"/>
-                </a:tc>
-                <a:tc>
-                  <a:txBody>
-                    <a:bodyPr/>
-                    <a:lstStyle/>
-                    <a:p>
-                      <a:pPr algn="ctr" fontAlgn="b"/>
-                      <a:r>
-                        <a:rPr lang="en-US" sz="3000" u="none" strike="noStrike">
-                          <a:effectLst/>
-                        </a:rPr>
-                        <a:t>+</a:t>
-                      </a:r>
-                      <a:endParaRPr lang="en-US" sz="3000" b="0" i="0" u="none" strike="noStrike">
-                        <a:solidFill>
-                          <a:srgbClr val="006100"/>
-                        </a:solidFill>
-                        <a:effectLst/>
-                        <a:latin typeface="Calibri" panose="020F0502020204030204" pitchFamily="34" charset="0"/>
-                      </a:endParaRPr>
-                    </a:p>
-                  </a:txBody>
-                  <a:tcPr marL="9525" marR="9525" marT="9525" marB="0" anchor="b"/>
-                </a:tc>
-                <a:tc>
-                  <a:txBody>
-                    <a:bodyPr/>
-                    <a:lstStyle/>
-                    <a:p>
-                      <a:pPr algn="ctr" fontAlgn="b"/>
-                      <a:r>
-                        <a:rPr lang="en-US" sz="3000" u="none" strike="noStrike">
-                          <a:effectLst/>
-                        </a:rPr>
-                        <a:t> </a:t>
-                      </a:r>
-                      <a:endParaRPr lang="en-US" sz="3000" b="0" i="0" u="none" strike="noStrike">
-                        <a:solidFill>
-                          <a:srgbClr val="000000"/>
-                        </a:solidFill>
-                        <a:effectLst/>
-                        <a:latin typeface="Calibri" panose="020F0502020204030204" pitchFamily="34" charset="0"/>
-                      </a:endParaRPr>
-                    </a:p>
-                  </a:txBody>
-                  <a:tcPr marL="9525" marR="9525" marT="9525" marB="0" anchor="b"/>
-                </a:tc>
-                <a:extLst>
-                  <a:ext uri="{0D108BD9-81ED-4DB2-BD59-A6C34878D82A}">
-                    <a16:rowId xmlns:a16="http://schemas.microsoft.com/office/drawing/2014/main" val="904674335"/>
-                  </a:ext>
-                </a:extLst>
-              </a:tr>
-              <a:tr h="813693">
-                <a:tc>
-                  <a:txBody>
-                    <a:bodyPr/>
-                    <a:lstStyle/>
-                    <a:p>
-                      <a:pPr algn="ctr" fontAlgn="ctr"/>
-                      <a:r>
-                        <a:rPr lang="en-US" sz="3000" u="none" strike="noStrike">
-                          <a:effectLst/>
-                        </a:rPr>
-                        <a:t>Asian</a:t>
-                      </a:r>
-                      <a:endParaRPr lang="en-US" sz="3000" b="0" i="0" u="none" strike="noStrike">
-                        <a:solidFill>
-                          <a:srgbClr val="000000"/>
-                        </a:solidFill>
-                        <a:effectLst/>
-                        <a:latin typeface="Calibri" panose="020F0502020204030204" pitchFamily="34" charset="0"/>
-                      </a:endParaRPr>
-                    </a:p>
-                  </a:txBody>
-                  <a:tcPr marL="9525" marR="9525" marT="9525" marB="0" anchor="ctr"/>
-                </a:tc>
-                <a:tc>
-                  <a:txBody>
-                    <a:bodyPr/>
-                    <a:lstStyle/>
-                    <a:p>
-                      <a:pPr algn="ctr" fontAlgn="b"/>
-                      <a:r>
-                        <a:rPr lang="en-US" sz="3000" u="none" strike="noStrike">
-                          <a:effectLst/>
-                        </a:rPr>
-                        <a:t> </a:t>
-                      </a:r>
-                      <a:endParaRPr lang="en-US" sz="3000" b="0" i="0" u="none" strike="noStrike">
-                        <a:solidFill>
-                          <a:srgbClr val="000000"/>
-                        </a:solidFill>
-                        <a:effectLst/>
-                        <a:latin typeface="Calibri" panose="020F0502020204030204" pitchFamily="34" charset="0"/>
-                      </a:endParaRPr>
-                    </a:p>
-                  </a:txBody>
-                  <a:tcPr marL="9525" marR="9525" marT="9525" marB="0" anchor="b"/>
-                </a:tc>
-                <a:tc>
-                  <a:txBody>
-                    <a:bodyPr/>
-                    <a:lstStyle/>
-                    <a:p>
-                      <a:pPr algn="ctr" fontAlgn="b"/>
-                      <a:r>
-                        <a:rPr lang="en-US" sz="3000" u="none" strike="noStrike" dirty="0">
-                          <a:effectLst/>
-                        </a:rPr>
-                        <a:t>+</a:t>
-                      </a:r>
-                      <a:endParaRPr lang="en-US" sz="3000" b="0" i="0" u="none" strike="noStrike" dirty="0">
-                        <a:solidFill>
-                          <a:srgbClr val="006100"/>
-                        </a:solidFill>
-                        <a:effectLst/>
-                        <a:latin typeface="Calibri" panose="020F0502020204030204" pitchFamily="34" charset="0"/>
-                      </a:endParaRPr>
-                    </a:p>
-                  </a:txBody>
-                  <a:tcPr marL="9525" marR="9525" marT="9525" marB="0" anchor="b"/>
-                </a:tc>
-                <a:tc>
-                  <a:txBody>
-                    <a:bodyPr/>
-                    <a:lstStyle/>
-                    <a:p>
-                      <a:pPr algn="ctr" fontAlgn="b"/>
-                      <a:r>
-                        <a:rPr lang="en-US" sz="3000" u="none" strike="noStrike" dirty="0">
-                          <a:effectLst/>
-                        </a:rPr>
-                        <a:t>+</a:t>
-                      </a:r>
-                      <a:endParaRPr lang="en-US" sz="3000" b="0" i="0" u="none" strike="noStrike" dirty="0">
-                        <a:solidFill>
-                          <a:srgbClr val="006100"/>
-                        </a:solidFill>
-                        <a:effectLst/>
-                        <a:latin typeface="Calibri" panose="020F0502020204030204" pitchFamily="34" charset="0"/>
-                      </a:endParaRPr>
-                    </a:p>
-                  </a:txBody>
-                  <a:tcPr marL="9525" marR="9525" marT="9525" marB="0" anchor="b"/>
-                </a:tc>
-                <a:tc>
-                  <a:txBody>
-                    <a:bodyPr/>
-                    <a:lstStyle/>
-                    <a:p>
-                      <a:pPr algn="ctr" fontAlgn="b"/>
-                      <a:r>
-                        <a:rPr lang="en-US" sz="3000" u="none" strike="noStrike" dirty="0">
-                          <a:effectLst/>
-                        </a:rPr>
-                        <a:t> </a:t>
-                      </a:r>
-                      <a:endParaRPr lang="en-US" sz="3000" b="0" i="0" u="none" strike="noStrike" dirty="0">
-                        <a:solidFill>
-                          <a:srgbClr val="000000"/>
-                        </a:solidFill>
-                        <a:effectLst/>
-                        <a:latin typeface="Calibri" panose="020F0502020204030204" pitchFamily="34" charset="0"/>
-                      </a:endParaRPr>
-                    </a:p>
-                  </a:txBody>
-                  <a:tcPr marL="9525" marR="9525" marT="9525" marB="0" anchor="b"/>
-                </a:tc>
-                <a:tc>
-                  <a:txBody>
-                    <a:bodyPr/>
-                    <a:lstStyle/>
-                    <a:p>
-                      <a:pPr algn="ctr" fontAlgn="b"/>
-                      <a:r>
-                        <a:rPr lang="en-US" sz="3000" u="none" strike="noStrike">
-                          <a:effectLst/>
-                        </a:rPr>
-                        <a:t> </a:t>
-                      </a:r>
-                      <a:endParaRPr lang="en-US" sz="3000" b="0" i="0" u="none" strike="noStrike">
-                        <a:solidFill>
-                          <a:srgbClr val="000000"/>
-                        </a:solidFill>
-                        <a:effectLst/>
-                        <a:latin typeface="Calibri" panose="020F0502020204030204" pitchFamily="34" charset="0"/>
-                      </a:endParaRPr>
-                    </a:p>
-                  </a:txBody>
-                  <a:tcPr marL="9525" marR="9525" marT="9525" marB="0" anchor="b"/>
-                </a:tc>
-                <a:tc>
-                  <a:txBody>
-                    <a:bodyPr/>
-                    <a:lstStyle/>
-                    <a:p>
-                      <a:pPr algn="ctr" fontAlgn="b"/>
-                      <a:r>
-                        <a:rPr lang="en-US" sz="3000" u="none" strike="noStrike">
-                          <a:effectLst/>
-                        </a:rPr>
-                        <a:t> </a:t>
-                      </a:r>
-                      <a:endParaRPr lang="en-US" sz="3000" b="0" i="0" u="none" strike="noStrike">
-                        <a:solidFill>
-                          <a:srgbClr val="000000"/>
-                        </a:solidFill>
-                        <a:effectLst/>
-                        <a:latin typeface="Calibri" panose="020F0502020204030204" pitchFamily="34" charset="0"/>
-                      </a:endParaRPr>
-                    </a:p>
-                  </a:txBody>
-                  <a:tcPr marL="9525" marR="9525" marT="9525" marB="0" anchor="b"/>
-                </a:tc>
-                <a:tc>
-                  <a:txBody>
-                    <a:bodyPr/>
-                    <a:lstStyle/>
-                    <a:p>
-                      <a:pPr algn="ctr" fontAlgn="b"/>
-                      <a:r>
-                        <a:rPr lang="en-US" sz="3000" u="none" strike="noStrike">
-                          <a:effectLst/>
-                        </a:rPr>
-                        <a:t> </a:t>
-                      </a:r>
-                      <a:endParaRPr lang="en-US" sz="3000" b="0" i="0" u="none" strike="noStrike">
-                        <a:solidFill>
-                          <a:srgbClr val="000000"/>
-                        </a:solidFill>
-                        <a:effectLst/>
-                        <a:latin typeface="Calibri" panose="020F0502020204030204" pitchFamily="34" charset="0"/>
-                      </a:endParaRPr>
-                    </a:p>
-                  </a:txBody>
-                  <a:tcPr marL="9525" marR="9525" marT="9525" marB="0" anchor="b"/>
-                </a:tc>
-                <a:tc>
-                  <a:txBody>
-                    <a:bodyPr/>
-                    <a:lstStyle/>
-                    <a:p>
-                      <a:pPr algn="ctr" fontAlgn="b"/>
-                      <a:r>
-                        <a:rPr lang="en-US" sz="3000" u="none" strike="noStrike">
-                          <a:effectLst/>
-                        </a:rPr>
-                        <a:t> </a:t>
-                      </a:r>
-                      <a:endParaRPr lang="en-US" sz="3000" b="0" i="0" u="none" strike="noStrike">
-                        <a:solidFill>
-                          <a:srgbClr val="000000"/>
-                        </a:solidFill>
-                        <a:effectLst/>
-                        <a:latin typeface="Calibri" panose="020F0502020204030204" pitchFamily="34" charset="0"/>
-                      </a:endParaRPr>
-                    </a:p>
-                  </a:txBody>
-                  <a:tcPr marL="9525" marR="9525" marT="9525" marB="0" anchor="b"/>
-                </a:tc>
-                <a:tc>
-                  <a:txBody>
-                    <a:bodyPr/>
-                    <a:lstStyle/>
-                    <a:p>
-                      <a:pPr algn="ctr" fontAlgn="b"/>
-                      <a:r>
-                        <a:rPr lang="en-US" sz="3000" u="none" strike="noStrike">
-                          <a:effectLst/>
-                        </a:rPr>
-                        <a:t> </a:t>
-                      </a:r>
-                      <a:endParaRPr lang="en-US" sz="3000" b="0" i="0" u="none" strike="noStrike">
-                        <a:solidFill>
-                          <a:srgbClr val="000000"/>
-                        </a:solidFill>
-                        <a:effectLst/>
-                        <a:latin typeface="Calibri" panose="020F0502020204030204" pitchFamily="34" charset="0"/>
-                      </a:endParaRPr>
-                    </a:p>
-                  </a:txBody>
-                  <a:tcPr marL="9525" marR="9525" marT="9525" marB="0" anchor="b"/>
-                </a:tc>
-                <a:tc>
-                  <a:txBody>
-                    <a:bodyPr/>
-                    <a:lstStyle/>
-                    <a:p>
-                      <a:pPr algn="ctr" fontAlgn="b"/>
-                      <a:r>
-                        <a:rPr lang="en-US" sz="3000" u="none" strike="noStrike">
-                          <a:effectLst/>
-                        </a:rPr>
-                        <a:t>+</a:t>
-                      </a:r>
-                      <a:endParaRPr lang="en-US" sz="3000" b="0" i="0" u="none" strike="noStrike">
-                        <a:solidFill>
-                          <a:srgbClr val="006100"/>
-                        </a:solidFill>
-                        <a:effectLst/>
-                        <a:latin typeface="Calibri" panose="020F0502020204030204" pitchFamily="34" charset="0"/>
-                      </a:endParaRPr>
-                    </a:p>
-                  </a:txBody>
-                  <a:tcPr marL="9525" marR="9525" marT="9525" marB="0" anchor="b"/>
-                </a:tc>
-                <a:tc>
-                  <a:txBody>
-                    <a:bodyPr/>
-                    <a:lstStyle/>
-                    <a:p>
-                      <a:pPr algn="ctr" fontAlgn="b"/>
-                      <a:r>
-                        <a:rPr lang="en-US" sz="3000" u="none" strike="noStrike">
-                          <a:effectLst/>
-                        </a:rPr>
-                        <a:t> </a:t>
-                      </a:r>
-                      <a:endParaRPr lang="en-US" sz="3000" b="0" i="0" u="none" strike="noStrike">
-                        <a:solidFill>
-                          <a:srgbClr val="000000"/>
-                        </a:solidFill>
-                        <a:effectLst/>
-                        <a:latin typeface="Calibri" panose="020F0502020204030204" pitchFamily="34" charset="0"/>
-                      </a:endParaRPr>
-                    </a:p>
-                  </a:txBody>
-                  <a:tcPr marL="9525" marR="9525" marT="9525" marB="0" anchor="b"/>
-                </a:tc>
-                <a:tc>
-                  <a:txBody>
-                    <a:bodyPr/>
-                    <a:lstStyle/>
-                    <a:p>
-                      <a:pPr algn="ctr" fontAlgn="b"/>
-                      <a:r>
-                        <a:rPr lang="en-US" sz="3000" u="none" strike="noStrike">
-                          <a:effectLst/>
-                        </a:rPr>
-                        <a:t>+</a:t>
-                      </a:r>
-                      <a:endParaRPr lang="en-US" sz="3000" b="0" i="0" u="none" strike="noStrike">
-                        <a:solidFill>
-                          <a:srgbClr val="006100"/>
-                        </a:solidFill>
-                        <a:effectLst/>
-                        <a:latin typeface="Calibri" panose="020F0502020204030204" pitchFamily="34" charset="0"/>
-                      </a:endParaRPr>
-                    </a:p>
-                  </a:txBody>
-                  <a:tcPr marL="9525" marR="9525" marT="9525" marB="0" anchor="b"/>
-                </a:tc>
-                <a:tc>
-                  <a:txBody>
-                    <a:bodyPr/>
-                    <a:lstStyle/>
-                    <a:p>
-                      <a:pPr algn="ctr" fontAlgn="b"/>
-                      <a:r>
-                        <a:rPr lang="en-US" sz="3000" u="none" strike="noStrike">
-                          <a:effectLst/>
-                        </a:rPr>
-                        <a:t> </a:t>
-                      </a:r>
-                      <a:endParaRPr lang="en-US" sz="3000" b="0" i="0" u="none" strike="noStrike">
-                        <a:solidFill>
-                          <a:srgbClr val="000000"/>
-                        </a:solidFill>
-                        <a:effectLst/>
-                        <a:latin typeface="Calibri" panose="020F0502020204030204" pitchFamily="34" charset="0"/>
-                      </a:endParaRPr>
-                    </a:p>
-                  </a:txBody>
-                  <a:tcPr marL="9525" marR="9525" marT="9525" marB="0" anchor="b"/>
-                </a:tc>
-                <a:extLst>
-                  <a:ext uri="{0D108BD9-81ED-4DB2-BD59-A6C34878D82A}">
-                    <a16:rowId xmlns:a16="http://schemas.microsoft.com/office/drawing/2014/main" val="1482509627"/>
-                  </a:ext>
-                </a:extLst>
-              </a:tr>
-              <a:tr h="813693">
-                <a:tc>
-                  <a:txBody>
-                    <a:bodyPr/>
-                    <a:lstStyle/>
-                    <a:p>
-                      <a:pPr algn="ctr" fontAlgn="ctr"/>
-                      <a:r>
-                        <a:rPr lang="en-US" sz="3000" u="none" strike="noStrike">
-                          <a:effectLst/>
-                        </a:rPr>
-                        <a:t>Other</a:t>
-                      </a:r>
-                      <a:endParaRPr lang="en-US" sz="3000" b="0" i="0" u="none" strike="noStrike">
-                        <a:solidFill>
-                          <a:srgbClr val="000000"/>
-                        </a:solidFill>
-                        <a:effectLst/>
-                        <a:latin typeface="Calibri" panose="020F0502020204030204" pitchFamily="34" charset="0"/>
-                      </a:endParaRPr>
-                    </a:p>
-                  </a:txBody>
-                  <a:tcPr marL="9525" marR="9525" marT="9525" marB="0" anchor="ctr"/>
-                </a:tc>
-                <a:tc>
-                  <a:txBody>
-                    <a:bodyPr/>
-                    <a:lstStyle/>
-                    <a:p>
-                      <a:pPr algn="ctr" fontAlgn="b"/>
-                      <a:r>
-                        <a:rPr lang="en-US" sz="3000" u="none" strike="noStrike">
-                          <a:effectLst/>
-                        </a:rPr>
-                        <a:t>+</a:t>
-                      </a:r>
-                      <a:endParaRPr lang="en-US" sz="3000" b="0" i="0" u="none" strike="noStrike">
-                        <a:solidFill>
-                          <a:srgbClr val="006100"/>
-                        </a:solidFill>
-                        <a:effectLst/>
-                        <a:latin typeface="Calibri" panose="020F0502020204030204" pitchFamily="34" charset="0"/>
-                      </a:endParaRPr>
-                    </a:p>
-                  </a:txBody>
-                  <a:tcPr marL="9525" marR="9525" marT="9525" marB="0" anchor="b"/>
-                </a:tc>
-                <a:tc>
-                  <a:txBody>
-                    <a:bodyPr/>
-                    <a:lstStyle/>
-                    <a:p>
-                      <a:pPr algn="ctr" fontAlgn="b"/>
-                      <a:r>
-                        <a:rPr lang="en-US" sz="3000" u="none" strike="noStrike">
-                          <a:effectLst/>
-                        </a:rPr>
-                        <a:t>+</a:t>
-                      </a:r>
-                      <a:endParaRPr lang="en-US" sz="3000" b="0" i="0" u="none" strike="noStrike">
-                        <a:solidFill>
-                          <a:srgbClr val="006100"/>
-                        </a:solidFill>
-                        <a:effectLst/>
-                        <a:latin typeface="Calibri" panose="020F0502020204030204" pitchFamily="34" charset="0"/>
-                      </a:endParaRPr>
-                    </a:p>
-                  </a:txBody>
-                  <a:tcPr marL="9525" marR="9525" marT="9525" marB="0" anchor="b"/>
-                </a:tc>
-                <a:tc>
-                  <a:txBody>
-                    <a:bodyPr/>
-                    <a:lstStyle/>
-                    <a:p>
-                      <a:pPr algn="ctr" fontAlgn="b"/>
-                      <a:r>
-                        <a:rPr lang="en-US" sz="3000" u="none" strike="noStrike" dirty="0">
-                          <a:effectLst/>
-                        </a:rPr>
-                        <a:t> </a:t>
-                      </a:r>
-                      <a:endParaRPr lang="en-US" sz="3000" b="0" i="0" u="none" strike="noStrike" dirty="0">
-                        <a:solidFill>
-                          <a:srgbClr val="000000"/>
-                        </a:solidFill>
-                        <a:effectLst/>
-                        <a:latin typeface="Calibri" panose="020F0502020204030204" pitchFamily="34" charset="0"/>
-                      </a:endParaRPr>
-                    </a:p>
-                  </a:txBody>
-                  <a:tcPr marL="9525" marR="9525" marT="9525" marB="0" anchor="b"/>
-                </a:tc>
-                <a:tc>
-                  <a:txBody>
-                    <a:bodyPr/>
-                    <a:lstStyle/>
-                    <a:p>
-                      <a:pPr algn="ctr" fontAlgn="b"/>
-                      <a:r>
-                        <a:rPr lang="en-US" sz="3000" u="none" strike="noStrike">
-                          <a:effectLst/>
-                        </a:rPr>
-                        <a:t> </a:t>
-                      </a:r>
-                      <a:endParaRPr lang="en-US" sz="3000" b="0" i="0" u="none" strike="noStrike">
-                        <a:solidFill>
-                          <a:srgbClr val="000000"/>
-                        </a:solidFill>
-                        <a:effectLst/>
-                        <a:latin typeface="Calibri" panose="020F0502020204030204" pitchFamily="34" charset="0"/>
-                      </a:endParaRPr>
-                    </a:p>
-                  </a:txBody>
-                  <a:tcPr marL="9525" marR="9525" marT="9525" marB="0" anchor="b"/>
-                </a:tc>
-                <a:tc>
-                  <a:txBody>
-                    <a:bodyPr/>
-                    <a:lstStyle/>
-                    <a:p>
-                      <a:pPr algn="ctr" fontAlgn="b"/>
-                      <a:r>
-                        <a:rPr lang="en-US" sz="3000" u="none" strike="noStrike">
-                          <a:effectLst/>
-                        </a:rPr>
-                        <a:t> </a:t>
-                      </a:r>
-                      <a:endParaRPr lang="en-US" sz="3000" b="0" i="0" u="none" strike="noStrike">
-                        <a:solidFill>
-                          <a:srgbClr val="000000"/>
-                        </a:solidFill>
-                        <a:effectLst/>
-                        <a:latin typeface="Calibri" panose="020F0502020204030204" pitchFamily="34" charset="0"/>
-                      </a:endParaRPr>
-                    </a:p>
-                  </a:txBody>
-                  <a:tcPr marL="9525" marR="9525" marT="9525" marB="0" anchor="b"/>
-                </a:tc>
-                <a:tc>
-                  <a:txBody>
-                    <a:bodyPr/>
-                    <a:lstStyle/>
-                    <a:p>
-                      <a:pPr algn="ctr" fontAlgn="b"/>
-                      <a:r>
-                        <a:rPr lang="en-US" sz="3000" u="none" strike="noStrike">
-                          <a:effectLst/>
-                        </a:rPr>
-                        <a:t> </a:t>
-                      </a:r>
-                      <a:endParaRPr lang="en-US" sz="3000" b="0" i="0" u="none" strike="noStrike">
-                        <a:solidFill>
-                          <a:srgbClr val="000000"/>
-                        </a:solidFill>
-                        <a:effectLst/>
-                        <a:latin typeface="Calibri" panose="020F0502020204030204" pitchFamily="34" charset="0"/>
-                      </a:endParaRPr>
-                    </a:p>
-                  </a:txBody>
-                  <a:tcPr marL="9525" marR="9525" marT="9525" marB="0" anchor="b"/>
-                </a:tc>
-                <a:tc>
-                  <a:txBody>
-                    <a:bodyPr/>
-                    <a:lstStyle/>
-                    <a:p>
-                      <a:pPr algn="ctr" fontAlgn="b"/>
-                      <a:r>
-                        <a:rPr lang="en-US" sz="3000" u="none" strike="noStrike" dirty="0">
-                          <a:effectLst/>
-                        </a:rPr>
-                        <a:t> </a:t>
-                      </a:r>
-                      <a:endParaRPr lang="en-US" sz="3000" b="0" i="0" u="none" strike="noStrike" dirty="0">
-                        <a:solidFill>
-                          <a:srgbClr val="000000"/>
-                        </a:solidFill>
-                        <a:effectLst/>
-                        <a:latin typeface="Calibri" panose="020F0502020204030204" pitchFamily="34" charset="0"/>
-                      </a:endParaRPr>
-                    </a:p>
-                  </a:txBody>
-                  <a:tcPr marL="9525" marR="9525" marT="9525" marB="0" anchor="b"/>
-                </a:tc>
-                <a:tc>
-                  <a:txBody>
-                    <a:bodyPr/>
-                    <a:lstStyle/>
-                    <a:p>
-                      <a:pPr algn="ctr" fontAlgn="b"/>
-                      <a:r>
-                        <a:rPr lang="en-US" sz="3000" u="none" strike="noStrike">
-                          <a:effectLst/>
-                        </a:rPr>
-                        <a:t> </a:t>
-                      </a:r>
-                      <a:endParaRPr lang="en-US" sz="3000" b="0" i="0" u="none" strike="noStrike">
-                        <a:solidFill>
-                          <a:srgbClr val="000000"/>
-                        </a:solidFill>
-                        <a:effectLst/>
-                        <a:latin typeface="Calibri" panose="020F0502020204030204" pitchFamily="34" charset="0"/>
-                      </a:endParaRPr>
-                    </a:p>
-                  </a:txBody>
-                  <a:tcPr marL="9525" marR="9525" marT="9525" marB="0" anchor="b"/>
-                </a:tc>
-                <a:tc>
-                  <a:txBody>
-                    <a:bodyPr/>
-                    <a:lstStyle/>
-                    <a:p>
-                      <a:pPr algn="ctr" fontAlgn="b"/>
-                      <a:r>
-                        <a:rPr lang="en-US" sz="3000" u="none" strike="noStrike">
-                          <a:effectLst/>
-                        </a:rPr>
-                        <a:t> </a:t>
-                      </a:r>
-                      <a:endParaRPr lang="en-US" sz="3000" b="0" i="0" u="none" strike="noStrike">
-                        <a:solidFill>
-                          <a:srgbClr val="000000"/>
-                        </a:solidFill>
-                        <a:effectLst/>
-                        <a:latin typeface="Calibri" panose="020F0502020204030204" pitchFamily="34" charset="0"/>
-                      </a:endParaRPr>
-                    </a:p>
-                  </a:txBody>
-                  <a:tcPr marL="9525" marR="9525" marT="9525" marB="0" anchor="b"/>
-                </a:tc>
-                <a:tc>
-                  <a:txBody>
-                    <a:bodyPr/>
-                    <a:lstStyle/>
-                    <a:p>
-                      <a:pPr algn="ctr" fontAlgn="b"/>
-                      <a:r>
-                        <a:rPr lang="en-US" sz="3000" u="none" strike="noStrike">
-                          <a:effectLst/>
-                        </a:rPr>
-                        <a:t>+</a:t>
-                      </a:r>
-                      <a:endParaRPr lang="en-US" sz="3000" b="0" i="0" u="none" strike="noStrike">
-                        <a:solidFill>
-                          <a:srgbClr val="006100"/>
-                        </a:solidFill>
-                        <a:effectLst/>
-                        <a:latin typeface="Calibri" panose="020F0502020204030204" pitchFamily="34" charset="0"/>
-                      </a:endParaRPr>
-                    </a:p>
-                  </a:txBody>
-                  <a:tcPr marL="9525" marR="9525" marT="9525" marB="0" anchor="b"/>
-                </a:tc>
-                <a:tc>
-                  <a:txBody>
-                    <a:bodyPr/>
-                    <a:lstStyle/>
-                    <a:p>
-                      <a:pPr algn="ctr" fontAlgn="b"/>
-                      <a:r>
-                        <a:rPr lang="en-US" sz="3000" u="none" strike="noStrike">
-                          <a:effectLst/>
-                        </a:rPr>
-                        <a:t> </a:t>
-                      </a:r>
-                      <a:endParaRPr lang="en-US" sz="3000" b="0" i="0" u="none" strike="noStrike">
-                        <a:solidFill>
-                          <a:srgbClr val="000000"/>
-                        </a:solidFill>
-                        <a:effectLst/>
-                        <a:latin typeface="Calibri" panose="020F0502020204030204" pitchFamily="34" charset="0"/>
-                      </a:endParaRPr>
-                    </a:p>
-                  </a:txBody>
-                  <a:tcPr marL="9525" marR="9525" marT="9525" marB="0" anchor="b"/>
-                </a:tc>
-                <a:tc>
-                  <a:txBody>
-                    <a:bodyPr/>
-                    <a:lstStyle/>
-                    <a:p>
-                      <a:pPr algn="ctr" fontAlgn="b"/>
-                      <a:r>
-                        <a:rPr lang="en-US" sz="3000" u="none" strike="noStrike">
-                          <a:effectLst/>
-                        </a:rPr>
-                        <a:t>+</a:t>
-                      </a:r>
-                      <a:endParaRPr lang="en-US" sz="3000" b="0" i="0" u="none" strike="noStrike">
-                        <a:solidFill>
-                          <a:srgbClr val="006100"/>
-                        </a:solidFill>
-                        <a:effectLst/>
-                        <a:latin typeface="Calibri" panose="020F0502020204030204" pitchFamily="34" charset="0"/>
-                      </a:endParaRPr>
-                    </a:p>
-                  </a:txBody>
-                  <a:tcPr marL="9525" marR="9525" marT="9525" marB="0" anchor="b"/>
-                </a:tc>
-                <a:tc>
-                  <a:txBody>
-                    <a:bodyPr/>
-                    <a:lstStyle/>
-                    <a:p>
-                      <a:pPr algn="ctr" fontAlgn="b"/>
-                      <a:r>
-                        <a:rPr lang="en-US" sz="3000" u="none" strike="noStrike">
-                          <a:effectLst/>
-                        </a:rPr>
-                        <a:t> </a:t>
-                      </a:r>
-                      <a:endParaRPr lang="en-US" sz="3000" b="0" i="0" u="none" strike="noStrike">
-                        <a:solidFill>
-                          <a:srgbClr val="000000"/>
-                        </a:solidFill>
-                        <a:effectLst/>
-                        <a:latin typeface="Calibri" panose="020F0502020204030204" pitchFamily="34" charset="0"/>
-                      </a:endParaRPr>
-                    </a:p>
-                  </a:txBody>
-                  <a:tcPr marL="9525" marR="9525" marT="9525" marB="0" anchor="b"/>
-                </a:tc>
-                <a:extLst>
-                  <a:ext uri="{0D108BD9-81ED-4DB2-BD59-A6C34878D82A}">
-                    <a16:rowId xmlns:a16="http://schemas.microsoft.com/office/drawing/2014/main" val="4179518546"/>
-                  </a:ext>
-                </a:extLst>
-              </a:tr>
-              <a:tr h="813693">
-                <a:tc>
-                  <a:txBody>
-                    <a:bodyPr/>
-                    <a:lstStyle/>
-                    <a:p>
-                      <a:pPr algn="ctr" fontAlgn="ctr"/>
-                      <a:r>
-                        <a:rPr lang="en-US" sz="3000" u="none" strike="noStrike">
-                          <a:effectLst/>
-                        </a:rPr>
-                        <a:t>Women</a:t>
-                      </a:r>
-                      <a:endParaRPr lang="en-US" sz="3000" b="0" i="0" u="none" strike="noStrike">
-                        <a:solidFill>
-                          <a:srgbClr val="000000"/>
-                        </a:solidFill>
-                        <a:effectLst/>
-                        <a:latin typeface="Calibri" panose="020F0502020204030204" pitchFamily="34" charset="0"/>
-                      </a:endParaRPr>
-                    </a:p>
-                  </a:txBody>
-                  <a:tcPr marL="9525" marR="9525" marT="9525" marB="0" anchor="ctr"/>
-                </a:tc>
-                <a:tc>
-                  <a:txBody>
-                    <a:bodyPr/>
-                    <a:lstStyle/>
-                    <a:p>
-                      <a:pPr algn="ctr" fontAlgn="b"/>
-                      <a:r>
-                        <a:rPr lang="en-US" sz="3000" u="none" strike="noStrike">
-                          <a:effectLst/>
-                        </a:rPr>
-                        <a:t>+</a:t>
-                      </a:r>
-                      <a:endParaRPr lang="en-US" sz="3000" b="0" i="0" u="none" strike="noStrike">
-                        <a:solidFill>
-                          <a:srgbClr val="006100"/>
-                        </a:solidFill>
-                        <a:effectLst/>
-                        <a:latin typeface="Calibri" panose="020F0502020204030204" pitchFamily="34" charset="0"/>
-                      </a:endParaRPr>
-                    </a:p>
-                  </a:txBody>
-                  <a:tcPr marL="9525" marR="9525" marT="9525" marB="0" anchor="b"/>
-                </a:tc>
-                <a:tc>
-                  <a:txBody>
-                    <a:bodyPr/>
-                    <a:lstStyle/>
-                    <a:p>
-                      <a:pPr algn="ctr" fontAlgn="b"/>
-                      <a:r>
-                        <a:rPr lang="en-US" sz="3000" u="none" strike="noStrike">
-                          <a:effectLst/>
-                        </a:rPr>
-                        <a:t>+</a:t>
-                      </a:r>
-                      <a:endParaRPr lang="en-US" sz="3000" b="0" i="0" u="none" strike="noStrike">
-                        <a:solidFill>
-                          <a:srgbClr val="006100"/>
-                        </a:solidFill>
-                        <a:effectLst/>
-                        <a:latin typeface="Calibri" panose="020F0502020204030204" pitchFamily="34" charset="0"/>
-                      </a:endParaRPr>
-                    </a:p>
-                  </a:txBody>
-                  <a:tcPr marL="9525" marR="9525" marT="9525" marB="0" anchor="b"/>
-                </a:tc>
-                <a:tc>
-                  <a:txBody>
-                    <a:bodyPr/>
-                    <a:lstStyle/>
-                    <a:p>
-                      <a:pPr algn="ctr" fontAlgn="b"/>
-                      <a:r>
-                        <a:rPr lang="en-US" sz="3000" u="none" strike="noStrike" dirty="0">
-                          <a:effectLst/>
-                        </a:rPr>
-                        <a:t>+</a:t>
-                      </a:r>
-                      <a:endParaRPr lang="en-US" sz="3000" b="0" i="0" u="none" strike="noStrike" dirty="0">
-                        <a:solidFill>
-                          <a:srgbClr val="006100"/>
-                        </a:solidFill>
-                        <a:effectLst/>
-                        <a:latin typeface="Calibri" panose="020F0502020204030204" pitchFamily="34" charset="0"/>
-                      </a:endParaRPr>
-                    </a:p>
-                  </a:txBody>
-                  <a:tcPr marL="9525" marR="9525" marT="9525" marB="0" anchor="b"/>
-                </a:tc>
-                <a:tc>
-                  <a:txBody>
-                    <a:bodyPr/>
-                    <a:lstStyle/>
-                    <a:p>
-                      <a:pPr algn="ctr" fontAlgn="b"/>
-                      <a:r>
-                        <a:rPr lang="en-US" sz="3000" u="none" strike="noStrike" dirty="0">
-                          <a:effectLst/>
-                        </a:rPr>
-                        <a:t> </a:t>
-                      </a:r>
-                      <a:endParaRPr lang="en-US" sz="3000" b="0" i="0" u="none" strike="noStrike" dirty="0">
-                        <a:solidFill>
-                          <a:srgbClr val="000000"/>
-                        </a:solidFill>
-                        <a:effectLst/>
-                        <a:latin typeface="Calibri" panose="020F0502020204030204" pitchFamily="34" charset="0"/>
-                      </a:endParaRPr>
-                    </a:p>
-                  </a:txBody>
-                  <a:tcPr marL="9525" marR="9525" marT="9525" marB="0" anchor="b"/>
-                </a:tc>
-                <a:tc>
-                  <a:txBody>
-                    <a:bodyPr/>
-                    <a:lstStyle/>
-                    <a:p>
-                      <a:pPr algn="ctr" fontAlgn="b"/>
-                      <a:r>
-                        <a:rPr lang="en-US" sz="3000" u="none" strike="noStrike">
-                          <a:effectLst/>
-                        </a:rPr>
-                        <a:t> </a:t>
-                      </a:r>
-                      <a:endParaRPr lang="en-US" sz="3000" b="0" i="0" u="none" strike="noStrike">
-                        <a:solidFill>
-                          <a:srgbClr val="000000"/>
-                        </a:solidFill>
-                        <a:effectLst/>
-                        <a:latin typeface="Calibri" panose="020F0502020204030204" pitchFamily="34" charset="0"/>
-                      </a:endParaRPr>
-                    </a:p>
-                  </a:txBody>
-                  <a:tcPr marL="9525" marR="9525" marT="9525" marB="0" anchor="b"/>
-                </a:tc>
-                <a:tc>
-                  <a:txBody>
-                    <a:bodyPr/>
-                    <a:lstStyle/>
-                    <a:p>
-                      <a:pPr algn="ctr" fontAlgn="b"/>
-                      <a:r>
-                        <a:rPr lang="en-US" sz="3000" u="none" strike="noStrike">
-                          <a:effectLst/>
-                        </a:rPr>
-                        <a:t> </a:t>
-                      </a:r>
-                      <a:endParaRPr lang="en-US" sz="3000" b="0" i="0" u="none" strike="noStrike">
-                        <a:solidFill>
-                          <a:srgbClr val="000000"/>
-                        </a:solidFill>
-                        <a:effectLst/>
-                        <a:latin typeface="Calibri" panose="020F0502020204030204" pitchFamily="34" charset="0"/>
-                      </a:endParaRPr>
-                    </a:p>
-                  </a:txBody>
-                  <a:tcPr marL="9525" marR="9525" marT="9525" marB="0" anchor="b"/>
-                </a:tc>
-                <a:tc>
-                  <a:txBody>
-                    <a:bodyPr/>
-                    <a:lstStyle/>
-                    <a:p>
-                      <a:pPr algn="ctr" fontAlgn="b"/>
-                      <a:r>
-                        <a:rPr lang="en-US" sz="3000" u="none" strike="noStrike">
-                          <a:effectLst/>
-                        </a:rPr>
-                        <a:t> </a:t>
-                      </a:r>
-                      <a:endParaRPr lang="en-US" sz="3000" b="0" i="0" u="none" strike="noStrike">
-                        <a:solidFill>
-                          <a:srgbClr val="000000"/>
-                        </a:solidFill>
-                        <a:effectLst/>
-                        <a:latin typeface="Calibri" panose="020F0502020204030204" pitchFamily="34" charset="0"/>
-                      </a:endParaRPr>
-                    </a:p>
-                  </a:txBody>
-                  <a:tcPr marL="9525" marR="9525" marT="9525" marB="0" anchor="b"/>
-                </a:tc>
-                <a:tc>
-                  <a:txBody>
-                    <a:bodyPr/>
-                    <a:lstStyle/>
-                    <a:p>
-                      <a:pPr algn="ctr" fontAlgn="b"/>
-                      <a:r>
-                        <a:rPr lang="en-US" sz="3000" u="none" strike="noStrike">
-                          <a:effectLst/>
-                        </a:rPr>
-                        <a:t> </a:t>
-                      </a:r>
-                      <a:endParaRPr lang="en-US" sz="3000" b="0" i="0" u="none" strike="noStrike">
-                        <a:solidFill>
-                          <a:srgbClr val="000000"/>
-                        </a:solidFill>
-                        <a:effectLst/>
-                        <a:latin typeface="Calibri" panose="020F0502020204030204" pitchFamily="34" charset="0"/>
-                      </a:endParaRPr>
-                    </a:p>
-                  </a:txBody>
-                  <a:tcPr marL="9525" marR="9525" marT="9525" marB="0" anchor="b"/>
-                </a:tc>
-                <a:tc>
-                  <a:txBody>
-                    <a:bodyPr/>
-                    <a:lstStyle/>
-                    <a:p>
-                      <a:pPr algn="ctr" fontAlgn="b"/>
-                      <a:r>
-                        <a:rPr lang="en-US" sz="3000" u="none" strike="noStrike">
-                          <a:effectLst/>
-                        </a:rPr>
-                        <a:t> </a:t>
-                      </a:r>
-                      <a:endParaRPr lang="en-US" sz="3000" b="0" i="0" u="none" strike="noStrike">
-                        <a:solidFill>
-                          <a:srgbClr val="000000"/>
-                        </a:solidFill>
-                        <a:effectLst/>
-                        <a:latin typeface="Calibri" panose="020F0502020204030204" pitchFamily="34" charset="0"/>
-                      </a:endParaRPr>
-                    </a:p>
-                  </a:txBody>
-                  <a:tcPr marL="9525" marR="9525" marT="9525" marB="0" anchor="b"/>
-                </a:tc>
-                <a:tc>
-                  <a:txBody>
-                    <a:bodyPr/>
-                    <a:lstStyle/>
-                    <a:p>
-                      <a:pPr algn="ctr" fontAlgn="b"/>
-                      <a:r>
-                        <a:rPr lang="en-US" sz="3000" u="none" strike="noStrike" dirty="0">
-                          <a:effectLst/>
-                        </a:rPr>
-                        <a:t>+</a:t>
-                      </a:r>
-                      <a:endParaRPr lang="en-US" sz="3000" b="0" i="0" u="none" strike="noStrike" dirty="0">
-                        <a:solidFill>
-                          <a:srgbClr val="006100"/>
-                        </a:solidFill>
-                        <a:effectLst/>
-                        <a:latin typeface="Calibri" panose="020F0502020204030204" pitchFamily="34" charset="0"/>
-                      </a:endParaRPr>
-                    </a:p>
-                  </a:txBody>
-                  <a:tcPr marL="9525" marR="9525" marT="9525" marB="0" anchor="b"/>
-                </a:tc>
-                <a:tc>
-                  <a:txBody>
-                    <a:bodyPr/>
-                    <a:lstStyle/>
-                    <a:p>
-                      <a:pPr algn="ctr" fontAlgn="b"/>
-                      <a:r>
-                        <a:rPr lang="en-US" sz="3000" u="none" strike="noStrike">
-                          <a:effectLst/>
-                        </a:rPr>
-                        <a:t> </a:t>
-                      </a:r>
-                      <a:endParaRPr lang="en-US" sz="3000" b="0" i="0" u="none" strike="noStrike">
-                        <a:solidFill>
-                          <a:srgbClr val="000000"/>
-                        </a:solidFill>
-                        <a:effectLst/>
-                        <a:latin typeface="Calibri" panose="020F0502020204030204" pitchFamily="34" charset="0"/>
-                      </a:endParaRPr>
-                    </a:p>
-                  </a:txBody>
-                  <a:tcPr marL="9525" marR="9525" marT="9525" marB="0" anchor="b"/>
-                </a:tc>
-                <a:tc>
-                  <a:txBody>
-                    <a:bodyPr/>
-                    <a:lstStyle/>
-                    <a:p>
-                      <a:pPr algn="ctr" fontAlgn="b"/>
-                      <a:r>
-                        <a:rPr lang="en-US" sz="3000" u="none" strike="noStrike">
-                          <a:effectLst/>
-                        </a:rPr>
-                        <a:t>+</a:t>
-                      </a:r>
-                      <a:endParaRPr lang="en-US" sz="3000" b="0" i="0" u="none" strike="noStrike">
-                        <a:solidFill>
-                          <a:srgbClr val="006100"/>
-                        </a:solidFill>
-                        <a:effectLst/>
-                        <a:latin typeface="Calibri" panose="020F0502020204030204" pitchFamily="34" charset="0"/>
-                      </a:endParaRPr>
-                    </a:p>
-                  </a:txBody>
-                  <a:tcPr marL="9525" marR="9525" marT="9525" marB="0" anchor="b"/>
-                </a:tc>
-                <a:tc>
-                  <a:txBody>
-                    <a:bodyPr/>
-                    <a:lstStyle/>
-                    <a:p>
-                      <a:pPr algn="ctr" fontAlgn="b"/>
-                      <a:r>
-                        <a:rPr lang="en-US" sz="3000" u="none" strike="noStrike">
-                          <a:effectLst/>
-                        </a:rPr>
-                        <a:t> </a:t>
-                      </a:r>
-                      <a:endParaRPr lang="en-US" sz="3000" b="0" i="0" u="none" strike="noStrike">
-                        <a:solidFill>
-                          <a:srgbClr val="000000"/>
-                        </a:solidFill>
-                        <a:effectLst/>
-                        <a:latin typeface="Calibri" panose="020F0502020204030204" pitchFamily="34" charset="0"/>
-                      </a:endParaRPr>
-                    </a:p>
-                  </a:txBody>
-                  <a:tcPr marL="9525" marR="9525" marT="9525" marB="0" anchor="b"/>
-                </a:tc>
-                <a:extLst>
-                  <a:ext uri="{0D108BD9-81ED-4DB2-BD59-A6C34878D82A}">
-                    <a16:rowId xmlns:a16="http://schemas.microsoft.com/office/drawing/2014/main" val="2529991642"/>
-                  </a:ext>
-                </a:extLst>
-              </a:tr>
-              <a:tr h="813693">
-                <a:tc>
-                  <a:txBody>
-                    <a:bodyPr/>
-                    <a:lstStyle/>
-                    <a:p>
-                      <a:pPr algn="ctr" fontAlgn="ctr"/>
-                      <a:r>
-                        <a:rPr lang="en-US" sz="3000" u="none" strike="noStrike">
-                          <a:effectLst/>
-                        </a:rPr>
-                        <a:t>Men</a:t>
-                      </a:r>
-                      <a:endParaRPr lang="en-US" sz="3000" b="0" i="0" u="none" strike="noStrike">
-                        <a:solidFill>
-                          <a:srgbClr val="000000"/>
-                        </a:solidFill>
-                        <a:effectLst/>
-                        <a:latin typeface="Calibri" panose="020F0502020204030204" pitchFamily="34" charset="0"/>
-                      </a:endParaRPr>
-                    </a:p>
-                  </a:txBody>
-                  <a:tcPr marL="9525" marR="9525" marT="9525" marB="0" anchor="ctr"/>
-                </a:tc>
-                <a:tc>
-                  <a:txBody>
-                    <a:bodyPr/>
-                    <a:lstStyle/>
-                    <a:p>
-                      <a:pPr algn="ctr" fontAlgn="b"/>
-                      <a:r>
-                        <a:rPr lang="en-US" sz="3000" u="none" strike="noStrike">
-                          <a:effectLst/>
-                        </a:rPr>
-                        <a:t>+</a:t>
-                      </a:r>
-                      <a:endParaRPr lang="en-US" sz="3000" b="0" i="0" u="none" strike="noStrike">
-                        <a:solidFill>
-                          <a:srgbClr val="006100"/>
-                        </a:solidFill>
-                        <a:effectLst/>
-                        <a:latin typeface="Calibri" panose="020F0502020204030204" pitchFamily="34" charset="0"/>
-                      </a:endParaRPr>
-                    </a:p>
-                  </a:txBody>
-                  <a:tcPr marL="9525" marR="9525" marT="9525" marB="0" anchor="b"/>
-                </a:tc>
-                <a:tc>
-                  <a:txBody>
-                    <a:bodyPr/>
-                    <a:lstStyle/>
-                    <a:p>
-                      <a:pPr algn="ctr" fontAlgn="b"/>
-                      <a:r>
-                        <a:rPr lang="en-US" sz="3000" u="none" strike="noStrike">
-                          <a:effectLst/>
-                        </a:rPr>
-                        <a:t>+</a:t>
-                      </a:r>
-                      <a:endParaRPr lang="en-US" sz="3000" b="0" i="0" u="none" strike="noStrike">
-                        <a:solidFill>
-                          <a:srgbClr val="006100"/>
-                        </a:solidFill>
-                        <a:effectLst/>
-                        <a:latin typeface="Calibri" panose="020F0502020204030204" pitchFamily="34" charset="0"/>
-                      </a:endParaRPr>
-                    </a:p>
-                  </a:txBody>
-                  <a:tcPr marL="9525" marR="9525" marT="9525" marB="0" anchor="b"/>
-                </a:tc>
-                <a:tc>
-                  <a:txBody>
-                    <a:bodyPr/>
-                    <a:lstStyle/>
-                    <a:p>
-                      <a:pPr algn="ctr" fontAlgn="b"/>
-                      <a:r>
-                        <a:rPr lang="en-US" sz="3000" u="none" strike="noStrike">
-                          <a:effectLst/>
-                        </a:rPr>
-                        <a:t> </a:t>
-                      </a:r>
-                      <a:endParaRPr lang="en-US" sz="3000" b="0" i="0" u="none" strike="noStrike">
-                        <a:solidFill>
-                          <a:srgbClr val="000000"/>
-                        </a:solidFill>
-                        <a:effectLst/>
-                        <a:latin typeface="Calibri" panose="020F0502020204030204" pitchFamily="34" charset="0"/>
-                      </a:endParaRPr>
-                    </a:p>
-                  </a:txBody>
-                  <a:tcPr marL="9525" marR="9525" marT="9525" marB="0" anchor="b"/>
-                </a:tc>
-                <a:tc>
-                  <a:txBody>
-                    <a:bodyPr/>
-                    <a:lstStyle/>
-                    <a:p>
-                      <a:pPr algn="ctr" fontAlgn="b"/>
-                      <a:r>
-                        <a:rPr lang="en-US" sz="3000" u="none" strike="noStrike" dirty="0">
-                          <a:effectLst/>
-                        </a:rPr>
-                        <a:t> </a:t>
-                      </a:r>
-                      <a:endParaRPr lang="en-US" sz="3000" b="0" i="0" u="none" strike="noStrike" dirty="0">
-                        <a:solidFill>
-                          <a:srgbClr val="000000"/>
-                        </a:solidFill>
-                        <a:effectLst/>
-                        <a:latin typeface="Calibri" panose="020F0502020204030204" pitchFamily="34" charset="0"/>
-                      </a:endParaRPr>
-                    </a:p>
-                  </a:txBody>
-                  <a:tcPr marL="9525" marR="9525" marT="9525" marB="0" anchor="b"/>
-                </a:tc>
-                <a:tc>
-                  <a:txBody>
-                    <a:bodyPr/>
-                    <a:lstStyle/>
-                    <a:p>
-                      <a:pPr algn="ctr" fontAlgn="b"/>
-                      <a:r>
-                        <a:rPr lang="en-US" sz="3000" u="none" strike="noStrike">
-                          <a:effectLst/>
-                        </a:rPr>
-                        <a:t>-</a:t>
-                      </a:r>
-                      <a:endParaRPr lang="en-US" sz="3000" b="0" i="0" u="none" strike="noStrike">
-                        <a:solidFill>
-                          <a:srgbClr val="9C0006"/>
-                        </a:solidFill>
-                        <a:effectLst/>
-                        <a:latin typeface="Calibri" panose="020F0502020204030204" pitchFamily="34" charset="0"/>
-                      </a:endParaRPr>
-                    </a:p>
-                  </a:txBody>
-                  <a:tcPr marL="9525" marR="9525" marT="9525" marB="0" anchor="b"/>
-                </a:tc>
-                <a:tc>
-                  <a:txBody>
-                    <a:bodyPr/>
-                    <a:lstStyle/>
-                    <a:p>
-                      <a:pPr algn="ctr" fontAlgn="b"/>
-                      <a:r>
-                        <a:rPr lang="en-US" sz="3000" u="none" strike="noStrike">
-                          <a:effectLst/>
-                        </a:rPr>
-                        <a:t> </a:t>
-                      </a:r>
-                      <a:endParaRPr lang="en-US" sz="3000" b="0" i="0" u="none" strike="noStrike">
-                        <a:solidFill>
-                          <a:srgbClr val="000000"/>
-                        </a:solidFill>
-                        <a:effectLst/>
-                        <a:latin typeface="Calibri" panose="020F0502020204030204" pitchFamily="34" charset="0"/>
-                      </a:endParaRPr>
-                    </a:p>
-                  </a:txBody>
-                  <a:tcPr marL="9525" marR="9525" marT="9525" marB="0" anchor="b"/>
-                </a:tc>
-                <a:tc>
-                  <a:txBody>
-                    <a:bodyPr/>
-                    <a:lstStyle/>
-                    <a:p>
-                      <a:pPr algn="ctr" fontAlgn="b"/>
-                      <a:r>
-                        <a:rPr lang="en-US" sz="3000" u="none" strike="noStrike">
-                          <a:effectLst/>
-                        </a:rPr>
-                        <a:t> </a:t>
-                      </a:r>
-                      <a:endParaRPr lang="en-US" sz="3000" b="0" i="0" u="none" strike="noStrike">
-                        <a:solidFill>
-                          <a:srgbClr val="000000"/>
-                        </a:solidFill>
-                        <a:effectLst/>
-                        <a:latin typeface="Calibri" panose="020F0502020204030204" pitchFamily="34" charset="0"/>
-                      </a:endParaRPr>
-                    </a:p>
-                  </a:txBody>
-                  <a:tcPr marL="9525" marR="9525" marT="9525" marB="0" anchor="b"/>
-                </a:tc>
-                <a:tc>
-                  <a:txBody>
-                    <a:bodyPr/>
-                    <a:lstStyle/>
-                    <a:p>
-                      <a:pPr algn="ctr" fontAlgn="b"/>
-                      <a:r>
-                        <a:rPr lang="en-US" sz="3000" u="none" strike="noStrike">
-                          <a:effectLst/>
-                        </a:rPr>
-                        <a:t> </a:t>
-                      </a:r>
-                      <a:endParaRPr lang="en-US" sz="3000" b="0" i="0" u="none" strike="noStrike">
-                        <a:solidFill>
-                          <a:srgbClr val="000000"/>
-                        </a:solidFill>
-                        <a:effectLst/>
-                        <a:latin typeface="Calibri" panose="020F0502020204030204" pitchFamily="34" charset="0"/>
-                      </a:endParaRPr>
-                    </a:p>
-                  </a:txBody>
-                  <a:tcPr marL="9525" marR="9525" marT="9525" marB="0" anchor="b"/>
-                </a:tc>
-                <a:tc>
-                  <a:txBody>
-                    <a:bodyPr/>
-                    <a:lstStyle/>
-                    <a:p>
-                      <a:pPr algn="ctr" fontAlgn="b"/>
-                      <a:r>
-                        <a:rPr lang="en-US" sz="3000" u="none" strike="noStrike">
-                          <a:effectLst/>
-                        </a:rPr>
-                        <a:t> </a:t>
-                      </a:r>
-                      <a:endParaRPr lang="en-US" sz="3000" b="0" i="0" u="none" strike="noStrike">
-                        <a:solidFill>
-                          <a:srgbClr val="000000"/>
-                        </a:solidFill>
-                        <a:effectLst/>
-                        <a:latin typeface="Calibri" panose="020F0502020204030204" pitchFamily="34" charset="0"/>
-                      </a:endParaRPr>
-                    </a:p>
-                  </a:txBody>
-                  <a:tcPr marL="9525" marR="9525" marT="9525" marB="0" anchor="b"/>
-                </a:tc>
-                <a:tc>
-                  <a:txBody>
-                    <a:bodyPr/>
-                    <a:lstStyle/>
-                    <a:p>
-                      <a:pPr algn="ctr" fontAlgn="b"/>
-                      <a:r>
-                        <a:rPr lang="en-US" sz="3000" u="none" strike="noStrike" dirty="0">
-                          <a:effectLst/>
-                        </a:rPr>
-                        <a:t>+</a:t>
-                      </a:r>
-                      <a:endParaRPr lang="en-US" sz="3000" b="0" i="0" u="none" strike="noStrike" dirty="0">
-                        <a:solidFill>
-                          <a:srgbClr val="006100"/>
-                        </a:solidFill>
-                        <a:effectLst/>
-                        <a:latin typeface="Calibri" panose="020F0502020204030204" pitchFamily="34" charset="0"/>
-                      </a:endParaRPr>
-                    </a:p>
-                  </a:txBody>
-                  <a:tcPr marL="9525" marR="9525" marT="9525" marB="0" anchor="b"/>
-                </a:tc>
-                <a:tc>
-                  <a:txBody>
-                    <a:bodyPr/>
-                    <a:lstStyle/>
-                    <a:p>
-                      <a:pPr algn="ctr" fontAlgn="b"/>
-                      <a:r>
-                        <a:rPr lang="en-US" sz="3000" u="none" strike="noStrike">
-                          <a:effectLst/>
-                        </a:rPr>
-                        <a:t> </a:t>
-                      </a:r>
-                      <a:endParaRPr lang="en-US" sz="3000" b="0" i="0" u="none" strike="noStrike">
-                        <a:solidFill>
-                          <a:srgbClr val="000000"/>
-                        </a:solidFill>
-                        <a:effectLst/>
-                        <a:latin typeface="Calibri" panose="020F0502020204030204" pitchFamily="34" charset="0"/>
-                      </a:endParaRPr>
-                    </a:p>
-                  </a:txBody>
-                  <a:tcPr marL="9525" marR="9525" marT="9525" marB="0" anchor="b"/>
-                </a:tc>
-                <a:tc>
-                  <a:txBody>
-                    <a:bodyPr/>
-                    <a:lstStyle/>
-                    <a:p>
-                      <a:pPr algn="ctr" fontAlgn="b"/>
-                      <a:r>
-                        <a:rPr lang="en-US" sz="3000" u="none" strike="noStrike">
-                          <a:effectLst/>
-                        </a:rPr>
-                        <a:t>+</a:t>
-                      </a:r>
-                      <a:endParaRPr lang="en-US" sz="3000" b="0" i="0" u="none" strike="noStrike">
-                        <a:solidFill>
-                          <a:srgbClr val="006100"/>
-                        </a:solidFill>
-                        <a:effectLst/>
-                        <a:latin typeface="Calibri" panose="020F0502020204030204" pitchFamily="34" charset="0"/>
-                      </a:endParaRPr>
-                    </a:p>
-                  </a:txBody>
-                  <a:tcPr marL="9525" marR="9525" marT="9525" marB="0" anchor="b"/>
-                </a:tc>
-                <a:tc>
-                  <a:txBody>
-                    <a:bodyPr/>
-                    <a:lstStyle/>
-                    <a:p>
-                      <a:pPr algn="ctr" fontAlgn="b"/>
-                      <a:r>
-                        <a:rPr lang="en-US" sz="3000" u="none" strike="noStrike">
-                          <a:effectLst/>
-                        </a:rPr>
-                        <a:t> </a:t>
-                      </a:r>
-                      <a:endParaRPr lang="en-US" sz="3000" b="0" i="0" u="none" strike="noStrike">
-                        <a:solidFill>
-                          <a:srgbClr val="000000"/>
-                        </a:solidFill>
-                        <a:effectLst/>
-                        <a:latin typeface="Calibri" panose="020F0502020204030204" pitchFamily="34" charset="0"/>
-                      </a:endParaRPr>
-                    </a:p>
-                  </a:txBody>
-                  <a:tcPr marL="9525" marR="9525" marT="9525" marB="0" anchor="b"/>
-                </a:tc>
-                <a:extLst>
-                  <a:ext uri="{0D108BD9-81ED-4DB2-BD59-A6C34878D82A}">
-                    <a16:rowId xmlns:a16="http://schemas.microsoft.com/office/drawing/2014/main" val="2770860891"/>
-                  </a:ext>
-                </a:extLst>
-              </a:tr>
-              <a:tr h="1472787">
-                <a:tc>
-                  <a:txBody>
-                    <a:bodyPr/>
-                    <a:lstStyle/>
-                    <a:p>
-                      <a:pPr algn="ctr" fontAlgn="ctr"/>
-                      <a:r>
-                        <a:rPr lang="en-US" sz="3000" u="none" strike="noStrike">
-                          <a:effectLst/>
-                        </a:rPr>
-                        <a:t>Experienced Students</a:t>
-                      </a:r>
-                      <a:endParaRPr lang="en-US" sz="3000" b="0" i="0" u="none" strike="noStrike">
-                        <a:solidFill>
-                          <a:srgbClr val="000000"/>
-                        </a:solidFill>
-                        <a:effectLst/>
-                        <a:latin typeface="Calibri" panose="020F0502020204030204" pitchFamily="34" charset="0"/>
-                      </a:endParaRPr>
-                    </a:p>
-                  </a:txBody>
-                  <a:tcPr marL="9525" marR="9525" marT="9525" marB="0" anchor="ctr"/>
-                </a:tc>
-                <a:tc>
-                  <a:txBody>
-                    <a:bodyPr/>
-                    <a:lstStyle/>
-                    <a:p>
-                      <a:pPr algn="ctr" fontAlgn="b"/>
-                      <a:r>
-                        <a:rPr lang="en-US" sz="3000" u="none" strike="noStrike">
-                          <a:effectLst/>
-                        </a:rPr>
-                        <a:t>+</a:t>
-                      </a:r>
-                      <a:endParaRPr lang="en-US" sz="3000" b="0" i="0" u="none" strike="noStrike">
-                        <a:solidFill>
-                          <a:srgbClr val="006100"/>
-                        </a:solidFill>
-                        <a:effectLst/>
-                        <a:latin typeface="Calibri" panose="020F0502020204030204" pitchFamily="34" charset="0"/>
-                      </a:endParaRPr>
-                    </a:p>
-                  </a:txBody>
-                  <a:tcPr marL="9525" marR="9525" marT="9525" marB="0" anchor="b"/>
-                </a:tc>
-                <a:tc>
-                  <a:txBody>
-                    <a:bodyPr/>
-                    <a:lstStyle/>
-                    <a:p>
-                      <a:pPr algn="ctr" fontAlgn="b"/>
-                      <a:r>
-                        <a:rPr lang="en-US" sz="3000" u="none" strike="noStrike">
-                          <a:effectLst/>
-                        </a:rPr>
-                        <a:t>+</a:t>
-                      </a:r>
-                      <a:endParaRPr lang="en-US" sz="3000" b="0" i="0" u="none" strike="noStrike">
-                        <a:solidFill>
-                          <a:srgbClr val="006100"/>
-                        </a:solidFill>
-                        <a:effectLst/>
-                        <a:latin typeface="Calibri" panose="020F0502020204030204" pitchFamily="34" charset="0"/>
-                      </a:endParaRPr>
-                    </a:p>
-                  </a:txBody>
-                  <a:tcPr marL="9525" marR="9525" marT="9525" marB="0" anchor="b"/>
-                </a:tc>
-                <a:tc>
-                  <a:txBody>
-                    <a:bodyPr/>
-                    <a:lstStyle/>
-                    <a:p>
-                      <a:pPr algn="ctr" fontAlgn="b"/>
-                      <a:r>
-                        <a:rPr lang="en-US" sz="3000" u="none" strike="noStrike">
-                          <a:effectLst/>
-                        </a:rPr>
-                        <a:t> </a:t>
-                      </a:r>
-                      <a:endParaRPr lang="en-US" sz="3000" b="0" i="0" u="none" strike="noStrike">
-                        <a:solidFill>
-                          <a:srgbClr val="000000"/>
-                        </a:solidFill>
-                        <a:effectLst/>
-                        <a:latin typeface="Calibri" panose="020F0502020204030204" pitchFamily="34" charset="0"/>
-                      </a:endParaRPr>
-                    </a:p>
-                  </a:txBody>
-                  <a:tcPr marL="9525" marR="9525" marT="9525" marB="0" anchor="b"/>
-                </a:tc>
-                <a:tc>
-                  <a:txBody>
-                    <a:bodyPr/>
-                    <a:lstStyle/>
-                    <a:p>
-                      <a:pPr algn="ctr" fontAlgn="b"/>
-                      <a:r>
-                        <a:rPr lang="en-US" sz="3000" u="none" strike="noStrike">
-                          <a:effectLst/>
-                        </a:rPr>
-                        <a:t> </a:t>
-                      </a:r>
-                      <a:endParaRPr lang="en-US" sz="3000" b="0" i="0" u="none" strike="noStrike">
-                        <a:solidFill>
-                          <a:srgbClr val="000000"/>
-                        </a:solidFill>
-                        <a:effectLst/>
-                        <a:latin typeface="Calibri" panose="020F0502020204030204" pitchFamily="34" charset="0"/>
-                      </a:endParaRPr>
-                    </a:p>
-                  </a:txBody>
-                  <a:tcPr marL="9525" marR="9525" marT="9525" marB="0" anchor="b"/>
-                </a:tc>
-                <a:tc>
-                  <a:txBody>
-                    <a:bodyPr/>
-                    <a:lstStyle/>
-                    <a:p>
-                      <a:pPr algn="ctr" fontAlgn="b"/>
-                      <a:r>
-                        <a:rPr lang="en-US" sz="3000" u="none" strike="noStrike" dirty="0">
-                          <a:effectLst/>
-                        </a:rPr>
-                        <a:t> </a:t>
-                      </a:r>
-                      <a:endParaRPr lang="en-US" sz="3000" b="0" i="0" u="none" strike="noStrike" dirty="0">
-                        <a:solidFill>
-                          <a:srgbClr val="000000"/>
-                        </a:solidFill>
-                        <a:effectLst/>
-                        <a:latin typeface="Calibri" panose="020F0502020204030204" pitchFamily="34" charset="0"/>
-                      </a:endParaRPr>
-                    </a:p>
-                  </a:txBody>
-                  <a:tcPr marL="9525" marR="9525" marT="9525" marB="0" anchor="b"/>
-                </a:tc>
-                <a:tc>
-                  <a:txBody>
-                    <a:bodyPr/>
-                    <a:lstStyle/>
-                    <a:p>
-                      <a:pPr algn="ctr" fontAlgn="b"/>
-                      <a:r>
-                        <a:rPr lang="en-US" sz="3000" u="none" strike="noStrike">
-                          <a:effectLst/>
-                        </a:rPr>
-                        <a:t>+</a:t>
-                      </a:r>
-                      <a:endParaRPr lang="en-US" sz="3000" b="0" i="0" u="none" strike="noStrike">
-                        <a:solidFill>
-                          <a:srgbClr val="006100"/>
-                        </a:solidFill>
-                        <a:effectLst/>
-                        <a:latin typeface="Calibri" panose="020F0502020204030204" pitchFamily="34" charset="0"/>
-                      </a:endParaRPr>
-                    </a:p>
-                  </a:txBody>
-                  <a:tcPr marL="9525" marR="9525" marT="9525" marB="0" anchor="b"/>
-                </a:tc>
-                <a:tc>
-                  <a:txBody>
-                    <a:bodyPr/>
-                    <a:lstStyle/>
-                    <a:p>
-                      <a:pPr algn="ctr" fontAlgn="b"/>
-                      <a:r>
-                        <a:rPr lang="en-US" sz="3000" u="none" strike="noStrike">
-                          <a:effectLst/>
-                        </a:rPr>
-                        <a:t> </a:t>
-                      </a:r>
-                      <a:endParaRPr lang="en-US" sz="3000" b="0" i="0" u="none" strike="noStrike">
-                        <a:solidFill>
-                          <a:srgbClr val="000000"/>
-                        </a:solidFill>
-                        <a:effectLst/>
-                        <a:latin typeface="Calibri" panose="020F0502020204030204" pitchFamily="34" charset="0"/>
-                      </a:endParaRPr>
-                    </a:p>
-                  </a:txBody>
-                  <a:tcPr marL="9525" marR="9525" marT="9525" marB="0" anchor="b"/>
-                </a:tc>
-                <a:tc>
-                  <a:txBody>
-                    <a:bodyPr/>
-                    <a:lstStyle/>
-                    <a:p>
-                      <a:pPr algn="ctr" fontAlgn="b"/>
-                      <a:r>
-                        <a:rPr lang="en-US" sz="3000" u="none" strike="noStrike">
-                          <a:effectLst/>
-                        </a:rPr>
-                        <a:t> </a:t>
-                      </a:r>
-                      <a:endParaRPr lang="en-US" sz="3000" b="0" i="0" u="none" strike="noStrike">
-                        <a:solidFill>
-                          <a:srgbClr val="000000"/>
-                        </a:solidFill>
-                        <a:effectLst/>
-                        <a:latin typeface="Calibri" panose="020F0502020204030204" pitchFamily="34" charset="0"/>
-                      </a:endParaRPr>
-                    </a:p>
-                  </a:txBody>
-                  <a:tcPr marL="9525" marR="9525" marT="9525" marB="0" anchor="b"/>
-                </a:tc>
-                <a:tc>
-                  <a:txBody>
-                    <a:bodyPr/>
-                    <a:lstStyle/>
-                    <a:p>
-                      <a:pPr algn="ctr" fontAlgn="b"/>
-                      <a:r>
-                        <a:rPr lang="en-US" sz="3000" u="none" strike="noStrike">
-                          <a:effectLst/>
-                        </a:rPr>
-                        <a:t> </a:t>
-                      </a:r>
-                      <a:endParaRPr lang="en-US" sz="3000" b="0" i="0" u="none" strike="noStrike">
-                        <a:solidFill>
-                          <a:srgbClr val="000000"/>
-                        </a:solidFill>
-                        <a:effectLst/>
-                        <a:latin typeface="Calibri" panose="020F0502020204030204" pitchFamily="34" charset="0"/>
-                      </a:endParaRPr>
-                    </a:p>
-                  </a:txBody>
-                  <a:tcPr marL="9525" marR="9525" marT="9525" marB="0" anchor="b"/>
-                </a:tc>
-                <a:tc>
-                  <a:txBody>
-                    <a:bodyPr/>
-                    <a:lstStyle/>
-                    <a:p>
-                      <a:pPr algn="ctr" fontAlgn="b"/>
-                      <a:r>
-                        <a:rPr lang="en-US" sz="3000" u="none" strike="noStrike" dirty="0">
-                          <a:effectLst/>
-                        </a:rPr>
-                        <a:t>+</a:t>
-                      </a:r>
-                      <a:endParaRPr lang="en-US" sz="3000" b="0" i="0" u="none" strike="noStrike" dirty="0">
-                        <a:solidFill>
-                          <a:srgbClr val="006100"/>
-                        </a:solidFill>
-                        <a:effectLst/>
-                        <a:latin typeface="Calibri" panose="020F0502020204030204" pitchFamily="34" charset="0"/>
-                      </a:endParaRPr>
-                    </a:p>
-                  </a:txBody>
-                  <a:tcPr marL="9525" marR="9525" marT="9525" marB="0" anchor="b"/>
-                </a:tc>
-                <a:tc>
-                  <a:txBody>
-                    <a:bodyPr/>
-                    <a:lstStyle/>
-                    <a:p>
-                      <a:pPr algn="ctr" fontAlgn="b"/>
-                      <a:r>
-                        <a:rPr lang="en-US" sz="3000" u="none" strike="noStrike">
-                          <a:effectLst/>
-                        </a:rPr>
-                        <a:t> </a:t>
-                      </a:r>
-                      <a:endParaRPr lang="en-US" sz="3000" b="0" i="0" u="none" strike="noStrike">
-                        <a:solidFill>
-                          <a:srgbClr val="000000"/>
-                        </a:solidFill>
-                        <a:effectLst/>
-                        <a:latin typeface="Calibri" panose="020F0502020204030204" pitchFamily="34" charset="0"/>
-                      </a:endParaRPr>
-                    </a:p>
-                  </a:txBody>
-                  <a:tcPr marL="9525" marR="9525" marT="9525" marB="0" anchor="b"/>
-                </a:tc>
-                <a:tc>
-                  <a:txBody>
-                    <a:bodyPr/>
-                    <a:lstStyle/>
-                    <a:p>
-                      <a:pPr algn="ctr" fontAlgn="b"/>
-                      <a:r>
-                        <a:rPr lang="en-US" sz="3000" u="none" strike="noStrike">
-                          <a:effectLst/>
-                        </a:rPr>
-                        <a:t>+</a:t>
-                      </a:r>
-                      <a:endParaRPr lang="en-US" sz="3000" b="0" i="0" u="none" strike="noStrike">
-                        <a:solidFill>
-                          <a:srgbClr val="006100"/>
-                        </a:solidFill>
-                        <a:effectLst/>
-                        <a:latin typeface="Calibri" panose="020F0502020204030204" pitchFamily="34" charset="0"/>
-                      </a:endParaRPr>
-                    </a:p>
-                  </a:txBody>
-                  <a:tcPr marL="9525" marR="9525" marT="9525" marB="0" anchor="b"/>
-                </a:tc>
-                <a:tc>
-                  <a:txBody>
-                    <a:bodyPr/>
-                    <a:lstStyle/>
-                    <a:p>
-                      <a:pPr algn="ctr" fontAlgn="b"/>
-                      <a:r>
-                        <a:rPr lang="en-US" sz="3000" u="none" strike="noStrike">
-                          <a:effectLst/>
-                        </a:rPr>
-                        <a:t> </a:t>
-                      </a:r>
-                      <a:endParaRPr lang="en-US" sz="3000" b="0" i="0" u="none" strike="noStrike">
-                        <a:solidFill>
-                          <a:srgbClr val="000000"/>
-                        </a:solidFill>
-                        <a:effectLst/>
-                        <a:latin typeface="Calibri" panose="020F0502020204030204" pitchFamily="34" charset="0"/>
-                      </a:endParaRPr>
-                    </a:p>
-                  </a:txBody>
-                  <a:tcPr marL="9525" marR="9525" marT="9525" marB="0" anchor="b"/>
-                </a:tc>
-                <a:extLst>
-                  <a:ext uri="{0D108BD9-81ED-4DB2-BD59-A6C34878D82A}">
-                    <a16:rowId xmlns:a16="http://schemas.microsoft.com/office/drawing/2014/main" val="4226742635"/>
-                  </a:ext>
-                </a:extLst>
-              </a:tr>
-              <a:tr h="813693">
-                <a:tc>
-                  <a:txBody>
-                    <a:bodyPr/>
-                    <a:lstStyle/>
-                    <a:p>
-                      <a:pPr algn="ctr" fontAlgn="ctr"/>
-                      <a:r>
-                        <a:rPr lang="en-US" sz="3000" u="none" strike="noStrike">
-                          <a:effectLst/>
-                        </a:rPr>
-                        <a:t>New Students</a:t>
-                      </a:r>
-                      <a:endParaRPr lang="en-US" sz="3000" b="0" i="0" u="none" strike="noStrike">
-                        <a:solidFill>
-                          <a:srgbClr val="000000"/>
-                        </a:solidFill>
-                        <a:effectLst/>
-                        <a:latin typeface="Calibri" panose="020F0502020204030204" pitchFamily="34" charset="0"/>
-                      </a:endParaRPr>
-                    </a:p>
-                  </a:txBody>
-                  <a:tcPr marL="9525" marR="9525" marT="9525" marB="0" anchor="ctr"/>
-                </a:tc>
-                <a:tc>
-                  <a:txBody>
-                    <a:bodyPr/>
-                    <a:lstStyle/>
-                    <a:p>
-                      <a:pPr algn="ctr" fontAlgn="b"/>
-                      <a:r>
-                        <a:rPr lang="en-US" sz="3000" u="none" strike="noStrike">
-                          <a:effectLst/>
-                        </a:rPr>
-                        <a:t> </a:t>
-                      </a:r>
-                      <a:endParaRPr lang="en-US" sz="3000" b="0" i="0" u="none" strike="noStrike">
-                        <a:solidFill>
-                          <a:srgbClr val="000000"/>
-                        </a:solidFill>
-                        <a:effectLst/>
-                        <a:latin typeface="Calibri" panose="020F0502020204030204" pitchFamily="34" charset="0"/>
-                      </a:endParaRPr>
-                    </a:p>
-                  </a:txBody>
-                  <a:tcPr marL="9525" marR="9525" marT="9525" marB="0" anchor="b"/>
-                </a:tc>
-                <a:tc>
-                  <a:txBody>
-                    <a:bodyPr/>
-                    <a:lstStyle/>
-                    <a:p>
-                      <a:pPr algn="ctr" fontAlgn="b"/>
-                      <a:r>
-                        <a:rPr lang="en-US" sz="3000" u="none" strike="noStrike">
-                          <a:effectLst/>
-                        </a:rPr>
-                        <a:t>+</a:t>
-                      </a:r>
-                      <a:endParaRPr lang="en-US" sz="3000" b="0" i="0" u="none" strike="noStrike">
-                        <a:solidFill>
-                          <a:srgbClr val="006100"/>
-                        </a:solidFill>
-                        <a:effectLst/>
-                        <a:latin typeface="Calibri" panose="020F0502020204030204" pitchFamily="34" charset="0"/>
-                      </a:endParaRPr>
-                    </a:p>
-                  </a:txBody>
-                  <a:tcPr marL="9525" marR="9525" marT="9525" marB="0" anchor="b"/>
-                </a:tc>
-                <a:tc>
-                  <a:txBody>
-                    <a:bodyPr/>
-                    <a:lstStyle/>
-                    <a:p>
-                      <a:pPr algn="ctr" fontAlgn="b"/>
-                      <a:r>
-                        <a:rPr lang="en-US" sz="3000" u="none" strike="noStrike">
-                          <a:effectLst/>
-                        </a:rPr>
-                        <a:t> </a:t>
-                      </a:r>
-                      <a:endParaRPr lang="en-US" sz="3000" b="0" i="0" u="none" strike="noStrike">
-                        <a:solidFill>
-                          <a:srgbClr val="000000"/>
-                        </a:solidFill>
-                        <a:effectLst/>
-                        <a:latin typeface="Calibri" panose="020F0502020204030204" pitchFamily="34" charset="0"/>
-                      </a:endParaRPr>
-                    </a:p>
-                  </a:txBody>
-                  <a:tcPr marL="9525" marR="9525" marT="9525" marB="0" anchor="b"/>
-                </a:tc>
-                <a:tc>
-                  <a:txBody>
-                    <a:bodyPr/>
-                    <a:lstStyle/>
-                    <a:p>
-                      <a:pPr algn="ctr" fontAlgn="b"/>
-                      <a:r>
-                        <a:rPr lang="en-US" sz="3000" u="none" strike="noStrike">
-                          <a:effectLst/>
-                        </a:rPr>
-                        <a:t> </a:t>
-                      </a:r>
-                      <a:endParaRPr lang="en-US" sz="3000" b="0" i="0" u="none" strike="noStrike">
-                        <a:solidFill>
-                          <a:srgbClr val="000000"/>
-                        </a:solidFill>
-                        <a:effectLst/>
-                        <a:latin typeface="Calibri" panose="020F0502020204030204" pitchFamily="34" charset="0"/>
-                      </a:endParaRPr>
-                    </a:p>
-                  </a:txBody>
-                  <a:tcPr marL="9525" marR="9525" marT="9525" marB="0" anchor="b"/>
-                </a:tc>
-                <a:tc>
-                  <a:txBody>
-                    <a:bodyPr/>
-                    <a:lstStyle/>
-                    <a:p>
-                      <a:pPr algn="ctr" fontAlgn="b"/>
-                      <a:r>
-                        <a:rPr lang="en-US" sz="3000" u="none" strike="noStrike">
-                          <a:effectLst/>
-                        </a:rPr>
-                        <a:t>-</a:t>
-                      </a:r>
-                      <a:endParaRPr lang="en-US" sz="3000" b="0" i="0" u="none" strike="noStrike">
-                        <a:solidFill>
-                          <a:srgbClr val="9C0006"/>
-                        </a:solidFill>
-                        <a:effectLst/>
-                        <a:latin typeface="Calibri" panose="020F0502020204030204" pitchFamily="34" charset="0"/>
-                      </a:endParaRPr>
-                    </a:p>
-                  </a:txBody>
-                  <a:tcPr marL="9525" marR="9525" marT="9525" marB="0" anchor="b"/>
-                </a:tc>
-                <a:tc>
-                  <a:txBody>
-                    <a:bodyPr/>
-                    <a:lstStyle/>
-                    <a:p>
-                      <a:pPr algn="ctr" fontAlgn="b"/>
-                      <a:r>
-                        <a:rPr lang="en-US" sz="3000" u="none" strike="noStrike" dirty="0">
-                          <a:effectLst/>
-                        </a:rPr>
-                        <a:t> </a:t>
-                      </a:r>
-                      <a:endParaRPr lang="en-US" sz="3000" b="0" i="0" u="none" strike="noStrike" dirty="0">
-                        <a:solidFill>
-                          <a:srgbClr val="000000"/>
-                        </a:solidFill>
-                        <a:effectLst/>
-                        <a:latin typeface="Calibri" panose="020F0502020204030204" pitchFamily="34" charset="0"/>
-                      </a:endParaRPr>
-                    </a:p>
-                  </a:txBody>
-                  <a:tcPr marL="9525" marR="9525" marT="9525" marB="0" anchor="b"/>
-                </a:tc>
-                <a:tc>
-                  <a:txBody>
-                    <a:bodyPr/>
-                    <a:lstStyle/>
-                    <a:p>
-                      <a:pPr algn="ctr" fontAlgn="b"/>
-                      <a:r>
-                        <a:rPr lang="en-US" sz="3000" u="none" strike="noStrike">
-                          <a:effectLst/>
-                        </a:rPr>
-                        <a:t> </a:t>
-                      </a:r>
-                      <a:endParaRPr lang="en-US" sz="3000" b="0" i="0" u="none" strike="noStrike">
-                        <a:solidFill>
-                          <a:srgbClr val="000000"/>
-                        </a:solidFill>
-                        <a:effectLst/>
-                        <a:latin typeface="Calibri" panose="020F0502020204030204" pitchFamily="34" charset="0"/>
-                      </a:endParaRPr>
-                    </a:p>
-                  </a:txBody>
-                  <a:tcPr marL="9525" marR="9525" marT="9525" marB="0" anchor="b"/>
-                </a:tc>
-                <a:tc>
-                  <a:txBody>
-                    <a:bodyPr/>
-                    <a:lstStyle/>
-                    <a:p>
-                      <a:pPr algn="ctr" fontAlgn="b"/>
-                      <a:r>
-                        <a:rPr lang="en-US" sz="3000" u="none" strike="noStrike">
-                          <a:effectLst/>
-                        </a:rPr>
-                        <a:t> </a:t>
-                      </a:r>
-                      <a:endParaRPr lang="en-US" sz="3000" b="0" i="0" u="none" strike="noStrike">
-                        <a:solidFill>
-                          <a:srgbClr val="000000"/>
-                        </a:solidFill>
-                        <a:effectLst/>
-                        <a:latin typeface="Calibri" panose="020F0502020204030204" pitchFamily="34" charset="0"/>
-                      </a:endParaRPr>
-                    </a:p>
-                  </a:txBody>
-                  <a:tcPr marL="9525" marR="9525" marT="9525" marB="0" anchor="b"/>
-                </a:tc>
-                <a:tc>
-                  <a:txBody>
-                    <a:bodyPr/>
-                    <a:lstStyle/>
-                    <a:p>
-                      <a:pPr algn="ctr" fontAlgn="b"/>
-                      <a:r>
-                        <a:rPr lang="en-US" sz="3000" u="none" strike="noStrike">
-                          <a:effectLst/>
-                        </a:rPr>
-                        <a:t> </a:t>
-                      </a:r>
-                      <a:endParaRPr lang="en-US" sz="3000" b="0" i="0" u="none" strike="noStrike">
-                        <a:solidFill>
-                          <a:srgbClr val="000000"/>
-                        </a:solidFill>
-                        <a:effectLst/>
-                        <a:latin typeface="Calibri" panose="020F0502020204030204" pitchFamily="34" charset="0"/>
-                      </a:endParaRPr>
-                    </a:p>
-                  </a:txBody>
-                  <a:tcPr marL="9525" marR="9525" marT="9525" marB="0" anchor="b"/>
-                </a:tc>
-                <a:tc>
-                  <a:txBody>
-                    <a:bodyPr/>
-                    <a:lstStyle/>
-                    <a:p>
-                      <a:pPr algn="ctr" fontAlgn="b"/>
-                      <a:r>
-                        <a:rPr lang="en-US" sz="3000" u="none" strike="noStrike" dirty="0">
-                          <a:effectLst/>
-                        </a:rPr>
-                        <a:t>+</a:t>
-                      </a:r>
-                      <a:endParaRPr lang="en-US" sz="3000" b="0" i="0" u="none" strike="noStrike" dirty="0">
-                        <a:solidFill>
-                          <a:srgbClr val="006100"/>
-                        </a:solidFill>
-                        <a:effectLst/>
-                        <a:latin typeface="Calibri" panose="020F0502020204030204" pitchFamily="34" charset="0"/>
-                      </a:endParaRPr>
-                    </a:p>
-                  </a:txBody>
-                  <a:tcPr marL="9525" marR="9525" marT="9525" marB="0" anchor="b"/>
-                </a:tc>
-                <a:tc>
-                  <a:txBody>
-                    <a:bodyPr/>
-                    <a:lstStyle/>
-                    <a:p>
-                      <a:pPr algn="ctr" fontAlgn="b"/>
-                      <a:r>
-                        <a:rPr lang="en-US" sz="3000" u="none" strike="noStrike">
-                          <a:effectLst/>
-                        </a:rPr>
-                        <a:t> </a:t>
-                      </a:r>
-                      <a:endParaRPr lang="en-US" sz="3000" b="0" i="0" u="none" strike="noStrike">
-                        <a:solidFill>
-                          <a:srgbClr val="000000"/>
-                        </a:solidFill>
-                        <a:effectLst/>
-                        <a:latin typeface="Calibri" panose="020F0502020204030204" pitchFamily="34" charset="0"/>
-                      </a:endParaRPr>
-                    </a:p>
-                  </a:txBody>
-                  <a:tcPr marL="9525" marR="9525" marT="9525" marB="0" anchor="b"/>
-                </a:tc>
-                <a:tc>
-                  <a:txBody>
-                    <a:bodyPr/>
-                    <a:lstStyle/>
-                    <a:p>
-                      <a:pPr algn="ctr" fontAlgn="b"/>
-                      <a:r>
-                        <a:rPr lang="en-US" sz="3000" u="none" strike="noStrike">
-                          <a:effectLst/>
-                        </a:rPr>
-                        <a:t> </a:t>
-                      </a:r>
-                      <a:endParaRPr lang="en-US" sz="3000" b="0" i="0" u="none" strike="noStrike">
-                        <a:solidFill>
-                          <a:srgbClr val="000000"/>
-                        </a:solidFill>
-                        <a:effectLst/>
-                        <a:latin typeface="Calibri" panose="020F0502020204030204" pitchFamily="34" charset="0"/>
-                      </a:endParaRPr>
-                    </a:p>
-                  </a:txBody>
-                  <a:tcPr marL="9525" marR="9525" marT="9525" marB="0" anchor="b"/>
-                </a:tc>
-                <a:tc>
-                  <a:txBody>
-                    <a:bodyPr/>
-                    <a:lstStyle/>
-                    <a:p>
-                      <a:pPr algn="ctr" fontAlgn="b"/>
-                      <a:r>
-                        <a:rPr lang="en-US" sz="3000" u="none" strike="noStrike">
-                          <a:effectLst/>
-                        </a:rPr>
-                        <a:t> </a:t>
-                      </a:r>
-                      <a:endParaRPr lang="en-US" sz="3000" b="0" i="0" u="none" strike="noStrike">
-                        <a:solidFill>
-                          <a:srgbClr val="000000"/>
-                        </a:solidFill>
-                        <a:effectLst/>
-                        <a:latin typeface="Calibri" panose="020F0502020204030204" pitchFamily="34" charset="0"/>
-                      </a:endParaRPr>
-                    </a:p>
-                  </a:txBody>
-                  <a:tcPr marL="9525" marR="9525" marT="9525" marB="0" anchor="b"/>
-                </a:tc>
-                <a:extLst>
-                  <a:ext uri="{0D108BD9-81ED-4DB2-BD59-A6C34878D82A}">
-                    <a16:rowId xmlns:a16="http://schemas.microsoft.com/office/drawing/2014/main" val="3495921842"/>
-                  </a:ext>
-                </a:extLst>
-              </a:tr>
-              <a:tr h="813693">
-                <a:tc>
-                  <a:txBody>
-                    <a:bodyPr/>
-                    <a:lstStyle/>
-                    <a:p>
-                      <a:pPr algn="ctr" fontAlgn="ctr"/>
-                      <a:r>
-                        <a:rPr lang="en-US" sz="3000" u="none" strike="noStrike">
-                          <a:effectLst/>
-                        </a:rPr>
-                        <a:t>First Attempt</a:t>
-                      </a:r>
-                      <a:endParaRPr lang="en-US" sz="3000" b="0" i="0" u="none" strike="noStrike">
-                        <a:solidFill>
-                          <a:srgbClr val="000000"/>
-                        </a:solidFill>
-                        <a:effectLst/>
-                        <a:latin typeface="Calibri" panose="020F0502020204030204" pitchFamily="34" charset="0"/>
-                      </a:endParaRPr>
-                    </a:p>
-                  </a:txBody>
-                  <a:tcPr marL="9525" marR="9525" marT="9525" marB="0" anchor="ctr"/>
-                </a:tc>
-                <a:tc>
-                  <a:txBody>
-                    <a:bodyPr/>
-                    <a:lstStyle/>
-                    <a:p>
-                      <a:pPr algn="ctr" fontAlgn="b"/>
-                      <a:r>
-                        <a:rPr lang="en-US" sz="3000" u="none" strike="noStrike">
-                          <a:effectLst/>
-                        </a:rPr>
-                        <a:t>+</a:t>
-                      </a:r>
-                      <a:endParaRPr lang="en-US" sz="3000" b="0" i="0" u="none" strike="noStrike">
-                        <a:solidFill>
-                          <a:srgbClr val="006100"/>
-                        </a:solidFill>
-                        <a:effectLst/>
-                        <a:latin typeface="Calibri" panose="020F0502020204030204" pitchFamily="34" charset="0"/>
-                      </a:endParaRPr>
-                    </a:p>
-                  </a:txBody>
-                  <a:tcPr marL="9525" marR="9525" marT="9525" marB="0" anchor="b"/>
-                </a:tc>
-                <a:tc>
-                  <a:txBody>
-                    <a:bodyPr/>
-                    <a:lstStyle/>
-                    <a:p>
-                      <a:pPr algn="ctr" fontAlgn="b"/>
-                      <a:r>
-                        <a:rPr lang="en-US" sz="3000" u="none" strike="noStrike">
-                          <a:effectLst/>
-                        </a:rPr>
-                        <a:t>+</a:t>
-                      </a:r>
-                      <a:endParaRPr lang="en-US" sz="3000" b="0" i="0" u="none" strike="noStrike">
-                        <a:solidFill>
-                          <a:srgbClr val="006100"/>
-                        </a:solidFill>
-                        <a:effectLst/>
-                        <a:latin typeface="Calibri" panose="020F0502020204030204" pitchFamily="34" charset="0"/>
-                      </a:endParaRPr>
-                    </a:p>
-                  </a:txBody>
-                  <a:tcPr marL="9525" marR="9525" marT="9525" marB="0" anchor="b"/>
-                </a:tc>
-                <a:tc>
-                  <a:txBody>
-                    <a:bodyPr/>
-                    <a:lstStyle/>
-                    <a:p>
-                      <a:pPr algn="ctr" fontAlgn="b"/>
-                      <a:r>
-                        <a:rPr lang="en-US" sz="3000" u="none" strike="noStrike">
-                          <a:effectLst/>
-                        </a:rPr>
-                        <a:t> </a:t>
-                      </a:r>
-                      <a:endParaRPr lang="en-US" sz="3000" b="0" i="0" u="none" strike="noStrike">
-                        <a:solidFill>
-                          <a:srgbClr val="000000"/>
-                        </a:solidFill>
-                        <a:effectLst/>
-                        <a:latin typeface="Calibri" panose="020F0502020204030204" pitchFamily="34" charset="0"/>
-                      </a:endParaRPr>
-                    </a:p>
-                  </a:txBody>
-                  <a:tcPr marL="9525" marR="9525" marT="9525" marB="0" anchor="b"/>
-                </a:tc>
-                <a:tc>
-                  <a:txBody>
-                    <a:bodyPr/>
-                    <a:lstStyle/>
-                    <a:p>
-                      <a:pPr algn="ctr" fontAlgn="b"/>
-                      <a:r>
-                        <a:rPr lang="en-US" sz="3000" u="none" strike="noStrike">
-                          <a:effectLst/>
-                        </a:rPr>
-                        <a:t> </a:t>
-                      </a:r>
-                      <a:endParaRPr lang="en-US" sz="3000" b="0" i="0" u="none" strike="noStrike">
-                        <a:solidFill>
-                          <a:srgbClr val="000000"/>
-                        </a:solidFill>
-                        <a:effectLst/>
-                        <a:latin typeface="Calibri" panose="020F0502020204030204" pitchFamily="34" charset="0"/>
-                      </a:endParaRPr>
-                    </a:p>
-                  </a:txBody>
-                  <a:tcPr marL="9525" marR="9525" marT="9525" marB="0" anchor="b"/>
-                </a:tc>
-                <a:tc>
-                  <a:txBody>
-                    <a:bodyPr/>
-                    <a:lstStyle/>
-                    <a:p>
-                      <a:pPr algn="ctr" fontAlgn="b"/>
-                      <a:r>
-                        <a:rPr lang="en-US" sz="3000" u="none" strike="noStrike">
-                          <a:effectLst/>
-                        </a:rPr>
-                        <a:t>-</a:t>
-                      </a:r>
-                      <a:endParaRPr lang="en-US" sz="3000" b="0" i="0" u="none" strike="noStrike">
-                        <a:solidFill>
-                          <a:srgbClr val="9C0006"/>
-                        </a:solidFill>
-                        <a:effectLst/>
-                        <a:latin typeface="Calibri" panose="020F0502020204030204" pitchFamily="34" charset="0"/>
-                      </a:endParaRPr>
-                    </a:p>
-                  </a:txBody>
-                  <a:tcPr marL="9525" marR="9525" marT="9525" marB="0" anchor="b"/>
-                </a:tc>
-                <a:tc>
-                  <a:txBody>
-                    <a:bodyPr/>
-                    <a:lstStyle/>
-                    <a:p>
-                      <a:pPr algn="ctr" fontAlgn="b"/>
-                      <a:r>
-                        <a:rPr lang="en-US" sz="3000" u="none" strike="noStrike">
-                          <a:effectLst/>
-                        </a:rPr>
-                        <a:t> </a:t>
-                      </a:r>
-                      <a:endParaRPr lang="en-US" sz="3000" b="0" i="0" u="none" strike="noStrike">
-                        <a:solidFill>
-                          <a:srgbClr val="000000"/>
-                        </a:solidFill>
-                        <a:effectLst/>
-                        <a:latin typeface="Calibri" panose="020F0502020204030204" pitchFamily="34" charset="0"/>
-                      </a:endParaRPr>
-                    </a:p>
-                  </a:txBody>
-                  <a:tcPr marL="9525" marR="9525" marT="9525" marB="0" anchor="b"/>
-                </a:tc>
-                <a:tc>
-                  <a:txBody>
-                    <a:bodyPr/>
-                    <a:lstStyle/>
-                    <a:p>
-                      <a:pPr algn="ctr" fontAlgn="b"/>
-                      <a:r>
-                        <a:rPr lang="en-US" sz="3000" u="none" strike="noStrike" dirty="0">
-                          <a:effectLst/>
-                        </a:rPr>
-                        <a:t> </a:t>
-                      </a:r>
-                      <a:endParaRPr lang="en-US" sz="3000" b="0" i="0" u="none" strike="noStrike" dirty="0">
-                        <a:solidFill>
-                          <a:srgbClr val="000000"/>
-                        </a:solidFill>
-                        <a:effectLst/>
-                        <a:latin typeface="Calibri" panose="020F0502020204030204" pitchFamily="34" charset="0"/>
-                      </a:endParaRPr>
-                    </a:p>
-                  </a:txBody>
-                  <a:tcPr marL="9525" marR="9525" marT="9525" marB="0" anchor="b"/>
-                </a:tc>
-                <a:tc>
-                  <a:txBody>
-                    <a:bodyPr/>
-                    <a:lstStyle/>
-                    <a:p>
-                      <a:pPr algn="ctr" fontAlgn="b"/>
-                      <a:r>
-                        <a:rPr lang="en-US" sz="3000" u="none" strike="noStrike">
-                          <a:effectLst/>
-                        </a:rPr>
-                        <a:t> </a:t>
-                      </a:r>
-                      <a:endParaRPr lang="en-US" sz="3000" b="0" i="0" u="none" strike="noStrike">
-                        <a:solidFill>
-                          <a:srgbClr val="000000"/>
-                        </a:solidFill>
-                        <a:effectLst/>
-                        <a:latin typeface="Calibri" panose="020F0502020204030204" pitchFamily="34" charset="0"/>
-                      </a:endParaRPr>
-                    </a:p>
-                  </a:txBody>
-                  <a:tcPr marL="9525" marR="9525" marT="9525" marB="0" anchor="b"/>
-                </a:tc>
-                <a:tc>
-                  <a:txBody>
-                    <a:bodyPr/>
-                    <a:lstStyle/>
-                    <a:p>
-                      <a:pPr algn="ctr" fontAlgn="b"/>
-                      <a:r>
-                        <a:rPr lang="en-US" sz="3000" u="none" strike="noStrike">
-                          <a:effectLst/>
-                        </a:rPr>
-                        <a:t> </a:t>
-                      </a:r>
-                      <a:endParaRPr lang="en-US" sz="3000" b="0" i="0" u="none" strike="noStrike">
-                        <a:solidFill>
-                          <a:srgbClr val="000000"/>
-                        </a:solidFill>
-                        <a:effectLst/>
-                        <a:latin typeface="Calibri" panose="020F0502020204030204" pitchFamily="34" charset="0"/>
-                      </a:endParaRPr>
-                    </a:p>
-                  </a:txBody>
-                  <a:tcPr marL="9525" marR="9525" marT="9525" marB="0" anchor="b"/>
-                </a:tc>
-                <a:tc>
-                  <a:txBody>
-                    <a:bodyPr/>
-                    <a:lstStyle/>
-                    <a:p>
-                      <a:pPr algn="ctr" fontAlgn="b"/>
-                      <a:r>
-                        <a:rPr lang="en-US" sz="3000" u="none" strike="noStrike">
-                          <a:effectLst/>
-                        </a:rPr>
-                        <a:t>+</a:t>
-                      </a:r>
-                      <a:endParaRPr lang="en-US" sz="3000" b="0" i="0" u="none" strike="noStrike">
-                        <a:solidFill>
-                          <a:srgbClr val="006100"/>
-                        </a:solidFill>
-                        <a:effectLst/>
-                        <a:latin typeface="Calibri" panose="020F0502020204030204" pitchFamily="34" charset="0"/>
-                      </a:endParaRPr>
-                    </a:p>
-                  </a:txBody>
-                  <a:tcPr marL="9525" marR="9525" marT="9525" marB="0" anchor="b"/>
-                </a:tc>
-                <a:tc>
-                  <a:txBody>
-                    <a:bodyPr/>
-                    <a:lstStyle/>
-                    <a:p>
-                      <a:pPr algn="ctr" fontAlgn="b"/>
-                      <a:r>
-                        <a:rPr lang="en-US" sz="3000" u="none" strike="noStrike">
-                          <a:effectLst/>
-                        </a:rPr>
-                        <a:t> </a:t>
-                      </a:r>
-                      <a:endParaRPr lang="en-US" sz="3000" b="0" i="0" u="none" strike="noStrike">
-                        <a:solidFill>
-                          <a:srgbClr val="000000"/>
-                        </a:solidFill>
-                        <a:effectLst/>
-                        <a:latin typeface="Calibri" panose="020F0502020204030204" pitchFamily="34" charset="0"/>
-                      </a:endParaRPr>
-                    </a:p>
-                  </a:txBody>
-                  <a:tcPr marL="9525" marR="9525" marT="9525" marB="0" anchor="b"/>
-                </a:tc>
-                <a:tc>
-                  <a:txBody>
-                    <a:bodyPr/>
-                    <a:lstStyle/>
-                    <a:p>
-                      <a:pPr algn="ctr" fontAlgn="b"/>
-                      <a:r>
-                        <a:rPr lang="en-US" sz="3000" u="none" strike="noStrike">
-                          <a:effectLst/>
-                        </a:rPr>
-                        <a:t>+</a:t>
-                      </a:r>
-                      <a:endParaRPr lang="en-US" sz="3000" b="0" i="0" u="none" strike="noStrike">
-                        <a:solidFill>
-                          <a:srgbClr val="006100"/>
-                        </a:solidFill>
-                        <a:effectLst/>
-                        <a:latin typeface="Calibri" panose="020F0502020204030204" pitchFamily="34" charset="0"/>
-                      </a:endParaRPr>
-                    </a:p>
-                  </a:txBody>
-                  <a:tcPr marL="9525" marR="9525" marT="9525" marB="0" anchor="b"/>
-                </a:tc>
-                <a:tc>
-                  <a:txBody>
-                    <a:bodyPr/>
-                    <a:lstStyle/>
-                    <a:p>
-                      <a:pPr algn="ctr" fontAlgn="b"/>
-                      <a:r>
-                        <a:rPr lang="en-US" sz="3000" u="none" strike="noStrike">
-                          <a:effectLst/>
-                        </a:rPr>
-                        <a:t> </a:t>
-                      </a:r>
-                      <a:endParaRPr lang="en-US" sz="3000" b="0" i="0" u="none" strike="noStrike">
-                        <a:solidFill>
-                          <a:srgbClr val="000000"/>
-                        </a:solidFill>
-                        <a:effectLst/>
-                        <a:latin typeface="Calibri" panose="020F0502020204030204" pitchFamily="34" charset="0"/>
-                      </a:endParaRPr>
-                    </a:p>
-                  </a:txBody>
-                  <a:tcPr marL="9525" marR="9525" marT="9525" marB="0" anchor="b"/>
-                </a:tc>
-                <a:extLst>
-                  <a:ext uri="{0D108BD9-81ED-4DB2-BD59-A6C34878D82A}">
-                    <a16:rowId xmlns:a16="http://schemas.microsoft.com/office/drawing/2014/main" val="113337887"/>
-                  </a:ext>
-                </a:extLst>
-              </a:tr>
-              <a:tr h="813693">
-                <a:tc>
-                  <a:txBody>
-                    <a:bodyPr/>
-                    <a:lstStyle/>
-                    <a:p>
-                      <a:pPr algn="ctr" fontAlgn="ctr"/>
-                      <a:r>
-                        <a:rPr lang="en-US" sz="3000" u="none" strike="noStrike">
-                          <a:effectLst/>
-                        </a:rPr>
-                        <a:t>2nd+ Attempt</a:t>
-                      </a:r>
-                      <a:endParaRPr lang="en-US" sz="3000" b="0" i="0" u="none" strike="noStrike">
-                        <a:solidFill>
-                          <a:srgbClr val="006100"/>
-                        </a:solidFill>
-                        <a:effectLst/>
-                        <a:latin typeface="Calibri" panose="020F0502020204030204" pitchFamily="34" charset="0"/>
-                      </a:endParaRPr>
-                    </a:p>
-                  </a:txBody>
-                  <a:tcPr marL="9525" marR="9525" marT="9525" marB="0" anchor="ctr"/>
-                </a:tc>
-                <a:tc>
-                  <a:txBody>
-                    <a:bodyPr/>
-                    <a:lstStyle/>
-                    <a:p>
-                      <a:pPr algn="ctr" fontAlgn="b"/>
-                      <a:r>
-                        <a:rPr lang="en-US" sz="3000" u="none" strike="noStrike">
-                          <a:effectLst/>
-                        </a:rPr>
-                        <a:t> </a:t>
-                      </a:r>
-                      <a:endParaRPr lang="en-US" sz="3000" b="0" i="0" u="none" strike="noStrike">
-                        <a:solidFill>
-                          <a:srgbClr val="000000"/>
-                        </a:solidFill>
-                        <a:effectLst/>
-                        <a:latin typeface="Calibri" panose="020F0502020204030204" pitchFamily="34" charset="0"/>
-                      </a:endParaRPr>
-                    </a:p>
-                  </a:txBody>
-                  <a:tcPr marL="9525" marR="9525" marT="9525" marB="0" anchor="b"/>
-                </a:tc>
-                <a:tc>
-                  <a:txBody>
-                    <a:bodyPr/>
-                    <a:lstStyle/>
-                    <a:p>
-                      <a:pPr algn="ctr" fontAlgn="b"/>
-                      <a:r>
-                        <a:rPr lang="en-US" sz="3000" u="none" strike="noStrike">
-                          <a:effectLst/>
-                        </a:rPr>
-                        <a:t>+</a:t>
-                      </a:r>
-                      <a:endParaRPr lang="en-US" sz="3000" b="0" i="0" u="none" strike="noStrike">
-                        <a:solidFill>
-                          <a:srgbClr val="006100"/>
-                        </a:solidFill>
-                        <a:effectLst/>
-                        <a:latin typeface="Calibri" panose="020F0502020204030204" pitchFamily="34" charset="0"/>
-                      </a:endParaRPr>
-                    </a:p>
-                  </a:txBody>
-                  <a:tcPr marL="9525" marR="9525" marT="9525" marB="0" anchor="b"/>
-                </a:tc>
-                <a:tc>
-                  <a:txBody>
-                    <a:bodyPr/>
-                    <a:lstStyle/>
-                    <a:p>
-                      <a:pPr algn="ctr" fontAlgn="b"/>
-                      <a:r>
-                        <a:rPr lang="en-US" sz="3000" u="none" strike="noStrike">
-                          <a:effectLst/>
-                        </a:rPr>
-                        <a:t> </a:t>
-                      </a:r>
-                      <a:endParaRPr lang="en-US" sz="3000" b="0" i="0" u="none" strike="noStrike">
-                        <a:solidFill>
-                          <a:srgbClr val="000000"/>
-                        </a:solidFill>
-                        <a:effectLst/>
-                        <a:latin typeface="Calibri" panose="020F0502020204030204" pitchFamily="34" charset="0"/>
-                      </a:endParaRPr>
-                    </a:p>
-                  </a:txBody>
-                  <a:tcPr marL="9525" marR="9525" marT="9525" marB="0" anchor="b"/>
-                </a:tc>
-                <a:tc>
-                  <a:txBody>
-                    <a:bodyPr/>
-                    <a:lstStyle/>
-                    <a:p>
-                      <a:pPr algn="ctr" fontAlgn="b"/>
-                      <a:r>
-                        <a:rPr lang="en-US" sz="3000" u="none" strike="noStrike">
-                          <a:effectLst/>
-                        </a:rPr>
-                        <a:t> </a:t>
-                      </a:r>
-                      <a:endParaRPr lang="en-US" sz="3000" b="0" i="0" u="none" strike="noStrike">
-                        <a:solidFill>
-                          <a:srgbClr val="000000"/>
-                        </a:solidFill>
-                        <a:effectLst/>
-                        <a:latin typeface="Calibri" panose="020F0502020204030204" pitchFamily="34" charset="0"/>
-                      </a:endParaRPr>
-                    </a:p>
-                  </a:txBody>
-                  <a:tcPr marL="9525" marR="9525" marT="9525" marB="0" anchor="b"/>
-                </a:tc>
-                <a:tc>
-                  <a:txBody>
-                    <a:bodyPr/>
-                    <a:lstStyle/>
-                    <a:p>
-                      <a:pPr algn="ctr" fontAlgn="b"/>
-                      <a:r>
-                        <a:rPr lang="en-US" sz="3000" u="none" strike="noStrike">
-                          <a:effectLst/>
-                        </a:rPr>
-                        <a:t> </a:t>
-                      </a:r>
-                      <a:endParaRPr lang="en-US" sz="3000" b="0" i="0" u="none" strike="noStrike">
-                        <a:solidFill>
-                          <a:srgbClr val="000000"/>
-                        </a:solidFill>
-                        <a:effectLst/>
-                        <a:latin typeface="Calibri" panose="020F0502020204030204" pitchFamily="34" charset="0"/>
-                      </a:endParaRPr>
-                    </a:p>
-                  </a:txBody>
-                  <a:tcPr marL="9525" marR="9525" marT="9525" marB="0" anchor="b"/>
-                </a:tc>
-                <a:tc>
-                  <a:txBody>
-                    <a:bodyPr/>
-                    <a:lstStyle/>
-                    <a:p>
-                      <a:pPr algn="ctr" fontAlgn="b"/>
-                      <a:r>
-                        <a:rPr lang="en-US" sz="3000" u="none" strike="noStrike" dirty="0">
-                          <a:effectLst/>
-                        </a:rPr>
-                        <a:t> </a:t>
-                      </a:r>
-                      <a:endParaRPr lang="en-US" sz="3000" b="0" i="0" u="none" strike="noStrike" dirty="0">
-                        <a:solidFill>
-                          <a:srgbClr val="000000"/>
-                        </a:solidFill>
-                        <a:effectLst/>
-                        <a:latin typeface="Calibri" panose="020F0502020204030204" pitchFamily="34" charset="0"/>
-                      </a:endParaRPr>
-                    </a:p>
-                  </a:txBody>
-                  <a:tcPr marL="9525" marR="9525" marT="9525" marB="0" anchor="b"/>
-                </a:tc>
-                <a:tc>
-                  <a:txBody>
-                    <a:bodyPr/>
-                    <a:lstStyle/>
-                    <a:p>
-                      <a:pPr algn="ctr" fontAlgn="b"/>
-                      <a:r>
-                        <a:rPr lang="en-US" sz="3000" u="none" strike="noStrike">
-                          <a:effectLst/>
-                        </a:rPr>
-                        <a:t> </a:t>
-                      </a:r>
-                      <a:endParaRPr lang="en-US" sz="3000" b="0" i="0" u="none" strike="noStrike">
-                        <a:solidFill>
-                          <a:srgbClr val="000000"/>
-                        </a:solidFill>
-                        <a:effectLst/>
-                        <a:latin typeface="Calibri" panose="020F0502020204030204" pitchFamily="34" charset="0"/>
-                      </a:endParaRPr>
-                    </a:p>
-                  </a:txBody>
-                  <a:tcPr marL="9525" marR="9525" marT="9525" marB="0" anchor="b"/>
-                </a:tc>
-                <a:tc>
-                  <a:txBody>
-                    <a:bodyPr/>
-                    <a:lstStyle/>
-                    <a:p>
-                      <a:pPr algn="ctr" fontAlgn="b"/>
-                      <a:r>
-                        <a:rPr lang="en-US" sz="3000" u="none" strike="noStrike" dirty="0">
-                          <a:effectLst/>
-                        </a:rPr>
-                        <a:t> </a:t>
-                      </a:r>
-                      <a:endParaRPr lang="en-US" sz="3000" b="0" i="0" u="none" strike="noStrike" dirty="0">
-                        <a:solidFill>
-                          <a:srgbClr val="000000"/>
-                        </a:solidFill>
-                        <a:effectLst/>
-                        <a:latin typeface="Calibri" panose="020F0502020204030204" pitchFamily="34" charset="0"/>
-                      </a:endParaRPr>
-                    </a:p>
-                  </a:txBody>
-                  <a:tcPr marL="9525" marR="9525" marT="9525" marB="0" anchor="b"/>
-                </a:tc>
-                <a:tc>
-                  <a:txBody>
-                    <a:bodyPr/>
-                    <a:lstStyle/>
-                    <a:p>
-                      <a:pPr algn="ctr" fontAlgn="b"/>
-                      <a:r>
-                        <a:rPr lang="en-US" sz="3000" u="none" strike="noStrike">
-                          <a:effectLst/>
-                        </a:rPr>
-                        <a:t> </a:t>
-                      </a:r>
-                      <a:endParaRPr lang="en-US" sz="3000" b="0" i="0" u="none" strike="noStrike">
-                        <a:solidFill>
-                          <a:srgbClr val="000000"/>
-                        </a:solidFill>
-                        <a:effectLst/>
-                        <a:latin typeface="Calibri" panose="020F0502020204030204" pitchFamily="34" charset="0"/>
-                      </a:endParaRPr>
-                    </a:p>
-                  </a:txBody>
-                  <a:tcPr marL="9525" marR="9525" marT="9525" marB="0" anchor="b"/>
-                </a:tc>
-                <a:tc>
-                  <a:txBody>
-                    <a:bodyPr/>
-                    <a:lstStyle/>
-                    <a:p>
-                      <a:pPr algn="ctr" fontAlgn="b"/>
-                      <a:r>
-                        <a:rPr lang="en-US" sz="3000" u="none" strike="noStrike">
-                          <a:effectLst/>
-                        </a:rPr>
-                        <a:t> </a:t>
-                      </a:r>
-                      <a:endParaRPr lang="en-US" sz="3000" b="0" i="0" u="none" strike="noStrike">
-                        <a:solidFill>
-                          <a:srgbClr val="000000"/>
-                        </a:solidFill>
-                        <a:effectLst/>
-                        <a:latin typeface="Calibri" panose="020F0502020204030204" pitchFamily="34" charset="0"/>
-                      </a:endParaRPr>
-                    </a:p>
-                  </a:txBody>
-                  <a:tcPr marL="9525" marR="9525" marT="9525" marB="0" anchor="b"/>
-                </a:tc>
-                <a:tc>
-                  <a:txBody>
-                    <a:bodyPr/>
-                    <a:lstStyle/>
-                    <a:p>
-                      <a:pPr algn="ctr" fontAlgn="b"/>
-                      <a:r>
-                        <a:rPr lang="en-US" sz="3000" u="none" strike="noStrike">
-                          <a:effectLst/>
-                        </a:rPr>
-                        <a:t> </a:t>
-                      </a:r>
-                      <a:endParaRPr lang="en-US" sz="3000" b="0" i="0" u="none" strike="noStrike">
-                        <a:solidFill>
-                          <a:srgbClr val="000000"/>
-                        </a:solidFill>
-                        <a:effectLst/>
-                        <a:latin typeface="Calibri" panose="020F0502020204030204" pitchFamily="34" charset="0"/>
-                      </a:endParaRPr>
-                    </a:p>
-                  </a:txBody>
-                  <a:tcPr marL="9525" marR="9525" marT="9525" marB="0" anchor="b"/>
-                </a:tc>
-                <a:tc>
-                  <a:txBody>
-                    <a:bodyPr/>
-                    <a:lstStyle/>
-                    <a:p>
-                      <a:pPr algn="ctr" fontAlgn="b"/>
-                      <a:r>
-                        <a:rPr lang="en-US" sz="3000" u="none" strike="noStrike">
-                          <a:effectLst/>
-                        </a:rPr>
-                        <a:t> </a:t>
-                      </a:r>
-                      <a:endParaRPr lang="en-US" sz="3000" b="0" i="0" u="none" strike="noStrike">
-                        <a:solidFill>
-                          <a:srgbClr val="000000"/>
-                        </a:solidFill>
-                        <a:effectLst/>
-                        <a:latin typeface="Calibri" panose="020F0502020204030204" pitchFamily="34" charset="0"/>
-                      </a:endParaRPr>
-                    </a:p>
-                  </a:txBody>
-                  <a:tcPr marL="9525" marR="9525" marT="9525" marB="0" anchor="b"/>
-                </a:tc>
-                <a:tc>
-                  <a:txBody>
-                    <a:bodyPr/>
-                    <a:lstStyle/>
-                    <a:p>
-                      <a:pPr algn="ctr" fontAlgn="b"/>
-                      <a:r>
-                        <a:rPr lang="en-US" sz="3000" u="none" strike="noStrike">
-                          <a:effectLst/>
-                        </a:rPr>
-                        <a:t> </a:t>
-                      </a:r>
-                      <a:endParaRPr lang="en-US" sz="3000" b="0" i="0" u="none" strike="noStrike">
-                        <a:solidFill>
-                          <a:srgbClr val="000000"/>
-                        </a:solidFill>
-                        <a:effectLst/>
-                        <a:latin typeface="Calibri" panose="020F0502020204030204" pitchFamily="34" charset="0"/>
-                      </a:endParaRPr>
-                    </a:p>
-                  </a:txBody>
-                  <a:tcPr marL="9525" marR="9525" marT="9525" marB="0" anchor="b"/>
-                </a:tc>
-                <a:extLst>
-                  <a:ext uri="{0D108BD9-81ED-4DB2-BD59-A6C34878D82A}">
-                    <a16:rowId xmlns:a16="http://schemas.microsoft.com/office/drawing/2014/main" val="3506698808"/>
-                  </a:ext>
-                </a:extLst>
-              </a:tr>
-              <a:tr h="0">
-                <a:tc>
-                  <a:txBody>
-                    <a:bodyPr/>
-                    <a:lstStyle/>
-                    <a:p>
-                      <a:pPr algn="ctr" fontAlgn="ctr"/>
-                      <a:r>
-                        <a:rPr lang="en-US" sz="3000" u="none" strike="noStrike">
-                          <a:effectLst/>
-                        </a:rPr>
-                        <a:t>Sophomore</a:t>
-                      </a:r>
-                      <a:endParaRPr lang="en-US" sz="3000" b="0" i="0" u="none" strike="noStrike">
-                        <a:solidFill>
-                          <a:srgbClr val="000000"/>
-                        </a:solidFill>
-                        <a:effectLst/>
-                        <a:latin typeface="Calibri" panose="020F0502020204030204" pitchFamily="34" charset="0"/>
-                      </a:endParaRPr>
-                    </a:p>
-                  </a:txBody>
-                  <a:tcPr marL="9525" marR="9525" marT="9525" marB="0" anchor="ctr"/>
-                </a:tc>
-                <a:tc>
-                  <a:txBody>
-                    <a:bodyPr/>
-                    <a:lstStyle/>
-                    <a:p>
-                      <a:pPr algn="ctr" fontAlgn="b"/>
-                      <a:r>
-                        <a:rPr lang="en-US" sz="3000" u="none" strike="noStrike">
-                          <a:effectLst/>
-                        </a:rPr>
-                        <a:t>+</a:t>
-                      </a:r>
-                      <a:endParaRPr lang="en-US" sz="3000" b="0" i="0" u="none" strike="noStrike">
-                        <a:solidFill>
-                          <a:srgbClr val="006100"/>
-                        </a:solidFill>
-                        <a:effectLst/>
-                        <a:latin typeface="Calibri" panose="020F0502020204030204" pitchFamily="34" charset="0"/>
-                      </a:endParaRPr>
-                    </a:p>
-                  </a:txBody>
-                  <a:tcPr marL="9525" marR="9525" marT="9525" marB="0" anchor="b"/>
-                </a:tc>
-                <a:tc>
-                  <a:txBody>
-                    <a:bodyPr/>
-                    <a:lstStyle/>
-                    <a:p>
-                      <a:pPr algn="ctr" fontAlgn="b"/>
-                      <a:r>
-                        <a:rPr lang="en-US" sz="3000" u="none" strike="noStrike">
-                          <a:effectLst/>
-                        </a:rPr>
-                        <a:t>+</a:t>
-                      </a:r>
-                      <a:endParaRPr lang="en-US" sz="3000" b="0" i="0" u="none" strike="noStrike">
-                        <a:solidFill>
-                          <a:srgbClr val="006100"/>
-                        </a:solidFill>
-                        <a:effectLst/>
-                        <a:latin typeface="Calibri" panose="020F0502020204030204" pitchFamily="34" charset="0"/>
-                      </a:endParaRPr>
-                    </a:p>
-                  </a:txBody>
-                  <a:tcPr marL="9525" marR="9525" marT="9525" marB="0" anchor="b"/>
-                </a:tc>
-                <a:tc>
-                  <a:txBody>
-                    <a:bodyPr/>
-                    <a:lstStyle/>
-                    <a:p>
-                      <a:pPr algn="ctr" fontAlgn="b"/>
-                      <a:r>
-                        <a:rPr lang="en-US" sz="3000" u="none" strike="noStrike">
-                          <a:effectLst/>
-                        </a:rPr>
-                        <a:t> </a:t>
-                      </a:r>
-                      <a:endParaRPr lang="en-US" sz="3000" b="0" i="0" u="none" strike="noStrike">
-                        <a:solidFill>
-                          <a:srgbClr val="000000"/>
-                        </a:solidFill>
-                        <a:effectLst/>
-                        <a:latin typeface="Calibri" panose="020F0502020204030204" pitchFamily="34" charset="0"/>
-                      </a:endParaRPr>
-                    </a:p>
-                  </a:txBody>
-                  <a:tcPr marL="9525" marR="9525" marT="9525" marB="0" anchor="b"/>
-                </a:tc>
-                <a:tc>
-                  <a:txBody>
-                    <a:bodyPr/>
-                    <a:lstStyle/>
-                    <a:p>
-                      <a:pPr algn="ctr" fontAlgn="b"/>
-                      <a:r>
-                        <a:rPr lang="en-US" sz="3000" u="none" strike="noStrike">
-                          <a:effectLst/>
-                        </a:rPr>
-                        <a:t> </a:t>
-                      </a:r>
-                      <a:endParaRPr lang="en-US" sz="3000" b="0" i="0" u="none" strike="noStrike">
-                        <a:solidFill>
-                          <a:srgbClr val="000000"/>
-                        </a:solidFill>
-                        <a:effectLst/>
-                        <a:latin typeface="Calibri" panose="020F0502020204030204" pitchFamily="34" charset="0"/>
-                      </a:endParaRPr>
-                    </a:p>
-                  </a:txBody>
-                  <a:tcPr marL="9525" marR="9525" marT="9525" marB="0" anchor="b"/>
-                </a:tc>
-                <a:tc>
-                  <a:txBody>
-                    <a:bodyPr/>
-                    <a:lstStyle/>
-                    <a:p>
-                      <a:pPr algn="ctr" fontAlgn="b"/>
-                      <a:r>
-                        <a:rPr lang="en-US" sz="3000" u="none" strike="noStrike">
-                          <a:effectLst/>
-                        </a:rPr>
-                        <a:t> </a:t>
-                      </a:r>
-                      <a:endParaRPr lang="en-US" sz="3000" b="0" i="0" u="none" strike="noStrike">
-                        <a:solidFill>
-                          <a:srgbClr val="000000"/>
-                        </a:solidFill>
-                        <a:effectLst/>
-                        <a:latin typeface="Calibri" panose="020F0502020204030204" pitchFamily="34" charset="0"/>
-                      </a:endParaRPr>
-                    </a:p>
-                  </a:txBody>
-                  <a:tcPr marL="9525" marR="9525" marT="9525" marB="0" anchor="b"/>
-                </a:tc>
-                <a:tc>
-                  <a:txBody>
-                    <a:bodyPr/>
-                    <a:lstStyle/>
-                    <a:p>
-                      <a:pPr algn="ctr" fontAlgn="b"/>
-                      <a:r>
-                        <a:rPr lang="en-US" sz="3000" u="none" strike="noStrike" dirty="0">
-                          <a:effectLst/>
-                        </a:rPr>
-                        <a:t> </a:t>
-                      </a:r>
-                      <a:endParaRPr lang="en-US" sz="3000" b="0" i="0" u="none" strike="noStrike" dirty="0">
-                        <a:solidFill>
-                          <a:srgbClr val="000000"/>
-                        </a:solidFill>
-                        <a:effectLst/>
-                        <a:latin typeface="Calibri" panose="020F0502020204030204" pitchFamily="34" charset="0"/>
-                      </a:endParaRPr>
-                    </a:p>
-                  </a:txBody>
-                  <a:tcPr marL="9525" marR="9525" marT="9525" marB="0" anchor="b"/>
-                </a:tc>
-                <a:tc>
-                  <a:txBody>
-                    <a:bodyPr/>
-                    <a:lstStyle/>
-                    <a:p>
-                      <a:pPr algn="ctr" fontAlgn="b"/>
-                      <a:r>
-                        <a:rPr lang="en-US" sz="3000" u="none" strike="noStrike">
-                          <a:effectLst/>
-                        </a:rPr>
-                        <a:t> </a:t>
-                      </a:r>
-                      <a:endParaRPr lang="en-US" sz="3000" b="0" i="0" u="none" strike="noStrike">
-                        <a:solidFill>
-                          <a:srgbClr val="000000"/>
-                        </a:solidFill>
-                        <a:effectLst/>
-                        <a:latin typeface="Calibri" panose="020F0502020204030204" pitchFamily="34" charset="0"/>
-                      </a:endParaRPr>
-                    </a:p>
-                  </a:txBody>
-                  <a:tcPr marL="9525" marR="9525" marT="9525" marB="0" anchor="b"/>
-                </a:tc>
-                <a:tc>
-                  <a:txBody>
-                    <a:bodyPr/>
-                    <a:lstStyle/>
-                    <a:p>
-                      <a:pPr algn="ctr" fontAlgn="b"/>
-                      <a:r>
-                        <a:rPr lang="en-US" sz="3000" u="none" strike="noStrike">
-                          <a:effectLst/>
-                        </a:rPr>
-                        <a:t> </a:t>
-                      </a:r>
-                      <a:endParaRPr lang="en-US" sz="3000" b="0" i="0" u="none" strike="noStrike">
-                        <a:solidFill>
-                          <a:srgbClr val="000000"/>
-                        </a:solidFill>
-                        <a:effectLst/>
-                        <a:latin typeface="Calibri" panose="020F0502020204030204" pitchFamily="34" charset="0"/>
-                      </a:endParaRPr>
-                    </a:p>
-                  </a:txBody>
-                  <a:tcPr marL="9525" marR="9525" marT="9525" marB="0" anchor="b"/>
-                </a:tc>
-                <a:tc>
-                  <a:txBody>
-                    <a:bodyPr/>
-                    <a:lstStyle/>
-                    <a:p>
-                      <a:pPr algn="ctr" fontAlgn="b"/>
-                      <a:r>
-                        <a:rPr lang="en-US" sz="3000" u="none" strike="noStrike" dirty="0">
-                          <a:effectLst/>
-                        </a:rPr>
-                        <a:t> </a:t>
-                      </a:r>
-                      <a:endParaRPr lang="en-US" sz="3000" b="0" i="0" u="none" strike="noStrike" dirty="0">
-                        <a:solidFill>
-                          <a:srgbClr val="000000"/>
-                        </a:solidFill>
-                        <a:effectLst/>
-                        <a:latin typeface="Calibri" panose="020F0502020204030204" pitchFamily="34" charset="0"/>
-                      </a:endParaRPr>
-                    </a:p>
-                  </a:txBody>
-                  <a:tcPr marL="9525" marR="9525" marT="9525" marB="0" anchor="b"/>
-                </a:tc>
-                <a:tc>
-                  <a:txBody>
-                    <a:bodyPr/>
-                    <a:lstStyle/>
-                    <a:p>
-                      <a:pPr algn="ctr" fontAlgn="b"/>
-                      <a:r>
-                        <a:rPr lang="en-US" sz="3000" u="none" strike="noStrike">
-                          <a:effectLst/>
-                        </a:rPr>
-                        <a:t>+</a:t>
-                      </a:r>
-                      <a:endParaRPr lang="en-US" sz="3000" b="0" i="0" u="none" strike="noStrike">
-                        <a:solidFill>
-                          <a:srgbClr val="006100"/>
-                        </a:solidFill>
-                        <a:effectLst/>
-                        <a:latin typeface="Calibri" panose="020F0502020204030204" pitchFamily="34" charset="0"/>
-                      </a:endParaRPr>
-                    </a:p>
-                  </a:txBody>
-                  <a:tcPr marL="9525" marR="9525" marT="9525" marB="0" anchor="b"/>
-                </a:tc>
-                <a:tc>
-                  <a:txBody>
-                    <a:bodyPr/>
-                    <a:lstStyle/>
-                    <a:p>
-                      <a:pPr algn="ctr" fontAlgn="b"/>
-                      <a:r>
-                        <a:rPr lang="en-US" sz="3000" u="none" strike="noStrike">
-                          <a:effectLst/>
-                        </a:rPr>
-                        <a:t> </a:t>
-                      </a:r>
-                      <a:endParaRPr lang="en-US" sz="3000" b="0" i="0" u="none" strike="noStrike">
-                        <a:solidFill>
-                          <a:srgbClr val="000000"/>
-                        </a:solidFill>
-                        <a:effectLst/>
-                        <a:latin typeface="Calibri" panose="020F0502020204030204" pitchFamily="34" charset="0"/>
-                      </a:endParaRPr>
-                    </a:p>
-                  </a:txBody>
-                  <a:tcPr marL="9525" marR="9525" marT="9525" marB="0" anchor="b"/>
-                </a:tc>
-                <a:tc>
-                  <a:txBody>
-                    <a:bodyPr/>
-                    <a:lstStyle/>
-                    <a:p>
-                      <a:pPr algn="ctr" fontAlgn="b"/>
-                      <a:r>
-                        <a:rPr lang="en-US" sz="3000" u="none" strike="noStrike">
-                          <a:effectLst/>
-                        </a:rPr>
-                        <a:t>+</a:t>
-                      </a:r>
-                      <a:endParaRPr lang="en-US" sz="3000" b="0" i="0" u="none" strike="noStrike">
-                        <a:solidFill>
-                          <a:srgbClr val="006100"/>
-                        </a:solidFill>
-                        <a:effectLst/>
-                        <a:latin typeface="Calibri" panose="020F0502020204030204" pitchFamily="34" charset="0"/>
-                      </a:endParaRPr>
-                    </a:p>
-                  </a:txBody>
-                  <a:tcPr marL="9525" marR="9525" marT="9525" marB="0" anchor="b"/>
-                </a:tc>
-                <a:tc>
-                  <a:txBody>
-                    <a:bodyPr/>
-                    <a:lstStyle/>
-                    <a:p>
-                      <a:pPr algn="ctr" fontAlgn="b"/>
-                      <a:r>
-                        <a:rPr lang="en-US" sz="3000" u="none" strike="noStrike">
-                          <a:effectLst/>
-                        </a:rPr>
-                        <a:t> </a:t>
-                      </a:r>
-                      <a:endParaRPr lang="en-US" sz="3000" b="0" i="0" u="none" strike="noStrike">
-                        <a:solidFill>
-                          <a:srgbClr val="000000"/>
-                        </a:solidFill>
-                        <a:effectLst/>
-                        <a:latin typeface="Calibri" panose="020F0502020204030204" pitchFamily="34" charset="0"/>
-                      </a:endParaRPr>
-                    </a:p>
-                  </a:txBody>
-                  <a:tcPr marL="9525" marR="9525" marT="9525" marB="0" anchor="b"/>
-                </a:tc>
-                <a:extLst>
-                  <a:ext uri="{0D108BD9-81ED-4DB2-BD59-A6C34878D82A}">
-                    <a16:rowId xmlns:a16="http://schemas.microsoft.com/office/drawing/2014/main" val="1117413891"/>
-                  </a:ext>
-                </a:extLst>
-              </a:tr>
-              <a:tr h="813693">
-                <a:tc>
-                  <a:txBody>
-                    <a:bodyPr/>
-                    <a:lstStyle/>
-                    <a:p>
-                      <a:pPr algn="ctr" fontAlgn="ctr"/>
-                      <a:r>
-                        <a:rPr lang="en-US" sz="3000" u="none" strike="noStrike">
-                          <a:effectLst/>
-                        </a:rPr>
-                        <a:t>Junior</a:t>
-                      </a:r>
-                      <a:endParaRPr lang="en-US" sz="3000" b="0" i="0" u="none" strike="noStrike">
-                        <a:solidFill>
-                          <a:srgbClr val="000000"/>
-                        </a:solidFill>
-                        <a:effectLst/>
-                        <a:latin typeface="Calibri" panose="020F0502020204030204" pitchFamily="34" charset="0"/>
-                      </a:endParaRPr>
-                    </a:p>
-                  </a:txBody>
-                  <a:tcPr marL="9525" marR="9525" marT="9525" marB="0" anchor="ctr"/>
-                </a:tc>
-                <a:tc>
-                  <a:txBody>
-                    <a:bodyPr/>
-                    <a:lstStyle/>
-                    <a:p>
-                      <a:pPr algn="ctr" fontAlgn="b"/>
-                      <a:r>
-                        <a:rPr lang="en-US" sz="3000" u="none" strike="noStrike">
-                          <a:effectLst/>
-                        </a:rPr>
-                        <a:t> </a:t>
-                      </a:r>
-                      <a:endParaRPr lang="en-US" sz="3000" b="0" i="0" u="none" strike="noStrike">
-                        <a:solidFill>
-                          <a:srgbClr val="000000"/>
-                        </a:solidFill>
-                        <a:effectLst/>
-                        <a:latin typeface="Calibri" panose="020F0502020204030204" pitchFamily="34" charset="0"/>
-                      </a:endParaRPr>
-                    </a:p>
-                  </a:txBody>
-                  <a:tcPr marL="9525" marR="9525" marT="9525" marB="0" anchor="b"/>
-                </a:tc>
-                <a:tc>
-                  <a:txBody>
-                    <a:bodyPr/>
-                    <a:lstStyle/>
-                    <a:p>
-                      <a:pPr algn="ctr" fontAlgn="b"/>
-                      <a:r>
-                        <a:rPr lang="en-US" sz="3000" u="none" strike="noStrike">
-                          <a:effectLst/>
-                        </a:rPr>
-                        <a:t> </a:t>
-                      </a:r>
-                      <a:endParaRPr lang="en-US" sz="3000" b="0" i="0" u="none" strike="noStrike">
-                        <a:solidFill>
-                          <a:srgbClr val="000000"/>
-                        </a:solidFill>
-                        <a:effectLst/>
-                        <a:latin typeface="Calibri" panose="020F0502020204030204" pitchFamily="34" charset="0"/>
-                      </a:endParaRPr>
-                    </a:p>
-                  </a:txBody>
-                  <a:tcPr marL="9525" marR="9525" marT="9525" marB="0" anchor="b"/>
-                </a:tc>
-                <a:tc>
-                  <a:txBody>
-                    <a:bodyPr/>
-                    <a:lstStyle/>
-                    <a:p>
-                      <a:pPr algn="ctr" fontAlgn="b"/>
-                      <a:r>
-                        <a:rPr lang="en-US" sz="3000" u="none" strike="noStrike">
-                          <a:effectLst/>
-                        </a:rPr>
-                        <a:t> </a:t>
-                      </a:r>
-                      <a:endParaRPr lang="en-US" sz="3000" b="0" i="0" u="none" strike="noStrike">
-                        <a:solidFill>
-                          <a:srgbClr val="000000"/>
-                        </a:solidFill>
-                        <a:effectLst/>
-                        <a:latin typeface="Calibri" panose="020F0502020204030204" pitchFamily="34" charset="0"/>
-                      </a:endParaRPr>
-                    </a:p>
-                  </a:txBody>
-                  <a:tcPr marL="9525" marR="9525" marT="9525" marB="0" anchor="b"/>
-                </a:tc>
-                <a:tc>
-                  <a:txBody>
-                    <a:bodyPr/>
-                    <a:lstStyle/>
-                    <a:p>
-                      <a:pPr algn="ctr" fontAlgn="b"/>
-                      <a:r>
-                        <a:rPr lang="en-US" sz="3000" u="none" strike="noStrike">
-                          <a:effectLst/>
-                        </a:rPr>
-                        <a:t> </a:t>
-                      </a:r>
-                      <a:endParaRPr lang="en-US" sz="3000" b="0" i="0" u="none" strike="noStrike">
-                        <a:solidFill>
-                          <a:srgbClr val="000000"/>
-                        </a:solidFill>
-                        <a:effectLst/>
-                        <a:latin typeface="Calibri" panose="020F0502020204030204" pitchFamily="34" charset="0"/>
-                      </a:endParaRPr>
-                    </a:p>
-                  </a:txBody>
-                  <a:tcPr marL="9525" marR="9525" marT="9525" marB="0" anchor="b"/>
-                </a:tc>
-                <a:tc>
-                  <a:txBody>
-                    <a:bodyPr/>
-                    <a:lstStyle/>
-                    <a:p>
-                      <a:pPr algn="ctr" fontAlgn="b"/>
-                      <a:r>
-                        <a:rPr lang="en-US" sz="3000" u="none" strike="noStrike">
-                          <a:effectLst/>
-                        </a:rPr>
-                        <a:t>-</a:t>
-                      </a:r>
-                      <a:endParaRPr lang="en-US" sz="3000" b="0" i="0" u="none" strike="noStrike">
-                        <a:solidFill>
-                          <a:srgbClr val="9C0006"/>
-                        </a:solidFill>
-                        <a:effectLst/>
-                        <a:latin typeface="Calibri" panose="020F0502020204030204" pitchFamily="34" charset="0"/>
-                      </a:endParaRPr>
-                    </a:p>
-                  </a:txBody>
-                  <a:tcPr marL="9525" marR="9525" marT="9525" marB="0" anchor="b"/>
-                </a:tc>
-                <a:tc>
-                  <a:txBody>
-                    <a:bodyPr/>
-                    <a:lstStyle/>
-                    <a:p>
-                      <a:pPr algn="ctr" fontAlgn="b"/>
-                      <a:r>
-                        <a:rPr lang="en-US" sz="3000" u="none" strike="noStrike" dirty="0">
-                          <a:effectLst/>
-                        </a:rPr>
-                        <a:t> </a:t>
-                      </a:r>
-                      <a:endParaRPr lang="en-US" sz="3000" b="0" i="0" u="none" strike="noStrike" dirty="0">
-                        <a:solidFill>
-                          <a:srgbClr val="000000"/>
-                        </a:solidFill>
-                        <a:effectLst/>
-                        <a:latin typeface="Calibri" panose="020F0502020204030204" pitchFamily="34" charset="0"/>
-                      </a:endParaRPr>
-                    </a:p>
-                  </a:txBody>
-                  <a:tcPr marL="9525" marR="9525" marT="9525" marB="0" anchor="b"/>
-                </a:tc>
-                <a:tc>
-                  <a:txBody>
-                    <a:bodyPr/>
-                    <a:lstStyle/>
-                    <a:p>
-                      <a:pPr algn="ctr" fontAlgn="b"/>
-                      <a:r>
-                        <a:rPr lang="en-US" sz="3000" u="none" strike="noStrike">
-                          <a:effectLst/>
-                        </a:rPr>
-                        <a:t> </a:t>
-                      </a:r>
-                      <a:endParaRPr lang="en-US" sz="3000" b="0" i="0" u="none" strike="noStrike">
-                        <a:solidFill>
-                          <a:srgbClr val="000000"/>
-                        </a:solidFill>
-                        <a:effectLst/>
-                        <a:latin typeface="Calibri" panose="020F0502020204030204" pitchFamily="34" charset="0"/>
-                      </a:endParaRPr>
-                    </a:p>
-                  </a:txBody>
-                  <a:tcPr marL="9525" marR="9525" marT="9525" marB="0" anchor="b"/>
-                </a:tc>
-                <a:tc>
-                  <a:txBody>
-                    <a:bodyPr/>
-                    <a:lstStyle/>
-                    <a:p>
-                      <a:pPr algn="ctr" fontAlgn="b"/>
-                      <a:r>
-                        <a:rPr lang="en-US" sz="3000" u="none" strike="noStrike">
-                          <a:effectLst/>
-                        </a:rPr>
-                        <a:t> </a:t>
-                      </a:r>
-                      <a:endParaRPr lang="en-US" sz="3000" b="0" i="0" u="none" strike="noStrike">
-                        <a:solidFill>
-                          <a:srgbClr val="000000"/>
-                        </a:solidFill>
-                        <a:effectLst/>
-                        <a:latin typeface="Calibri" panose="020F0502020204030204" pitchFamily="34" charset="0"/>
-                      </a:endParaRPr>
-                    </a:p>
-                  </a:txBody>
-                  <a:tcPr marL="9525" marR="9525" marT="9525" marB="0" anchor="b"/>
-                </a:tc>
-                <a:tc>
-                  <a:txBody>
-                    <a:bodyPr/>
-                    <a:lstStyle/>
-                    <a:p>
-                      <a:pPr algn="ctr" fontAlgn="b"/>
-                      <a:r>
-                        <a:rPr lang="en-US" sz="3000" u="none" strike="noStrike" dirty="0">
-                          <a:effectLst/>
-                        </a:rPr>
-                        <a:t> </a:t>
-                      </a:r>
-                      <a:endParaRPr lang="en-US" sz="3000" b="0" i="0" u="none" strike="noStrike" dirty="0">
-                        <a:solidFill>
-                          <a:srgbClr val="000000"/>
-                        </a:solidFill>
-                        <a:effectLst/>
-                        <a:latin typeface="Calibri" panose="020F0502020204030204" pitchFamily="34" charset="0"/>
-                      </a:endParaRPr>
-                    </a:p>
-                  </a:txBody>
-                  <a:tcPr marL="9525" marR="9525" marT="9525" marB="0" anchor="b"/>
-                </a:tc>
-                <a:tc>
-                  <a:txBody>
-                    <a:bodyPr/>
-                    <a:lstStyle/>
-                    <a:p>
-                      <a:pPr algn="ctr" fontAlgn="b"/>
-                      <a:r>
-                        <a:rPr lang="en-US" sz="3000" u="none" strike="noStrike" dirty="0">
-                          <a:effectLst/>
-                        </a:rPr>
-                        <a:t>+</a:t>
-                      </a:r>
-                      <a:endParaRPr lang="en-US" sz="3000" b="0" i="0" u="none" strike="noStrike" dirty="0">
-                        <a:solidFill>
-                          <a:srgbClr val="006100"/>
-                        </a:solidFill>
-                        <a:effectLst/>
-                        <a:latin typeface="Calibri" panose="020F0502020204030204" pitchFamily="34" charset="0"/>
-                      </a:endParaRPr>
-                    </a:p>
-                  </a:txBody>
-                  <a:tcPr marL="9525" marR="9525" marT="9525" marB="0" anchor="b"/>
-                </a:tc>
-                <a:tc>
-                  <a:txBody>
-                    <a:bodyPr/>
-                    <a:lstStyle/>
-                    <a:p>
-                      <a:pPr algn="ctr" fontAlgn="b"/>
-                      <a:r>
-                        <a:rPr lang="en-US" sz="3000" u="none" strike="noStrike" dirty="0">
-                          <a:effectLst/>
-                        </a:rPr>
-                        <a:t> </a:t>
-                      </a:r>
-                      <a:endParaRPr lang="en-US" sz="3000" b="0" i="0" u="none" strike="noStrike" dirty="0">
-                        <a:solidFill>
-                          <a:srgbClr val="000000"/>
-                        </a:solidFill>
-                        <a:effectLst/>
-                        <a:latin typeface="Calibri" panose="020F0502020204030204" pitchFamily="34" charset="0"/>
-                      </a:endParaRPr>
-                    </a:p>
-                  </a:txBody>
-                  <a:tcPr marL="9525" marR="9525" marT="9525" marB="0" anchor="b"/>
-                </a:tc>
-                <a:tc>
-                  <a:txBody>
-                    <a:bodyPr/>
-                    <a:lstStyle/>
-                    <a:p>
-                      <a:pPr algn="ctr" fontAlgn="b"/>
-                      <a:r>
-                        <a:rPr lang="en-US" sz="3000" u="none" strike="noStrike" dirty="0">
-                          <a:effectLst/>
-                        </a:rPr>
-                        <a:t> </a:t>
-                      </a:r>
-                      <a:endParaRPr lang="en-US" sz="3000" b="0" i="0" u="none" strike="noStrike" dirty="0">
-                        <a:solidFill>
-                          <a:srgbClr val="000000"/>
-                        </a:solidFill>
-                        <a:effectLst/>
-                        <a:latin typeface="Calibri" panose="020F0502020204030204" pitchFamily="34" charset="0"/>
-                      </a:endParaRPr>
-                    </a:p>
-                  </a:txBody>
-                  <a:tcPr marL="9525" marR="9525" marT="9525" marB="0" anchor="b"/>
-                </a:tc>
-                <a:tc>
-                  <a:txBody>
-                    <a:bodyPr/>
-                    <a:lstStyle/>
-                    <a:p>
-                      <a:pPr algn="ctr" fontAlgn="b"/>
-                      <a:r>
-                        <a:rPr lang="en-US" sz="3000" u="none" strike="noStrike" dirty="0">
-                          <a:effectLst/>
-                        </a:rPr>
-                        <a:t> </a:t>
-                      </a:r>
-                      <a:endParaRPr lang="en-US" sz="3000" b="0" i="0" u="none" strike="noStrike" dirty="0">
-                        <a:solidFill>
-                          <a:srgbClr val="000000"/>
-                        </a:solidFill>
-                        <a:effectLst/>
-                        <a:latin typeface="Calibri" panose="020F0502020204030204" pitchFamily="34" charset="0"/>
-                      </a:endParaRPr>
-                    </a:p>
-                  </a:txBody>
-                  <a:tcPr marL="9525" marR="9525" marT="9525" marB="0" anchor="b"/>
-                </a:tc>
-                <a:extLst>
-                  <a:ext uri="{0D108BD9-81ED-4DB2-BD59-A6C34878D82A}">
-                    <a16:rowId xmlns:a16="http://schemas.microsoft.com/office/drawing/2014/main" val="1082830456"/>
-                  </a:ext>
-                </a:extLst>
-              </a:tr>
-            </a:tbl>
-          </a:graphicData>
-        </a:graphic>
-      </p:graphicFrame>
       <p:sp>
         <p:nvSpPr>
           <p:cNvPr id="39" name="AutoShape 18"/>
@@ -9005,6 +4566,4111 @@
           </a:prstGeom>
         </p:spPr>
       </p:pic>
+      <p:graphicFrame>
+        <p:nvGraphicFramePr>
+          <p:cNvPr id="18" name="Table 17"/>
+          <p:cNvGraphicFramePr>
+            <a:graphicFrameLocks noGrp="1"/>
+          </p:cNvGraphicFramePr>
+          <p:nvPr>
+            <p:extLst>
+              <p:ext uri="{D42A27DB-BD31-4B8C-83A1-F6EECF244321}">
+                <p14:modId xmlns:p14="http://schemas.microsoft.com/office/powerpoint/2010/main" val="773129817"/>
+              </p:ext>
+            </p:extLst>
+          </p:nvPr>
+        </p:nvGraphicFramePr>
+        <p:xfrm>
+          <a:off x="12829184" y="10482536"/>
+          <a:ext cx="22034449" cy="11317612"/>
+        </p:xfrm>
+        <a:graphic>
+          <a:graphicData uri="http://schemas.openxmlformats.org/drawingml/2006/table">
+            <a:tbl>
+              <a:tblPr>
+                <a:tableStyleId>{5C22544A-7EE6-4342-B048-85BDC9FD1C3A}</a:tableStyleId>
+              </a:tblPr>
+              <a:tblGrid>
+                <a:gridCol w="3096344">
+                  <a:extLst>
+                    <a:ext uri="{9D8B030D-6E8A-4147-A177-3AD203B41FA5}">
+                      <a16:colId xmlns:a16="http://schemas.microsoft.com/office/drawing/2014/main" val="370644014"/>
+                    </a:ext>
+                  </a:extLst>
+                </a:gridCol>
+                <a:gridCol w="2125632">
+                  <a:extLst>
+                    <a:ext uri="{9D8B030D-6E8A-4147-A177-3AD203B41FA5}">
+                      <a16:colId xmlns:a16="http://schemas.microsoft.com/office/drawing/2014/main" val="3092201286"/>
+                    </a:ext>
+                  </a:extLst>
+                </a:gridCol>
+                <a:gridCol w="1508546">
+                  <a:extLst>
+                    <a:ext uri="{9D8B030D-6E8A-4147-A177-3AD203B41FA5}">
+                      <a16:colId xmlns:a16="http://schemas.microsoft.com/office/drawing/2014/main" val="3429781617"/>
+                    </a:ext>
+                  </a:extLst>
+                </a:gridCol>
+                <a:gridCol w="1302003">
+                  <a:extLst>
+                    <a:ext uri="{9D8B030D-6E8A-4147-A177-3AD203B41FA5}">
+                      <a16:colId xmlns:a16="http://schemas.microsoft.com/office/drawing/2014/main" val="2032345131"/>
+                    </a:ext>
+                  </a:extLst>
+                </a:gridCol>
+                <a:gridCol w="1326218">
+                  <a:extLst>
+                    <a:ext uri="{9D8B030D-6E8A-4147-A177-3AD203B41FA5}">
+                      <a16:colId xmlns:a16="http://schemas.microsoft.com/office/drawing/2014/main" val="2596158683"/>
+                    </a:ext>
+                  </a:extLst>
+                </a:gridCol>
+                <a:gridCol w="1326218">
+                  <a:extLst>
+                    <a:ext uri="{9D8B030D-6E8A-4147-A177-3AD203B41FA5}">
+                      <a16:colId xmlns:a16="http://schemas.microsoft.com/office/drawing/2014/main" val="1913468845"/>
+                    </a:ext>
+                  </a:extLst>
+                </a:gridCol>
+                <a:gridCol w="1326218">
+                  <a:extLst>
+                    <a:ext uri="{9D8B030D-6E8A-4147-A177-3AD203B41FA5}">
+                      <a16:colId xmlns:a16="http://schemas.microsoft.com/office/drawing/2014/main" val="1246265880"/>
+                    </a:ext>
+                  </a:extLst>
+                </a:gridCol>
+                <a:gridCol w="1326218">
+                  <a:extLst>
+                    <a:ext uri="{9D8B030D-6E8A-4147-A177-3AD203B41FA5}">
+                      <a16:colId xmlns:a16="http://schemas.microsoft.com/office/drawing/2014/main" val="297275438"/>
+                    </a:ext>
+                  </a:extLst>
+                </a:gridCol>
+                <a:gridCol w="1326218">
+                  <a:extLst>
+                    <a:ext uri="{9D8B030D-6E8A-4147-A177-3AD203B41FA5}">
+                      <a16:colId xmlns:a16="http://schemas.microsoft.com/office/drawing/2014/main" val="2433483924"/>
+                    </a:ext>
+                  </a:extLst>
+                </a:gridCol>
+                <a:gridCol w="1605863">
+                  <a:extLst>
+                    <a:ext uri="{9D8B030D-6E8A-4147-A177-3AD203B41FA5}">
+                      <a16:colId xmlns:a16="http://schemas.microsoft.com/office/drawing/2014/main" val="889506387"/>
+                    </a:ext>
+                  </a:extLst>
+                </a:gridCol>
+                <a:gridCol w="1484063">
+                  <a:extLst>
+                    <a:ext uri="{9D8B030D-6E8A-4147-A177-3AD203B41FA5}">
+                      <a16:colId xmlns:a16="http://schemas.microsoft.com/office/drawing/2014/main" val="1422287853"/>
+                    </a:ext>
+                  </a:extLst>
+                </a:gridCol>
+                <a:gridCol w="2312305">
+                  <a:extLst>
+                    <a:ext uri="{9D8B030D-6E8A-4147-A177-3AD203B41FA5}">
+                      <a16:colId xmlns:a16="http://schemas.microsoft.com/office/drawing/2014/main" val="1618764572"/>
+                    </a:ext>
+                  </a:extLst>
+                </a:gridCol>
+                <a:gridCol w="1968603">
+                  <a:extLst>
+                    <a:ext uri="{9D8B030D-6E8A-4147-A177-3AD203B41FA5}">
+                      <a16:colId xmlns:a16="http://schemas.microsoft.com/office/drawing/2014/main" val="520306932"/>
+                    </a:ext>
+                  </a:extLst>
+                </a:gridCol>
+              </a:tblGrid>
+              <a:tr h="1166554">
+                <a:tc>
+                  <a:txBody>
+                    <a:bodyPr/>
+                    <a:lstStyle/>
+                    <a:p>
+                      <a:pPr algn="ctr" fontAlgn="b"/>
+                      <a:r>
+                        <a:rPr lang="en-US" sz="3600" u="none" strike="noStrike" dirty="0">
+                          <a:effectLst/>
+                        </a:rPr>
+                        <a:t> </a:t>
+                      </a:r>
+                      <a:endParaRPr lang="en-US" sz="3600" b="0" i="0" u="none" strike="noStrike" dirty="0">
+                        <a:solidFill>
+                          <a:srgbClr val="000000"/>
+                        </a:solidFill>
+                        <a:effectLst/>
+                        <a:latin typeface="Calibri" panose="020F0502020204030204" pitchFamily="34" charset="0"/>
+                      </a:endParaRPr>
+                    </a:p>
+                  </a:txBody>
+                  <a:tcPr marL="10915" marR="10915" marT="10915" marB="0" anchor="b"/>
+                </a:tc>
+                <a:tc>
+                  <a:txBody>
+                    <a:bodyPr/>
+                    <a:lstStyle/>
+                    <a:p>
+                      <a:pPr algn="ctr" fontAlgn="b"/>
+                      <a:r>
+                        <a:rPr lang="en-US" sz="3600" u="none" strike="noStrike" dirty="0">
+                          <a:effectLst/>
+                        </a:rPr>
+                        <a:t>Object Oriented</a:t>
+                      </a:r>
+                      <a:endParaRPr lang="en-US" sz="3600" b="0" i="0" u="none" strike="noStrike" dirty="0">
+                        <a:solidFill>
+                          <a:srgbClr val="000000"/>
+                        </a:solidFill>
+                        <a:effectLst/>
+                        <a:latin typeface="Calibri" panose="020F0502020204030204" pitchFamily="34" charset="0"/>
+                      </a:endParaRPr>
+                    </a:p>
+                  </a:txBody>
+                  <a:tcPr marL="10915" marR="10915" marT="10915" marB="0" anchor="b"/>
+                </a:tc>
+                <a:tc>
+                  <a:txBody>
+                    <a:bodyPr/>
+                    <a:lstStyle/>
+                    <a:p>
+                      <a:pPr algn="ctr" fontAlgn="b"/>
+                      <a:r>
+                        <a:rPr lang="en-US" sz="3600" u="none" strike="noStrike">
+                          <a:effectLst/>
+                        </a:rPr>
+                        <a:t>Testing</a:t>
+                      </a:r>
+                      <a:endParaRPr lang="en-US" sz="3600" b="0" i="0" u="none" strike="noStrike">
+                        <a:solidFill>
+                          <a:srgbClr val="000000"/>
+                        </a:solidFill>
+                        <a:effectLst/>
+                        <a:latin typeface="Calibri" panose="020F0502020204030204" pitchFamily="34" charset="0"/>
+                      </a:endParaRPr>
+                    </a:p>
+                  </a:txBody>
+                  <a:tcPr marL="10915" marR="10915" marT="10915" marB="0" anchor="b"/>
+                </a:tc>
+                <a:tc>
+                  <a:txBody>
+                    <a:bodyPr/>
+                    <a:lstStyle/>
+                    <a:p>
+                      <a:pPr algn="ctr" fontAlgn="b"/>
+                      <a:r>
+                        <a:rPr lang="en-US" sz="3600" u="none" strike="noStrike">
+                          <a:effectLst/>
+                        </a:rPr>
+                        <a:t>P1P1</a:t>
+                      </a:r>
+                      <a:endParaRPr lang="en-US" sz="3600" b="0" i="0" u="none" strike="noStrike">
+                        <a:solidFill>
+                          <a:srgbClr val="000000"/>
+                        </a:solidFill>
+                        <a:effectLst/>
+                        <a:latin typeface="Calibri" panose="020F0502020204030204" pitchFamily="34" charset="0"/>
+                      </a:endParaRPr>
+                    </a:p>
+                  </a:txBody>
+                  <a:tcPr marL="10915" marR="10915" marT="10915" marB="0" anchor="b"/>
+                </a:tc>
+                <a:tc>
+                  <a:txBody>
+                    <a:bodyPr/>
+                    <a:lstStyle/>
+                    <a:p>
+                      <a:pPr algn="ctr" fontAlgn="b"/>
+                      <a:r>
+                        <a:rPr lang="en-US" sz="3600" u="none" strike="noStrike">
+                          <a:effectLst/>
+                        </a:rPr>
+                        <a:t>P1P2</a:t>
+                      </a:r>
+                      <a:endParaRPr lang="en-US" sz="3600" b="0" i="0" u="none" strike="noStrike">
+                        <a:solidFill>
+                          <a:srgbClr val="000000"/>
+                        </a:solidFill>
+                        <a:effectLst/>
+                        <a:latin typeface="Calibri" panose="020F0502020204030204" pitchFamily="34" charset="0"/>
+                      </a:endParaRPr>
+                    </a:p>
+                  </a:txBody>
+                  <a:tcPr marL="10915" marR="10915" marT="10915" marB="0" anchor="b"/>
+                </a:tc>
+                <a:tc>
+                  <a:txBody>
+                    <a:bodyPr/>
+                    <a:lstStyle/>
+                    <a:p>
+                      <a:pPr algn="ctr" fontAlgn="b"/>
+                      <a:r>
+                        <a:rPr lang="en-US" sz="3600" u="none" strike="noStrike">
+                          <a:effectLst/>
+                        </a:rPr>
+                        <a:t>P2P1</a:t>
+                      </a:r>
+                      <a:endParaRPr lang="en-US" sz="3600" b="0" i="0" u="none" strike="noStrike">
+                        <a:solidFill>
+                          <a:srgbClr val="000000"/>
+                        </a:solidFill>
+                        <a:effectLst/>
+                        <a:latin typeface="Calibri" panose="020F0502020204030204" pitchFamily="34" charset="0"/>
+                      </a:endParaRPr>
+                    </a:p>
+                  </a:txBody>
+                  <a:tcPr marL="10915" marR="10915" marT="10915" marB="0" anchor="b"/>
+                </a:tc>
+                <a:tc>
+                  <a:txBody>
+                    <a:bodyPr/>
+                    <a:lstStyle/>
+                    <a:p>
+                      <a:pPr algn="ctr" fontAlgn="b"/>
+                      <a:r>
+                        <a:rPr lang="en-US" sz="3600" u="none" strike="noStrike">
+                          <a:effectLst/>
+                        </a:rPr>
+                        <a:t>P2P2</a:t>
+                      </a:r>
+                      <a:endParaRPr lang="en-US" sz="3600" b="0" i="0" u="none" strike="noStrike">
+                        <a:solidFill>
+                          <a:srgbClr val="000000"/>
+                        </a:solidFill>
+                        <a:effectLst/>
+                        <a:latin typeface="Calibri" panose="020F0502020204030204" pitchFamily="34" charset="0"/>
+                      </a:endParaRPr>
+                    </a:p>
+                  </a:txBody>
+                  <a:tcPr marL="10915" marR="10915" marT="10915" marB="0" anchor="b"/>
+                </a:tc>
+                <a:tc>
+                  <a:txBody>
+                    <a:bodyPr/>
+                    <a:lstStyle/>
+                    <a:p>
+                      <a:pPr algn="ctr" fontAlgn="b"/>
+                      <a:r>
+                        <a:rPr lang="en-US" sz="3600" u="none" strike="noStrike">
+                          <a:effectLst/>
+                        </a:rPr>
+                        <a:t>P3P1</a:t>
+                      </a:r>
+                      <a:endParaRPr lang="en-US" sz="3600" b="0" i="0" u="none" strike="noStrike">
+                        <a:solidFill>
+                          <a:srgbClr val="000000"/>
+                        </a:solidFill>
+                        <a:effectLst/>
+                        <a:latin typeface="Calibri" panose="020F0502020204030204" pitchFamily="34" charset="0"/>
+                      </a:endParaRPr>
+                    </a:p>
+                  </a:txBody>
+                  <a:tcPr marL="10915" marR="10915" marT="10915" marB="0" anchor="b"/>
+                </a:tc>
+                <a:tc>
+                  <a:txBody>
+                    <a:bodyPr/>
+                    <a:lstStyle/>
+                    <a:p>
+                      <a:pPr algn="ctr" fontAlgn="b"/>
+                      <a:r>
+                        <a:rPr lang="en-US" sz="3600" u="none" strike="noStrike">
+                          <a:effectLst/>
+                        </a:rPr>
+                        <a:t>P3P2</a:t>
+                      </a:r>
+                      <a:endParaRPr lang="en-US" sz="3600" b="0" i="0" u="none" strike="noStrike">
+                        <a:solidFill>
+                          <a:srgbClr val="000000"/>
+                        </a:solidFill>
+                        <a:effectLst/>
+                        <a:latin typeface="Calibri" panose="020F0502020204030204" pitchFamily="34" charset="0"/>
+                      </a:endParaRPr>
+                    </a:p>
+                  </a:txBody>
+                  <a:tcPr marL="10915" marR="10915" marT="10915" marB="0" anchor="b"/>
+                </a:tc>
+                <a:tc>
+                  <a:txBody>
+                    <a:bodyPr/>
+                    <a:lstStyle/>
+                    <a:p>
+                      <a:pPr algn="ctr" fontAlgn="b"/>
+                      <a:r>
+                        <a:rPr lang="en-US" sz="3600" u="none" strike="noStrike" dirty="0" smtClean="0">
+                          <a:effectLst/>
+                        </a:rPr>
+                        <a:t>Exam 1</a:t>
+                      </a:r>
+                      <a:endParaRPr lang="en-US" sz="3600" b="0" i="0" u="none" strike="noStrike" dirty="0">
+                        <a:solidFill>
+                          <a:srgbClr val="000000"/>
+                        </a:solidFill>
+                        <a:effectLst/>
+                        <a:latin typeface="Calibri" panose="020F0502020204030204" pitchFamily="34" charset="0"/>
+                      </a:endParaRPr>
+                    </a:p>
+                  </a:txBody>
+                  <a:tcPr marL="10915" marR="10915" marT="10915" marB="0" anchor="b"/>
+                </a:tc>
+                <a:tc>
+                  <a:txBody>
+                    <a:bodyPr/>
+                    <a:lstStyle/>
+                    <a:p>
+                      <a:pPr algn="ctr" fontAlgn="b"/>
+                      <a:r>
+                        <a:rPr lang="en-US" sz="3600" u="none" strike="noStrike">
+                          <a:effectLst/>
+                        </a:rPr>
+                        <a:t>Exam2</a:t>
+                      </a:r>
+                      <a:endParaRPr lang="en-US" sz="3600" b="0" i="0" u="none" strike="noStrike">
+                        <a:solidFill>
+                          <a:srgbClr val="000000"/>
+                        </a:solidFill>
+                        <a:effectLst/>
+                        <a:latin typeface="Calibri" panose="020F0502020204030204" pitchFamily="34" charset="0"/>
+                      </a:endParaRPr>
+                    </a:p>
+                  </a:txBody>
+                  <a:tcPr marL="10915" marR="10915" marT="10915" marB="0" anchor="b"/>
+                </a:tc>
+                <a:tc>
+                  <a:txBody>
+                    <a:bodyPr/>
+                    <a:lstStyle/>
+                    <a:p>
+                      <a:pPr algn="ctr" fontAlgn="b"/>
+                      <a:r>
+                        <a:rPr lang="en-US" sz="3600" u="none" strike="noStrike">
+                          <a:effectLst/>
+                        </a:rPr>
+                        <a:t>Final Exam</a:t>
+                      </a:r>
+                      <a:endParaRPr lang="en-US" sz="3600" b="0" i="0" u="none" strike="noStrike">
+                        <a:solidFill>
+                          <a:srgbClr val="000000"/>
+                        </a:solidFill>
+                        <a:effectLst/>
+                        <a:latin typeface="Calibri" panose="020F0502020204030204" pitchFamily="34" charset="0"/>
+                      </a:endParaRPr>
+                    </a:p>
+                  </a:txBody>
+                  <a:tcPr marL="10915" marR="10915" marT="10915" marB="0" anchor="b"/>
+                </a:tc>
+                <a:tc>
+                  <a:txBody>
+                    <a:bodyPr/>
+                    <a:lstStyle/>
+                    <a:p>
+                      <a:pPr algn="ctr" fontAlgn="b"/>
+                      <a:r>
+                        <a:rPr lang="en-US" sz="3600" u="none" strike="noStrike">
+                          <a:effectLst/>
+                        </a:rPr>
+                        <a:t> Final Average</a:t>
+                      </a:r>
+                      <a:endParaRPr lang="en-US" sz="3600" b="0" i="0" u="none" strike="noStrike">
+                        <a:solidFill>
+                          <a:srgbClr val="000000"/>
+                        </a:solidFill>
+                        <a:effectLst/>
+                        <a:latin typeface="Calibri" panose="020F0502020204030204" pitchFamily="34" charset="0"/>
+                      </a:endParaRPr>
+                    </a:p>
+                  </a:txBody>
+                  <a:tcPr marL="10915" marR="10915" marT="10915" marB="0" anchor="b"/>
+                </a:tc>
+                <a:extLst>
+                  <a:ext uri="{0D108BD9-81ED-4DB2-BD59-A6C34878D82A}">
+                    <a16:rowId xmlns:a16="http://schemas.microsoft.com/office/drawing/2014/main" val="939875175"/>
+                  </a:ext>
+                </a:extLst>
+              </a:tr>
+              <a:tr h="781795">
+                <a:tc>
+                  <a:txBody>
+                    <a:bodyPr/>
+                    <a:lstStyle/>
+                    <a:p>
+                      <a:pPr algn="ctr" fontAlgn="ctr"/>
+                      <a:r>
+                        <a:rPr lang="en-US" sz="3600" u="none" strike="noStrike" dirty="0">
+                          <a:effectLst/>
+                        </a:rPr>
+                        <a:t>All</a:t>
+                      </a:r>
+                      <a:endParaRPr lang="en-US" sz="3600" b="0" i="0" u="none" strike="noStrike" dirty="0">
+                        <a:solidFill>
+                          <a:srgbClr val="000000"/>
+                        </a:solidFill>
+                        <a:effectLst/>
+                        <a:latin typeface="Calibri" panose="020F0502020204030204" pitchFamily="34" charset="0"/>
+                      </a:endParaRPr>
+                    </a:p>
+                  </a:txBody>
+                  <a:tcPr marL="10915" marR="10915" marT="10915" marB="0" anchor="ctr"/>
+                </a:tc>
+                <a:tc>
+                  <a:txBody>
+                    <a:bodyPr/>
+                    <a:lstStyle/>
+                    <a:p>
+                      <a:pPr algn="ctr" fontAlgn="b"/>
+                      <a:r>
+                        <a:rPr lang="en-US" sz="4800" u="none" strike="noStrike" dirty="0">
+                          <a:effectLst/>
+                        </a:rPr>
+                        <a:t>+</a:t>
+                      </a:r>
+                      <a:endParaRPr lang="en-US" sz="4800" b="1" i="0" u="none" strike="noStrike" dirty="0">
+                        <a:solidFill>
+                          <a:srgbClr val="006100"/>
+                        </a:solidFill>
+                        <a:effectLst/>
+                        <a:latin typeface="Calibri" panose="020F0502020204030204" pitchFamily="34" charset="0"/>
+                      </a:endParaRPr>
+                    </a:p>
+                  </a:txBody>
+                  <a:tcPr marL="10915" marR="10915" marT="10915" marB="0" anchor="b"/>
+                </a:tc>
+                <a:tc>
+                  <a:txBody>
+                    <a:bodyPr/>
+                    <a:lstStyle/>
+                    <a:p>
+                      <a:pPr algn="ctr" fontAlgn="b"/>
+                      <a:r>
+                        <a:rPr lang="en-US" sz="4800" u="none" strike="noStrike">
+                          <a:effectLst/>
+                        </a:rPr>
+                        <a:t> </a:t>
+                      </a:r>
+                      <a:endParaRPr lang="en-US" sz="4800" b="1" i="0" u="none" strike="noStrike">
+                        <a:solidFill>
+                          <a:srgbClr val="000000"/>
+                        </a:solidFill>
+                        <a:effectLst/>
+                        <a:latin typeface="Calibri" panose="020F0502020204030204" pitchFamily="34" charset="0"/>
+                      </a:endParaRPr>
+                    </a:p>
+                  </a:txBody>
+                  <a:tcPr marL="10915" marR="10915" marT="10915" marB="0" anchor="b"/>
+                </a:tc>
+                <a:tc>
+                  <a:txBody>
+                    <a:bodyPr/>
+                    <a:lstStyle/>
+                    <a:p>
+                      <a:pPr algn="ctr" fontAlgn="b"/>
+                      <a:r>
+                        <a:rPr lang="en-US" sz="4800" u="none" strike="noStrike">
+                          <a:effectLst/>
+                        </a:rPr>
+                        <a:t> </a:t>
+                      </a:r>
+                      <a:endParaRPr lang="en-US" sz="4800" b="1" i="0" u="none" strike="noStrike">
+                        <a:solidFill>
+                          <a:srgbClr val="000000"/>
+                        </a:solidFill>
+                        <a:effectLst/>
+                        <a:latin typeface="Calibri" panose="020F0502020204030204" pitchFamily="34" charset="0"/>
+                      </a:endParaRPr>
+                    </a:p>
+                  </a:txBody>
+                  <a:tcPr marL="10915" marR="10915" marT="10915" marB="0" anchor="b"/>
+                </a:tc>
+                <a:tc>
+                  <a:txBody>
+                    <a:bodyPr/>
+                    <a:lstStyle/>
+                    <a:p>
+                      <a:pPr algn="ctr" fontAlgn="b"/>
+                      <a:r>
+                        <a:rPr lang="en-US" sz="4800" u="none" strike="noStrike">
+                          <a:effectLst/>
+                        </a:rPr>
+                        <a:t>-</a:t>
+                      </a:r>
+                      <a:endParaRPr lang="en-US" sz="4800" b="1" i="0" u="none" strike="noStrike">
+                        <a:solidFill>
+                          <a:srgbClr val="9C0006"/>
+                        </a:solidFill>
+                        <a:effectLst/>
+                        <a:latin typeface="Calibri" panose="020F0502020204030204" pitchFamily="34" charset="0"/>
+                      </a:endParaRPr>
+                    </a:p>
+                  </a:txBody>
+                  <a:tcPr marL="10915" marR="10915" marT="10915" marB="0" anchor="b"/>
+                </a:tc>
+                <a:tc>
+                  <a:txBody>
+                    <a:bodyPr/>
+                    <a:lstStyle/>
+                    <a:p>
+                      <a:pPr algn="ctr" fontAlgn="b"/>
+                      <a:r>
+                        <a:rPr lang="en-US" sz="4800" u="none" strike="noStrike">
+                          <a:effectLst/>
+                        </a:rPr>
+                        <a:t> </a:t>
+                      </a:r>
+                      <a:endParaRPr lang="en-US" sz="4800" b="1" i="0" u="none" strike="noStrike">
+                        <a:solidFill>
+                          <a:srgbClr val="000000"/>
+                        </a:solidFill>
+                        <a:effectLst/>
+                        <a:latin typeface="Calibri" panose="020F0502020204030204" pitchFamily="34" charset="0"/>
+                      </a:endParaRPr>
+                    </a:p>
+                  </a:txBody>
+                  <a:tcPr marL="10915" marR="10915" marT="10915" marB="0" anchor="b"/>
+                </a:tc>
+                <a:tc>
+                  <a:txBody>
+                    <a:bodyPr/>
+                    <a:lstStyle/>
+                    <a:p>
+                      <a:pPr algn="ctr" fontAlgn="b"/>
+                      <a:r>
+                        <a:rPr lang="en-US" sz="4800" u="none" strike="noStrike">
+                          <a:effectLst/>
+                        </a:rPr>
+                        <a:t> </a:t>
+                      </a:r>
+                      <a:endParaRPr lang="en-US" sz="4800" b="1" i="0" u="none" strike="noStrike">
+                        <a:solidFill>
+                          <a:srgbClr val="000000"/>
+                        </a:solidFill>
+                        <a:effectLst/>
+                        <a:latin typeface="Calibri" panose="020F0502020204030204" pitchFamily="34" charset="0"/>
+                      </a:endParaRPr>
+                    </a:p>
+                  </a:txBody>
+                  <a:tcPr marL="10915" marR="10915" marT="10915" marB="0" anchor="b"/>
+                </a:tc>
+                <a:tc>
+                  <a:txBody>
+                    <a:bodyPr/>
+                    <a:lstStyle/>
+                    <a:p>
+                      <a:pPr algn="ctr" fontAlgn="b"/>
+                      <a:r>
+                        <a:rPr lang="en-US" sz="4800" u="none" strike="noStrike">
+                          <a:effectLst/>
+                        </a:rPr>
+                        <a:t>-</a:t>
+                      </a:r>
+                      <a:endParaRPr lang="en-US" sz="4800" b="1" i="0" u="none" strike="noStrike">
+                        <a:solidFill>
+                          <a:srgbClr val="9C0006"/>
+                        </a:solidFill>
+                        <a:effectLst/>
+                        <a:latin typeface="Calibri" panose="020F0502020204030204" pitchFamily="34" charset="0"/>
+                      </a:endParaRPr>
+                    </a:p>
+                  </a:txBody>
+                  <a:tcPr marL="10915" marR="10915" marT="10915" marB="0" anchor="b"/>
+                </a:tc>
+                <a:tc>
+                  <a:txBody>
+                    <a:bodyPr/>
+                    <a:lstStyle/>
+                    <a:p>
+                      <a:pPr algn="ctr" fontAlgn="b"/>
+                      <a:r>
+                        <a:rPr lang="en-US" sz="4800" u="none" strike="noStrike">
+                          <a:effectLst/>
+                        </a:rPr>
+                        <a:t> </a:t>
+                      </a:r>
+                      <a:endParaRPr lang="en-US" sz="4800" b="1" i="0" u="none" strike="noStrike">
+                        <a:solidFill>
+                          <a:srgbClr val="000000"/>
+                        </a:solidFill>
+                        <a:effectLst/>
+                        <a:latin typeface="Calibri" panose="020F0502020204030204" pitchFamily="34" charset="0"/>
+                      </a:endParaRPr>
+                    </a:p>
+                  </a:txBody>
+                  <a:tcPr marL="10915" marR="10915" marT="10915" marB="0" anchor="b"/>
+                </a:tc>
+                <a:tc>
+                  <a:txBody>
+                    <a:bodyPr/>
+                    <a:lstStyle/>
+                    <a:p>
+                      <a:pPr algn="ctr" fontAlgn="b"/>
+                      <a:r>
+                        <a:rPr lang="en-US" sz="4800" u="none" strike="noStrike">
+                          <a:effectLst/>
+                        </a:rPr>
+                        <a:t> </a:t>
+                      </a:r>
+                      <a:endParaRPr lang="en-US" sz="4800" b="1" i="0" u="none" strike="noStrike">
+                        <a:solidFill>
+                          <a:srgbClr val="000000"/>
+                        </a:solidFill>
+                        <a:effectLst/>
+                        <a:latin typeface="Calibri" panose="020F0502020204030204" pitchFamily="34" charset="0"/>
+                      </a:endParaRPr>
+                    </a:p>
+                  </a:txBody>
+                  <a:tcPr marL="10915" marR="10915" marT="10915" marB="0" anchor="b"/>
+                </a:tc>
+                <a:tc>
+                  <a:txBody>
+                    <a:bodyPr/>
+                    <a:lstStyle/>
+                    <a:p>
+                      <a:pPr algn="ctr" fontAlgn="b"/>
+                      <a:r>
+                        <a:rPr lang="en-US" sz="4800" u="none" strike="noStrike">
+                          <a:effectLst/>
+                        </a:rPr>
+                        <a:t>+</a:t>
+                      </a:r>
+                      <a:endParaRPr lang="en-US" sz="4800" b="1" i="0" u="none" strike="noStrike">
+                        <a:solidFill>
+                          <a:srgbClr val="006100"/>
+                        </a:solidFill>
+                        <a:effectLst/>
+                        <a:latin typeface="Calibri" panose="020F0502020204030204" pitchFamily="34" charset="0"/>
+                      </a:endParaRPr>
+                    </a:p>
+                  </a:txBody>
+                  <a:tcPr marL="10915" marR="10915" marT="10915" marB="0" anchor="b"/>
+                </a:tc>
+                <a:tc>
+                  <a:txBody>
+                    <a:bodyPr/>
+                    <a:lstStyle/>
+                    <a:p>
+                      <a:pPr algn="ctr" fontAlgn="b"/>
+                      <a:r>
+                        <a:rPr lang="en-US" sz="4800" u="none" strike="noStrike">
+                          <a:effectLst/>
+                        </a:rPr>
+                        <a:t> </a:t>
+                      </a:r>
+                      <a:endParaRPr lang="en-US" sz="4800" b="1" i="0" u="none" strike="noStrike">
+                        <a:solidFill>
+                          <a:srgbClr val="000000"/>
+                        </a:solidFill>
+                        <a:effectLst/>
+                        <a:latin typeface="Calibri" panose="020F0502020204030204" pitchFamily="34" charset="0"/>
+                      </a:endParaRPr>
+                    </a:p>
+                  </a:txBody>
+                  <a:tcPr marL="10915" marR="10915" marT="10915" marB="0" anchor="b"/>
+                </a:tc>
+                <a:tc>
+                  <a:txBody>
+                    <a:bodyPr/>
+                    <a:lstStyle/>
+                    <a:p>
+                      <a:pPr algn="ctr" fontAlgn="b"/>
+                      <a:r>
+                        <a:rPr lang="en-US" sz="4800" u="none" strike="noStrike">
+                          <a:effectLst/>
+                        </a:rPr>
+                        <a:t>+</a:t>
+                      </a:r>
+                      <a:endParaRPr lang="en-US" sz="4800" b="1" i="0" u="none" strike="noStrike">
+                        <a:solidFill>
+                          <a:srgbClr val="006100"/>
+                        </a:solidFill>
+                        <a:effectLst/>
+                        <a:latin typeface="Calibri" panose="020F0502020204030204" pitchFamily="34" charset="0"/>
+                      </a:endParaRPr>
+                    </a:p>
+                  </a:txBody>
+                  <a:tcPr marL="10915" marR="10915" marT="10915" marB="0" anchor="b"/>
+                </a:tc>
+                <a:extLst>
+                  <a:ext uri="{0D108BD9-81ED-4DB2-BD59-A6C34878D82A}">
+                    <a16:rowId xmlns:a16="http://schemas.microsoft.com/office/drawing/2014/main" val="4172701505"/>
+                  </a:ext>
+                </a:extLst>
+              </a:tr>
+              <a:tr h="781795">
+                <a:tc>
+                  <a:txBody>
+                    <a:bodyPr/>
+                    <a:lstStyle/>
+                    <a:p>
+                      <a:pPr algn="ctr" fontAlgn="ctr"/>
+                      <a:r>
+                        <a:rPr lang="en-US" sz="3600" u="none" strike="noStrike" dirty="0">
+                          <a:effectLst/>
+                        </a:rPr>
+                        <a:t>White</a:t>
+                      </a:r>
+                      <a:endParaRPr lang="en-US" sz="3600" b="0" i="0" u="none" strike="noStrike" dirty="0">
+                        <a:solidFill>
+                          <a:srgbClr val="000000"/>
+                        </a:solidFill>
+                        <a:effectLst/>
+                        <a:latin typeface="Calibri" panose="020F0502020204030204" pitchFamily="34" charset="0"/>
+                      </a:endParaRPr>
+                    </a:p>
+                  </a:txBody>
+                  <a:tcPr marL="10915" marR="10915" marT="10915" marB="0" anchor="ctr"/>
+                </a:tc>
+                <a:tc>
+                  <a:txBody>
+                    <a:bodyPr/>
+                    <a:lstStyle/>
+                    <a:p>
+                      <a:pPr algn="ctr" fontAlgn="b"/>
+                      <a:r>
+                        <a:rPr lang="en-US" sz="4800" u="none" strike="noStrike" dirty="0">
+                          <a:effectLst/>
+                        </a:rPr>
+                        <a:t>+</a:t>
+                      </a:r>
+                      <a:endParaRPr lang="en-US" sz="4800" b="1" i="0" u="none" strike="noStrike" dirty="0">
+                        <a:solidFill>
+                          <a:srgbClr val="006100"/>
+                        </a:solidFill>
+                        <a:effectLst/>
+                        <a:latin typeface="Calibri" panose="020F0502020204030204" pitchFamily="34" charset="0"/>
+                      </a:endParaRPr>
+                    </a:p>
+                  </a:txBody>
+                  <a:tcPr marL="10915" marR="10915" marT="10915" marB="0" anchor="b"/>
+                </a:tc>
+                <a:tc>
+                  <a:txBody>
+                    <a:bodyPr/>
+                    <a:lstStyle/>
+                    <a:p>
+                      <a:pPr algn="ctr" fontAlgn="b"/>
+                      <a:r>
+                        <a:rPr lang="en-US" sz="4800" u="none" strike="noStrike">
+                          <a:effectLst/>
+                        </a:rPr>
+                        <a:t> </a:t>
+                      </a:r>
+                      <a:endParaRPr lang="en-US" sz="4800" b="1" i="0" u="none" strike="noStrike">
+                        <a:solidFill>
+                          <a:srgbClr val="000000"/>
+                        </a:solidFill>
+                        <a:effectLst/>
+                        <a:latin typeface="Calibri" panose="020F0502020204030204" pitchFamily="34" charset="0"/>
+                      </a:endParaRPr>
+                    </a:p>
+                  </a:txBody>
+                  <a:tcPr marL="10915" marR="10915" marT="10915" marB="0" anchor="b"/>
+                </a:tc>
+                <a:tc>
+                  <a:txBody>
+                    <a:bodyPr/>
+                    <a:lstStyle/>
+                    <a:p>
+                      <a:pPr algn="ctr" fontAlgn="b"/>
+                      <a:r>
+                        <a:rPr lang="en-US" sz="4800" u="none" strike="noStrike">
+                          <a:effectLst/>
+                        </a:rPr>
+                        <a:t> </a:t>
+                      </a:r>
+                      <a:endParaRPr lang="en-US" sz="4800" b="1" i="0" u="none" strike="noStrike">
+                        <a:solidFill>
+                          <a:srgbClr val="000000"/>
+                        </a:solidFill>
+                        <a:effectLst/>
+                        <a:latin typeface="Calibri" panose="020F0502020204030204" pitchFamily="34" charset="0"/>
+                      </a:endParaRPr>
+                    </a:p>
+                  </a:txBody>
+                  <a:tcPr marL="10915" marR="10915" marT="10915" marB="0" anchor="b"/>
+                </a:tc>
+                <a:tc>
+                  <a:txBody>
+                    <a:bodyPr/>
+                    <a:lstStyle/>
+                    <a:p>
+                      <a:pPr algn="ctr" fontAlgn="b"/>
+                      <a:r>
+                        <a:rPr lang="en-US" sz="4800" u="none" strike="noStrike">
+                          <a:effectLst/>
+                        </a:rPr>
+                        <a:t>-</a:t>
+                      </a:r>
+                      <a:endParaRPr lang="en-US" sz="4800" b="1" i="0" u="none" strike="noStrike">
+                        <a:solidFill>
+                          <a:srgbClr val="9C0006"/>
+                        </a:solidFill>
+                        <a:effectLst/>
+                        <a:latin typeface="Calibri" panose="020F0502020204030204" pitchFamily="34" charset="0"/>
+                      </a:endParaRPr>
+                    </a:p>
+                  </a:txBody>
+                  <a:tcPr marL="10915" marR="10915" marT="10915" marB="0" anchor="b"/>
+                </a:tc>
+                <a:tc>
+                  <a:txBody>
+                    <a:bodyPr/>
+                    <a:lstStyle/>
+                    <a:p>
+                      <a:pPr algn="ctr" fontAlgn="b"/>
+                      <a:r>
+                        <a:rPr lang="en-US" sz="4800" u="none" strike="noStrike">
+                          <a:effectLst/>
+                        </a:rPr>
+                        <a:t> </a:t>
+                      </a:r>
+                      <a:endParaRPr lang="en-US" sz="4800" b="1" i="0" u="none" strike="noStrike">
+                        <a:solidFill>
+                          <a:srgbClr val="000000"/>
+                        </a:solidFill>
+                        <a:effectLst/>
+                        <a:latin typeface="Calibri" panose="020F0502020204030204" pitchFamily="34" charset="0"/>
+                      </a:endParaRPr>
+                    </a:p>
+                  </a:txBody>
+                  <a:tcPr marL="10915" marR="10915" marT="10915" marB="0" anchor="b"/>
+                </a:tc>
+                <a:tc>
+                  <a:txBody>
+                    <a:bodyPr/>
+                    <a:lstStyle/>
+                    <a:p>
+                      <a:pPr algn="ctr" fontAlgn="b"/>
+                      <a:r>
+                        <a:rPr lang="en-US" sz="4800" u="none" strike="noStrike">
+                          <a:effectLst/>
+                        </a:rPr>
+                        <a:t>+</a:t>
+                      </a:r>
+                      <a:endParaRPr lang="en-US" sz="4800" b="1" i="0" u="none" strike="noStrike">
+                        <a:solidFill>
+                          <a:srgbClr val="006100"/>
+                        </a:solidFill>
+                        <a:effectLst/>
+                        <a:latin typeface="Calibri" panose="020F0502020204030204" pitchFamily="34" charset="0"/>
+                      </a:endParaRPr>
+                    </a:p>
+                  </a:txBody>
+                  <a:tcPr marL="10915" marR="10915" marT="10915" marB="0" anchor="b"/>
+                </a:tc>
+                <a:tc>
+                  <a:txBody>
+                    <a:bodyPr/>
+                    <a:lstStyle/>
+                    <a:p>
+                      <a:pPr algn="ctr" fontAlgn="b"/>
+                      <a:r>
+                        <a:rPr lang="en-US" sz="4800" u="none" strike="noStrike">
+                          <a:effectLst/>
+                        </a:rPr>
+                        <a:t>-</a:t>
+                      </a:r>
+                      <a:endParaRPr lang="en-US" sz="4800" b="1" i="0" u="none" strike="noStrike">
+                        <a:solidFill>
+                          <a:srgbClr val="9C0006"/>
+                        </a:solidFill>
+                        <a:effectLst/>
+                        <a:latin typeface="Calibri" panose="020F0502020204030204" pitchFamily="34" charset="0"/>
+                      </a:endParaRPr>
+                    </a:p>
+                  </a:txBody>
+                  <a:tcPr marL="10915" marR="10915" marT="10915" marB="0" anchor="b"/>
+                </a:tc>
+                <a:tc>
+                  <a:txBody>
+                    <a:bodyPr/>
+                    <a:lstStyle/>
+                    <a:p>
+                      <a:pPr algn="ctr" fontAlgn="b"/>
+                      <a:r>
+                        <a:rPr lang="en-US" sz="4800" u="none" strike="noStrike">
+                          <a:effectLst/>
+                        </a:rPr>
+                        <a:t> </a:t>
+                      </a:r>
+                      <a:endParaRPr lang="en-US" sz="4800" b="1" i="0" u="none" strike="noStrike">
+                        <a:solidFill>
+                          <a:srgbClr val="000000"/>
+                        </a:solidFill>
+                        <a:effectLst/>
+                        <a:latin typeface="Calibri" panose="020F0502020204030204" pitchFamily="34" charset="0"/>
+                      </a:endParaRPr>
+                    </a:p>
+                  </a:txBody>
+                  <a:tcPr marL="10915" marR="10915" marT="10915" marB="0" anchor="b"/>
+                </a:tc>
+                <a:tc>
+                  <a:txBody>
+                    <a:bodyPr/>
+                    <a:lstStyle/>
+                    <a:p>
+                      <a:pPr algn="ctr" fontAlgn="b"/>
+                      <a:r>
+                        <a:rPr lang="en-US" sz="4800" u="none" strike="noStrike">
+                          <a:effectLst/>
+                        </a:rPr>
+                        <a:t> </a:t>
+                      </a:r>
+                      <a:endParaRPr lang="en-US" sz="4800" b="1" i="0" u="none" strike="noStrike">
+                        <a:solidFill>
+                          <a:srgbClr val="000000"/>
+                        </a:solidFill>
+                        <a:effectLst/>
+                        <a:latin typeface="Calibri" panose="020F0502020204030204" pitchFamily="34" charset="0"/>
+                      </a:endParaRPr>
+                    </a:p>
+                  </a:txBody>
+                  <a:tcPr marL="10915" marR="10915" marT="10915" marB="0" anchor="b"/>
+                </a:tc>
+                <a:tc>
+                  <a:txBody>
+                    <a:bodyPr/>
+                    <a:lstStyle/>
+                    <a:p>
+                      <a:pPr algn="ctr" fontAlgn="b"/>
+                      <a:r>
+                        <a:rPr lang="en-US" sz="4800" u="none" strike="noStrike">
+                          <a:effectLst/>
+                        </a:rPr>
+                        <a:t>+</a:t>
+                      </a:r>
+                      <a:endParaRPr lang="en-US" sz="4800" b="1" i="0" u="none" strike="noStrike">
+                        <a:solidFill>
+                          <a:srgbClr val="006100"/>
+                        </a:solidFill>
+                        <a:effectLst/>
+                        <a:latin typeface="Calibri" panose="020F0502020204030204" pitchFamily="34" charset="0"/>
+                      </a:endParaRPr>
+                    </a:p>
+                  </a:txBody>
+                  <a:tcPr marL="10915" marR="10915" marT="10915" marB="0" anchor="b"/>
+                </a:tc>
+                <a:tc>
+                  <a:txBody>
+                    <a:bodyPr/>
+                    <a:lstStyle/>
+                    <a:p>
+                      <a:pPr algn="ctr" fontAlgn="b"/>
+                      <a:r>
+                        <a:rPr lang="en-US" sz="4800" u="none" strike="noStrike">
+                          <a:effectLst/>
+                        </a:rPr>
+                        <a:t> </a:t>
+                      </a:r>
+                      <a:endParaRPr lang="en-US" sz="4800" b="1" i="0" u="none" strike="noStrike">
+                        <a:solidFill>
+                          <a:srgbClr val="000000"/>
+                        </a:solidFill>
+                        <a:effectLst/>
+                        <a:latin typeface="Calibri" panose="020F0502020204030204" pitchFamily="34" charset="0"/>
+                      </a:endParaRPr>
+                    </a:p>
+                  </a:txBody>
+                  <a:tcPr marL="10915" marR="10915" marT="10915" marB="0" anchor="b"/>
+                </a:tc>
+                <a:tc>
+                  <a:txBody>
+                    <a:bodyPr/>
+                    <a:lstStyle/>
+                    <a:p>
+                      <a:pPr algn="ctr" fontAlgn="b"/>
+                      <a:r>
+                        <a:rPr lang="en-US" sz="4800" u="none" strike="noStrike">
+                          <a:effectLst/>
+                        </a:rPr>
+                        <a:t>+</a:t>
+                      </a:r>
+                      <a:endParaRPr lang="en-US" sz="4800" b="1" i="0" u="none" strike="noStrike">
+                        <a:solidFill>
+                          <a:srgbClr val="006100"/>
+                        </a:solidFill>
+                        <a:effectLst/>
+                        <a:latin typeface="Calibri" panose="020F0502020204030204" pitchFamily="34" charset="0"/>
+                      </a:endParaRPr>
+                    </a:p>
+                  </a:txBody>
+                  <a:tcPr marL="10915" marR="10915" marT="10915" marB="0" anchor="b"/>
+                </a:tc>
+                <a:extLst>
+                  <a:ext uri="{0D108BD9-81ED-4DB2-BD59-A6C34878D82A}">
+                    <a16:rowId xmlns:a16="http://schemas.microsoft.com/office/drawing/2014/main" val="2613524684"/>
+                  </a:ext>
+                </a:extLst>
+              </a:tr>
+              <a:tr h="781795">
+                <a:tc>
+                  <a:txBody>
+                    <a:bodyPr/>
+                    <a:lstStyle/>
+                    <a:p>
+                      <a:pPr algn="ctr" fontAlgn="ctr"/>
+                      <a:r>
+                        <a:rPr lang="en-US" sz="3600" u="none" strike="noStrike" dirty="0">
+                          <a:effectLst/>
+                        </a:rPr>
+                        <a:t>Asian</a:t>
+                      </a:r>
+                      <a:endParaRPr lang="en-US" sz="3600" b="0" i="0" u="none" strike="noStrike" dirty="0">
+                        <a:solidFill>
+                          <a:srgbClr val="000000"/>
+                        </a:solidFill>
+                        <a:effectLst/>
+                        <a:latin typeface="Calibri" panose="020F0502020204030204" pitchFamily="34" charset="0"/>
+                      </a:endParaRPr>
+                    </a:p>
+                  </a:txBody>
+                  <a:tcPr marL="10915" marR="10915" marT="10915" marB="0" anchor="ctr"/>
+                </a:tc>
+                <a:tc>
+                  <a:txBody>
+                    <a:bodyPr/>
+                    <a:lstStyle/>
+                    <a:p>
+                      <a:pPr algn="ctr" fontAlgn="b"/>
+                      <a:r>
+                        <a:rPr lang="en-US" sz="4800" u="none" strike="noStrike" dirty="0">
+                          <a:effectLst/>
+                        </a:rPr>
+                        <a:t>+</a:t>
+                      </a:r>
+                      <a:endParaRPr lang="en-US" sz="4800" b="1" i="0" u="none" strike="noStrike" dirty="0">
+                        <a:solidFill>
+                          <a:srgbClr val="006100"/>
+                        </a:solidFill>
+                        <a:effectLst/>
+                        <a:latin typeface="Calibri" panose="020F0502020204030204" pitchFamily="34" charset="0"/>
+                      </a:endParaRPr>
+                    </a:p>
+                  </a:txBody>
+                  <a:tcPr marL="10915" marR="10915" marT="10915" marB="0" anchor="b"/>
+                </a:tc>
+                <a:tc>
+                  <a:txBody>
+                    <a:bodyPr/>
+                    <a:lstStyle/>
+                    <a:p>
+                      <a:pPr algn="ctr" fontAlgn="b"/>
+                      <a:r>
+                        <a:rPr lang="en-US" sz="4800" u="none" strike="noStrike" dirty="0">
+                          <a:effectLst/>
+                        </a:rPr>
+                        <a:t>+</a:t>
+                      </a:r>
+                      <a:endParaRPr lang="en-US" sz="4800" b="1" i="0" u="none" strike="noStrike" dirty="0">
+                        <a:solidFill>
+                          <a:srgbClr val="006100"/>
+                        </a:solidFill>
+                        <a:effectLst/>
+                        <a:latin typeface="Calibri" panose="020F0502020204030204" pitchFamily="34" charset="0"/>
+                      </a:endParaRPr>
+                    </a:p>
+                  </a:txBody>
+                  <a:tcPr marL="10915" marR="10915" marT="10915" marB="0" anchor="b"/>
+                </a:tc>
+                <a:tc>
+                  <a:txBody>
+                    <a:bodyPr/>
+                    <a:lstStyle/>
+                    <a:p>
+                      <a:pPr algn="ctr" fontAlgn="b"/>
+                      <a:r>
+                        <a:rPr lang="en-US" sz="4800" u="none" strike="noStrike" dirty="0">
+                          <a:effectLst/>
+                        </a:rPr>
+                        <a:t> </a:t>
+                      </a:r>
+                      <a:endParaRPr lang="en-US" sz="4800" b="1" i="0" u="none" strike="noStrike" dirty="0">
+                        <a:solidFill>
+                          <a:srgbClr val="000000"/>
+                        </a:solidFill>
+                        <a:effectLst/>
+                        <a:latin typeface="Calibri" panose="020F0502020204030204" pitchFamily="34" charset="0"/>
+                      </a:endParaRPr>
+                    </a:p>
+                  </a:txBody>
+                  <a:tcPr marL="10915" marR="10915" marT="10915" marB="0" anchor="b"/>
+                </a:tc>
+                <a:tc>
+                  <a:txBody>
+                    <a:bodyPr/>
+                    <a:lstStyle/>
+                    <a:p>
+                      <a:pPr algn="ctr" fontAlgn="b"/>
+                      <a:r>
+                        <a:rPr lang="en-US" sz="4800" u="none" strike="noStrike">
+                          <a:effectLst/>
+                        </a:rPr>
+                        <a:t> </a:t>
+                      </a:r>
+                      <a:endParaRPr lang="en-US" sz="4800" b="1" i="0" u="none" strike="noStrike">
+                        <a:solidFill>
+                          <a:srgbClr val="000000"/>
+                        </a:solidFill>
+                        <a:effectLst/>
+                        <a:latin typeface="Calibri" panose="020F0502020204030204" pitchFamily="34" charset="0"/>
+                      </a:endParaRPr>
+                    </a:p>
+                  </a:txBody>
+                  <a:tcPr marL="10915" marR="10915" marT="10915" marB="0" anchor="b"/>
+                </a:tc>
+                <a:tc>
+                  <a:txBody>
+                    <a:bodyPr/>
+                    <a:lstStyle/>
+                    <a:p>
+                      <a:pPr algn="ctr" fontAlgn="b"/>
+                      <a:r>
+                        <a:rPr lang="en-US" sz="4800" u="none" strike="noStrike">
+                          <a:effectLst/>
+                        </a:rPr>
+                        <a:t> </a:t>
+                      </a:r>
+                      <a:endParaRPr lang="en-US" sz="4800" b="1" i="0" u="none" strike="noStrike">
+                        <a:solidFill>
+                          <a:srgbClr val="000000"/>
+                        </a:solidFill>
+                        <a:effectLst/>
+                        <a:latin typeface="Calibri" panose="020F0502020204030204" pitchFamily="34" charset="0"/>
+                      </a:endParaRPr>
+                    </a:p>
+                  </a:txBody>
+                  <a:tcPr marL="10915" marR="10915" marT="10915" marB="0" anchor="b"/>
+                </a:tc>
+                <a:tc>
+                  <a:txBody>
+                    <a:bodyPr/>
+                    <a:lstStyle/>
+                    <a:p>
+                      <a:pPr algn="ctr" fontAlgn="b"/>
+                      <a:r>
+                        <a:rPr lang="en-US" sz="4800" u="none" strike="noStrike">
+                          <a:effectLst/>
+                        </a:rPr>
+                        <a:t> </a:t>
+                      </a:r>
+                      <a:endParaRPr lang="en-US" sz="4800" b="1" i="0" u="none" strike="noStrike">
+                        <a:solidFill>
+                          <a:srgbClr val="000000"/>
+                        </a:solidFill>
+                        <a:effectLst/>
+                        <a:latin typeface="Calibri" panose="020F0502020204030204" pitchFamily="34" charset="0"/>
+                      </a:endParaRPr>
+                    </a:p>
+                  </a:txBody>
+                  <a:tcPr marL="10915" marR="10915" marT="10915" marB="0" anchor="b"/>
+                </a:tc>
+                <a:tc>
+                  <a:txBody>
+                    <a:bodyPr/>
+                    <a:lstStyle/>
+                    <a:p>
+                      <a:pPr algn="ctr" fontAlgn="b"/>
+                      <a:r>
+                        <a:rPr lang="en-US" sz="4800" u="none" strike="noStrike">
+                          <a:effectLst/>
+                        </a:rPr>
+                        <a:t> </a:t>
+                      </a:r>
+                      <a:endParaRPr lang="en-US" sz="4800" b="1" i="0" u="none" strike="noStrike">
+                        <a:solidFill>
+                          <a:srgbClr val="000000"/>
+                        </a:solidFill>
+                        <a:effectLst/>
+                        <a:latin typeface="Calibri" panose="020F0502020204030204" pitchFamily="34" charset="0"/>
+                      </a:endParaRPr>
+                    </a:p>
+                  </a:txBody>
+                  <a:tcPr marL="10915" marR="10915" marT="10915" marB="0" anchor="b"/>
+                </a:tc>
+                <a:tc>
+                  <a:txBody>
+                    <a:bodyPr/>
+                    <a:lstStyle/>
+                    <a:p>
+                      <a:pPr algn="ctr" fontAlgn="b"/>
+                      <a:r>
+                        <a:rPr lang="en-US" sz="4800" u="none" strike="noStrike">
+                          <a:effectLst/>
+                        </a:rPr>
+                        <a:t> </a:t>
+                      </a:r>
+                      <a:endParaRPr lang="en-US" sz="4800" b="1" i="0" u="none" strike="noStrike">
+                        <a:solidFill>
+                          <a:srgbClr val="000000"/>
+                        </a:solidFill>
+                        <a:effectLst/>
+                        <a:latin typeface="Calibri" panose="020F0502020204030204" pitchFamily="34" charset="0"/>
+                      </a:endParaRPr>
+                    </a:p>
+                  </a:txBody>
+                  <a:tcPr marL="10915" marR="10915" marT="10915" marB="0" anchor="b"/>
+                </a:tc>
+                <a:tc>
+                  <a:txBody>
+                    <a:bodyPr/>
+                    <a:lstStyle/>
+                    <a:p>
+                      <a:pPr algn="ctr" fontAlgn="b"/>
+                      <a:r>
+                        <a:rPr lang="en-US" sz="4800" u="none" strike="noStrike">
+                          <a:effectLst/>
+                        </a:rPr>
+                        <a:t> </a:t>
+                      </a:r>
+                      <a:endParaRPr lang="en-US" sz="4800" b="1" i="0" u="none" strike="noStrike">
+                        <a:solidFill>
+                          <a:srgbClr val="000000"/>
+                        </a:solidFill>
+                        <a:effectLst/>
+                        <a:latin typeface="Calibri" panose="020F0502020204030204" pitchFamily="34" charset="0"/>
+                      </a:endParaRPr>
+                    </a:p>
+                  </a:txBody>
+                  <a:tcPr marL="10915" marR="10915" marT="10915" marB="0" anchor="b"/>
+                </a:tc>
+                <a:tc>
+                  <a:txBody>
+                    <a:bodyPr/>
+                    <a:lstStyle/>
+                    <a:p>
+                      <a:pPr algn="ctr" fontAlgn="b"/>
+                      <a:r>
+                        <a:rPr lang="en-US" sz="4800" u="none" strike="noStrike">
+                          <a:effectLst/>
+                        </a:rPr>
+                        <a:t>+</a:t>
+                      </a:r>
+                      <a:endParaRPr lang="en-US" sz="4800" b="1" i="0" u="none" strike="noStrike">
+                        <a:solidFill>
+                          <a:srgbClr val="006100"/>
+                        </a:solidFill>
+                        <a:effectLst/>
+                        <a:latin typeface="Calibri" panose="020F0502020204030204" pitchFamily="34" charset="0"/>
+                      </a:endParaRPr>
+                    </a:p>
+                  </a:txBody>
+                  <a:tcPr marL="10915" marR="10915" marT="10915" marB="0" anchor="b"/>
+                </a:tc>
+                <a:tc>
+                  <a:txBody>
+                    <a:bodyPr/>
+                    <a:lstStyle/>
+                    <a:p>
+                      <a:pPr algn="ctr" fontAlgn="b"/>
+                      <a:r>
+                        <a:rPr lang="en-US" sz="4800" u="none" strike="noStrike">
+                          <a:effectLst/>
+                        </a:rPr>
+                        <a:t> </a:t>
+                      </a:r>
+                      <a:endParaRPr lang="en-US" sz="4800" b="1" i="0" u="none" strike="noStrike">
+                        <a:solidFill>
+                          <a:srgbClr val="000000"/>
+                        </a:solidFill>
+                        <a:effectLst/>
+                        <a:latin typeface="Calibri" panose="020F0502020204030204" pitchFamily="34" charset="0"/>
+                      </a:endParaRPr>
+                    </a:p>
+                  </a:txBody>
+                  <a:tcPr marL="10915" marR="10915" marT="10915" marB="0" anchor="b"/>
+                </a:tc>
+                <a:tc>
+                  <a:txBody>
+                    <a:bodyPr/>
+                    <a:lstStyle/>
+                    <a:p>
+                      <a:pPr algn="ctr" fontAlgn="b"/>
+                      <a:r>
+                        <a:rPr lang="en-US" sz="4800" u="none" strike="noStrike">
+                          <a:effectLst/>
+                        </a:rPr>
+                        <a:t> </a:t>
+                      </a:r>
+                      <a:endParaRPr lang="en-US" sz="4800" b="1" i="0" u="none" strike="noStrike">
+                        <a:solidFill>
+                          <a:srgbClr val="000000"/>
+                        </a:solidFill>
+                        <a:effectLst/>
+                        <a:latin typeface="Calibri" panose="020F0502020204030204" pitchFamily="34" charset="0"/>
+                      </a:endParaRPr>
+                    </a:p>
+                  </a:txBody>
+                  <a:tcPr marL="10915" marR="10915" marT="10915" marB="0" anchor="b"/>
+                </a:tc>
+                <a:extLst>
+                  <a:ext uri="{0D108BD9-81ED-4DB2-BD59-A6C34878D82A}">
+                    <a16:rowId xmlns:a16="http://schemas.microsoft.com/office/drawing/2014/main" val="1339462861"/>
+                  </a:ext>
+                </a:extLst>
+              </a:tr>
+              <a:tr h="781795">
+                <a:tc>
+                  <a:txBody>
+                    <a:bodyPr/>
+                    <a:lstStyle/>
+                    <a:p>
+                      <a:pPr algn="ctr" fontAlgn="ctr"/>
+                      <a:r>
+                        <a:rPr lang="en-US" sz="3600" u="none" strike="noStrike" dirty="0">
+                          <a:effectLst/>
+                        </a:rPr>
+                        <a:t>Other</a:t>
+                      </a:r>
+                      <a:endParaRPr lang="en-US" sz="3600" b="0" i="0" u="none" strike="noStrike" dirty="0">
+                        <a:solidFill>
+                          <a:srgbClr val="000000"/>
+                        </a:solidFill>
+                        <a:effectLst/>
+                        <a:latin typeface="Calibri" panose="020F0502020204030204" pitchFamily="34" charset="0"/>
+                      </a:endParaRPr>
+                    </a:p>
+                  </a:txBody>
+                  <a:tcPr marL="10915" marR="10915" marT="10915" marB="0" anchor="ctr"/>
+                </a:tc>
+                <a:tc>
+                  <a:txBody>
+                    <a:bodyPr/>
+                    <a:lstStyle/>
+                    <a:p>
+                      <a:pPr algn="ctr" fontAlgn="b"/>
+                      <a:r>
+                        <a:rPr lang="en-US" sz="4800" u="none" strike="noStrike" dirty="0">
+                          <a:effectLst/>
+                        </a:rPr>
+                        <a:t>+</a:t>
+                      </a:r>
+                      <a:endParaRPr lang="en-US" sz="4800" b="1" i="0" u="none" strike="noStrike" dirty="0">
+                        <a:solidFill>
+                          <a:srgbClr val="006100"/>
+                        </a:solidFill>
+                        <a:effectLst/>
+                        <a:latin typeface="Calibri" panose="020F0502020204030204" pitchFamily="34" charset="0"/>
+                      </a:endParaRPr>
+                    </a:p>
+                  </a:txBody>
+                  <a:tcPr marL="10915" marR="10915" marT="10915" marB="0" anchor="b"/>
+                </a:tc>
+                <a:tc>
+                  <a:txBody>
+                    <a:bodyPr/>
+                    <a:lstStyle/>
+                    <a:p>
+                      <a:pPr algn="ctr" fontAlgn="b"/>
+                      <a:r>
+                        <a:rPr lang="en-US" sz="4800" u="none" strike="noStrike" dirty="0">
+                          <a:effectLst/>
+                        </a:rPr>
+                        <a:t> </a:t>
+                      </a:r>
+                      <a:endParaRPr lang="en-US" sz="4800" b="1" i="0" u="none" strike="noStrike" dirty="0">
+                        <a:solidFill>
+                          <a:srgbClr val="000000"/>
+                        </a:solidFill>
+                        <a:effectLst/>
+                        <a:latin typeface="Calibri" panose="020F0502020204030204" pitchFamily="34" charset="0"/>
+                      </a:endParaRPr>
+                    </a:p>
+                  </a:txBody>
+                  <a:tcPr marL="10915" marR="10915" marT="10915" marB="0" anchor="b"/>
+                </a:tc>
+                <a:tc>
+                  <a:txBody>
+                    <a:bodyPr/>
+                    <a:lstStyle/>
+                    <a:p>
+                      <a:pPr algn="ctr" fontAlgn="b"/>
+                      <a:r>
+                        <a:rPr lang="en-US" sz="4800" u="none" strike="noStrike" dirty="0">
+                          <a:effectLst/>
+                        </a:rPr>
+                        <a:t> </a:t>
+                      </a:r>
+                      <a:endParaRPr lang="en-US" sz="4800" b="1" i="0" u="none" strike="noStrike" dirty="0">
+                        <a:solidFill>
+                          <a:srgbClr val="000000"/>
+                        </a:solidFill>
+                        <a:effectLst/>
+                        <a:latin typeface="Calibri" panose="020F0502020204030204" pitchFamily="34" charset="0"/>
+                      </a:endParaRPr>
+                    </a:p>
+                  </a:txBody>
+                  <a:tcPr marL="10915" marR="10915" marT="10915" marB="0" anchor="b"/>
+                </a:tc>
+                <a:tc>
+                  <a:txBody>
+                    <a:bodyPr/>
+                    <a:lstStyle/>
+                    <a:p>
+                      <a:pPr algn="ctr" fontAlgn="b"/>
+                      <a:r>
+                        <a:rPr lang="en-US" sz="4800" u="none" strike="noStrike" dirty="0">
+                          <a:effectLst/>
+                        </a:rPr>
+                        <a:t> </a:t>
+                      </a:r>
+                      <a:endParaRPr lang="en-US" sz="4800" b="1" i="0" u="none" strike="noStrike" dirty="0">
+                        <a:solidFill>
+                          <a:srgbClr val="000000"/>
+                        </a:solidFill>
+                        <a:effectLst/>
+                        <a:latin typeface="Calibri" panose="020F0502020204030204" pitchFamily="34" charset="0"/>
+                      </a:endParaRPr>
+                    </a:p>
+                  </a:txBody>
+                  <a:tcPr marL="10915" marR="10915" marT="10915" marB="0" anchor="b"/>
+                </a:tc>
+                <a:tc>
+                  <a:txBody>
+                    <a:bodyPr/>
+                    <a:lstStyle/>
+                    <a:p>
+                      <a:pPr algn="ctr" fontAlgn="b"/>
+                      <a:r>
+                        <a:rPr lang="en-US" sz="4800" u="none" strike="noStrike">
+                          <a:effectLst/>
+                        </a:rPr>
+                        <a:t> </a:t>
+                      </a:r>
+                      <a:endParaRPr lang="en-US" sz="4800" b="1" i="0" u="none" strike="noStrike">
+                        <a:solidFill>
+                          <a:srgbClr val="000000"/>
+                        </a:solidFill>
+                        <a:effectLst/>
+                        <a:latin typeface="Calibri" panose="020F0502020204030204" pitchFamily="34" charset="0"/>
+                      </a:endParaRPr>
+                    </a:p>
+                  </a:txBody>
+                  <a:tcPr marL="10915" marR="10915" marT="10915" marB="0" anchor="b"/>
+                </a:tc>
+                <a:tc>
+                  <a:txBody>
+                    <a:bodyPr/>
+                    <a:lstStyle/>
+                    <a:p>
+                      <a:pPr algn="ctr" fontAlgn="b"/>
+                      <a:r>
+                        <a:rPr lang="en-US" sz="4800" u="none" strike="noStrike">
+                          <a:effectLst/>
+                        </a:rPr>
+                        <a:t> </a:t>
+                      </a:r>
+                      <a:endParaRPr lang="en-US" sz="4800" b="1" i="0" u="none" strike="noStrike">
+                        <a:solidFill>
+                          <a:srgbClr val="000000"/>
+                        </a:solidFill>
+                        <a:effectLst/>
+                        <a:latin typeface="Calibri" panose="020F0502020204030204" pitchFamily="34" charset="0"/>
+                      </a:endParaRPr>
+                    </a:p>
+                  </a:txBody>
+                  <a:tcPr marL="10915" marR="10915" marT="10915" marB="0" anchor="b"/>
+                </a:tc>
+                <a:tc>
+                  <a:txBody>
+                    <a:bodyPr/>
+                    <a:lstStyle/>
+                    <a:p>
+                      <a:pPr algn="ctr" fontAlgn="b"/>
+                      <a:r>
+                        <a:rPr lang="en-US" sz="4800" u="none" strike="noStrike">
+                          <a:effectLst/>
+                        </a:rPr>
+                        <a:t> </a:t>
+                      </a:r>
+                      <a:endParaRPr lang="en-US" sz="4800" b="1" i="0" u="none" strike="noStrike">
+                        <a:solidFill>
+                          <a:srgbClr val="000000"/>
+                        </a:solidFill>
+                        <a:effectLst/>
+                        <a:latin typeface="Calibri" panose="020F0502020204030204" pitchFamily="34" charset="0"/>
+                      </a:endParaRPr>
+                    </a:p>
+                  </a:txBody>
+                  <a:tcPr marL="10915" marR="10915" marT="10915" marB="0" anchor="b"/>
+                </a:tc>
+                <a:tc>
+                  <a:txBody>
+                    <a:bodyPr/>
+                    <a:lstStyle/>
+                    <a:p>
+                      <a:pPr algn="ctr" fontAlgn="b"/>
+                      <a:r>
+                        <a:rPr lang="en-US" sz="4800" u="none" strike="noStrike">
+                          <a:effectLst/>
+                        </a:rPr>
+                        <a:t> </a:t>
+                      </a:r>
+                      <a:endParaRPr lang="en-US" sz="4800" b="1" i="0" u="none" strike="noStrike">
+                        <a:solidFill>
+                          <a:srgbClr val="000000"/>
+                        </a:solidFill>
+                        <a:effectLst/>
+                        <a:latin typeface="Calibri" panose="020F0502020204030204" pitchFamily="34" charset="0"/>
+                      </a:endParaRPr>
+                    </a:p>
+                  </a:txBody>
+                  <a:tcPr marL="10915" marR="10915" marT="10915" marB="0" anchor="b"/>
+                </a:tc>
+                <a:tc>
+                  <a:txBody>
+                    <a:bodyPr/>
+                    <a:lstStyle/>
+                    <a:p>
+                      <a:pPr algn="ctr" fontAlgn="b"/>
+                      <a:r>
+                        <a:rPr lang="en-US" sz="4800" u="none" strike="noStrike">
+                          <a:effectLst/>
+                        </a:rPr>
+                        <a:t> </a:t>
+                      </a:r>
+                      <a:endParaRPr lang="en-US" sz="4800" b="1" i="0" u="none" strike="noStrike">
+                        <a:solidFill>
+                          <a:srgbClr val="000000"/>
+                        </a:solidFill>
+                        <a:effectLst/>
+                        <a:latin typeface="Calibri" panose="020F0502020204030204" pitchFamily="34" charset="0"/>
+                      </a:endParaRPr>
+                    </a:p>
+                  </a:txBody>
+                  <a:tcPr marL="10915" marR="10915" marT="10915" marB="0" anchor="b"/>
+                </a:tc>
+                <a:tc>
+                  <a:txBody>
+                    <a:bodyPr/>
+                    <a:lstStyle/>
+                    <a:p>
+                      <a:pPr algn="ctr" fontAlgn="b"/>
+                      <a:r>
+                        <a:rPr lang="en-US" sz="4800" u="none" strike="noStrike">
+                          <a:effectLst/>
+                        </a:rPr>
+                        <a:t>+</a:t>
+                      </a:r>
+                      <a:endParaRPr lang="en-US" sz="4800" b="1" i="0" u="none" strike="noStrike">
+                        <a:solidFill>
+                          <a:srgbClr val="006100"/>
+                        </a:solidFill>
+                        <a:effectLst/>
+                        <a:latin typeface="Calibri" panose="020F0502020204030204" pitchFamily="34" charset="0"/>
+                      </a:endParaRPr>
+                    </a:p>
+                  </a:txBody>
+                  <a:tcPr marL="10915" marR="10915" marT="10915" marB="0" anchor="b"/>
+                </a:tc>
+                <a:tc>
+                  <a:txBody>
+                    <a:bodyPr/>
+                    <a:lstStyle/>
+                    <a:p>
+                      <a:pPr algn="ctr" fontAlgn="b"/>
+                      <a:r>
+                        <a:rPr lang="en-US" sz="4800" u="none" strike="noStrike">
+                          <a:effectLst/>
+                        </a:rPr>
+                        <a:t> </a:t>
+                      </a:r>
+                      <a:endParaRPr lang="en-US" sz="4800" b="1" i="0" u="none" strike="noStrike">
+                        <a:solidFill>
+                          <a:srgbClr val="000000"/>
+                        </a:solidFill>
+                        <a:effectLst/>
+                        <a:latin typeface="Calibri" panose="020F0502020204030204" pitchFamily="34" charset="0"/>
+                      </a:endParaRPr>
+                    </a:p>
+                  </a:txBody>
+                  <a:tcPr marL="10915" marR="10915" marT="10915" marB="0" anchor="b"/>
+                </a:tc>
+                <a:tc>
+                  <a:txBody>
+                    <a:bodyPr/>
+                    <a:lstStyle/>
+                    <a:p>
+                      <a:pPr algn="ctr" fontAlgn="b"/>
+                      <a:r>
+                        <a:rPr lang="en-US" sz="4800" u="none" strike="noStrike">
+                          <a:effectLst/>
+                        </a:rPr>
+                        <a:t>+</a:t>
+                      </a:r>
+                      <a:endParaRPr lang="en-US" sz="4800" b="1" i="0" u="none" strike="noStrike">
+                        <a:solidFill>
+                          <a:srgbClr val="006100"/>
+                        </a:solidFill>
+                        <a:effectLst/>
+                        <a:latin typeface="Calibri" panose="020F0502020204030204" pitchFamily="34" charset="0"/>
+                      </a:endParaRPr>
+                    </a:p>
+                  </a:txBody>
+                  <a:tcPr marL="10915" marR="10915" marT="10915" marB="0" anchor="b"/>
+                </a:tc>
+                <a:extLst>
+                  <a:ext uri="{0D108BD9-81ED-4DB2-BD59-A6C34878D82A}">
+                    <a16:rowId xmlns:a16="http://schemas.microsoft.com/office/drawing/2014/main" val="1058297950"/>
+                  </a:ext>
+                </a:extLst>
+              </a:tr>
+              <a:tr h="781795">
+                <a:tc>
+                  <a:txBody>
+                    <a:bodyPr/>
+                    <a:lstStyle/>
+                    <a:p>
+                      <a:pPr algn="ctr" fontAlgn="ctr"/>
+                      <a:r>
+                        <a:rPr lang="en-US" sz="3600" u="none" strike="noStrike">
+                          <a:effectLst/>
+                        </a:rPr>
+                        <a:t>Women</a:t>
+                      </a:r>
+                      <a:endParaRPr lang="en-US" sz="3600" b="0" i="0" u="none" strike="noStrike">
+                        <a:solidFill>
+                          <a:srgbClr val="000000"/>
+                        </a:solidFill>
+                        <a:effectLst/>
+                        <a:latin typeface="Calibri" panose="020F0502020204030204" pitchFamily="34" charset="0"/>
+                      </a:endParaRPr>
+                    </a:p>
+                  </a:txBody>
+                  <a:tcPr marL="10915" marR="10915" marT="10915" marB="0" anchor="ctr"/>
+                </a:tc>
+                <a:tc>
+                  <a:txBody>
+                    <a:bodyPr/>
+                    <a:lstStyle/>
+                    <a:p>
+                      <a:pPr algn="ctr" fontAlgn="b"/>
+                      <a:r>
+                        <a:rPr lang="en-US" sz="4800" u="none" strike="noStrike" dirty="0">
+                          <a:effectLst/>
+                        </a:rPr>
+                        <a:t>+</a:t>
+                      </a:r>
+                      <a:endParaRPr lang="en-US" sz="4800" b="1" i="0" u="none" strike="noStrike" dirty="0">
+                        <a:solidFill>
+                          <a:srgbClr val="006100"/>
+                        </a:solidFill>
+                        <a:effectLst/>
+                        <a:latin typeface="Calibri" panose="020F0502020204030204" pitchFamily="34" charset="0"/>
+                      </a:endParaRPr>
+                    </a:p>
+                  </a:txBody>
+                  <a:tcPr marL="10915" marR="10915" marT="10915" marB="0" anchor="b"/>
+                </a:tc>
+                <a:tc>
+                  <a:txBody>
+                    <a:bodyPr/>
+                    <a:lstStyle/>
+                    <a:p>
+                      <a:pPr algn="ctr" fontAlgn="b"/>
+                      <a:r>
+                        <a:rPr lang="en-US" sz="4800" u="none" strike="noStrike" dirty="0">
+                          <a:effectLst/>
+                        </a:rPr>
+                        <a:t>+</a:t>
+                      </a:r>
+                      <a:endParaRPr lang="en-US" sz="4800" b="1" i="0" u="none" strike="noStrike" dirty="0">
+                        <a:solidFill>
+                          <a:srgbClr val="006100"/>
+                        </a:solidFill>
+                        <a:effectLst/>
+                        <a:latin typeface="Calibri" panose="020F0502020204030204" pitchFamily="34" charset="0"/>
+                      </a:endParaRPr>
+                    </a:p>
+                  </a:txBody>
+                  <a:tcPr marL="10915" marR="10915" marT="10915" marB="0" anchor="b"/>
+                </a:tc>
+                <a:tc>
+                  <a:txBody>
+                    <a:bodyPr/>
+                    <a:lstStyle/>
+                    <a:p>
+                      <a:pPr algn="ctr" fontAlgn="b"/>
+                      <a:r>
+                        <a:rPr lang="en-US" sz="4800" u="none" strike="noStrike" dirty="0">
+                          <a:effectLst/>
+                        </a:rPr>
+                        <a:t> </a:t>
+                      </a:r>
+                      <a:endParaRPr lang="en-US" sz="4800" b="1" i="0" u="none" strike="noStrike" dirty="0">
+                        <a:solidFill>
+                          <a:srgbClr val="000000"/>
+                        </a:solidFill>
+                        <a:effectLst/>
+                        <a:latin typeface="Calibri" panose="020F0502020204030204" pitchFamily="34" charset="0"/>
+                      </a:endParaRPr>
+                    </a:p>
+                  </a:txBody>
+                  <a:tcPr marL="10915" marR="10915" marT="10915" marB="0" anchor="b"/>
+                </a:tc>
+                <a:tc>
+                  <a:txBody>
+                    <a:bodyPr/>
+                    <a:lstStyle/>
+                    <a:p>
+                      <a:pPr algn="ctr" fontAlgn="b"/>
+                      <a:r>
+                        <a:rPr lang="en-US" sz="4800" u="none" strike="noStrike">
+                          <a:effectLst/>
+                        </a:rPr>
+                        <a:t> </a:t>
+                      </a:r>
+                      <a:endParaRPr lang="en-US" sz="4800" b="1" i="0" u="none" strike="noStrike">
+                        <a:solidFill>
+                          <a:srgbClr val="000000"/>
+                        </a:solidFill>
+                        <a:effectLst/>
+                        <a:latin typeface="Calibri" panose="020F0502020204030204" pitchFamily="34" charset="0"/>
+                      </a:endParaRPr>
+                    </a:p>
+                  </a:txBody>
+                  <a:tcPr marL="10915" marR="10915" marT="10915" marB="0" anchor="b"/>
+                </a:tc>
+                <a:tc>
+                  <a:txBody>
+                    <a:bodyPr/>
+                    <a:lstStyle/>
+                    <a:p>
+                      <a:pPr algn="ctr" fontAlgn="b"/>
+                      <a:r>
+                        <a:rPr lang="en-US" sz="4800" u="none" strike="noStrike" dirty="0">
+                          <a:effectLst/>
+                        </a:rPr>
+                        <a:t> </a:t>
+                      </a:r>
+                      <a:endParaRPr lang="en-US" sz="4800" b="1" i="0" u="none" strike="noStrike" dirty="0">
+                        <a:solidFill>
+                          <a:srgbClr val="000000"/>
+                        </a:solidFill>
+                        <a:effectLst/>
+                        <a:latin typeface="Calibri" panose="020F0502020204030204" pitchFamily="34" charset="0"/>
+                      </a:endParaRPr>
+                    </a:p>
+                  </a:txBody>
+                  <a:tcPr marL="10915" marR="10915" marT="10915" marB="0" anchor="b"/>
+                </a:tc>
+                <a:tc>
+                  <a:txBody>
+                    <a:bodyPr/>
+                    <a:lstStyle/>
+                    <a:p>
+                      <a:pPr algn="ctr" fontAlgn="b"/>
+                      <a:r>
+                        <a:rPr lang="en-US" sz="4800" u="none" strike="noStrike">
+                          <a:effectLst/>
+                        </a:rPr>
+                        <a:t> </a:t>
+                      </a:r>
+                      <a:endParaRPr lang="en-US" sz="4800" b="1" i="0" u="none" strike="noStrike">
+                        <a:solidFill>
+                          <a:srgbClr val="000000"/>
+                        </a:solidFill>
+                        <a:effectLst/>
+                        <a:latin typeface="Calibri" panose="020F0502020204030204" pitchFamily="34" charset="0"/>
+                      </a:endParaRPr>
+                    </a:p>
+                  </a:txBody>
+                  <a:tcPr marL="10915" marR="10915" marT="10915" marB="0" anchor="b"/>
+                </a:tc>
+                <a:tc>
+                  <a:txBody>
+                    <a:bodyPr/>
+                    <a:lstStyle/>
+                    <a:p>
+                      <a:pPr algn="ctr" fontAlgn="b"/>
+                      <a:r>
+                        <a:rPr lang="en-US" sz="4800" u="none" strike="noStrike">
+                          <a:effectLst/>
+                        </a:rPr>
+                        <a:t> </a:t>
+                      </a:r>
+                      <a:endParaRPr lang="en-US" sz="4800" b="1" i="0" u="none" strike="noStrike">
+                        <a:solidFill>
+                          <a:srgbClr val="000000"/>
+                        </a:solidFill>
+                        <a:effectLst/>
+                        <a:latin typeface="Calibri" panose="020F0502020204030204" pitchFamily="34" charset="0"/>
+                      </a:endParaRPr>
+                    </a:p>
+                  </a:txBody>
+                  <a:tcPr marL="10915" marR="10915" marT="10915" marB="0" anchor="b"/>
+                </a:tc>
+                <a:tc>
+                  <a:txBody>
+                    <a:bodyPr/>
+                    <a:lstStyle/>
+                    <a:p>
+                      <a:pPr algn="ctr" fontAlgn="b"/>
+                      <a:r>
+                        <a:rPr lang="en-US" sz="4800" u="none" strike="noStrike">
+                          <a:effectLst/>
+                        </a:rPr>
+                        <a:t> </a:t>
+                      </a:r>
+                      <a:endParaRPr lang="en-US" sz="4800" b="1" i="0" u="none" strike="noStrike">
+                        <a:solidFill>
+                          <a:srgbClr val="000000"/>
+                        </a:solidFill>
+                        <a:effectLst/>
+                        <a:latin typeface="Calibri" panose="020F0502020204030204" pitchFamily="34" charset="0"/>
+                      </a:endParaRPr>
+                    </a:p>
+                  </a:txBody>
+                  <a:tcPr marL="10915" marR="10915" marT="10915" marB="0" anchor="b"/>
+                </a:tc>
+                <a:tc>
+                  <a:txBody>
+                    <a:bodyPr/>
+                    <a:lstStyle/>
+                    <a:p>
+                      <a:pPr algn="ctr" fontAlgn="b"/>
+                      <a:r>
+                        <a:rPr lang="en-US" sz="4800" u="none" strike="noStrike">
+                          <a:effectLst/>
+                        </a:rPr>
+                        <a:t> </a:t>
+                      </a:r>
+                      <a:endParaRPr lang="en-US" sz="4800" b="1" i="0" u="none" strike="noStrike">
+                        <a:solidFill>
+                          <a:srgbClr val="000000"/>
+                        </a:solidFill>
+                        <a:effectLst/>
+                        <a:latin typeface="Calibri" panose="020F0502020204030204" pitchFamily="34" charset="0"/>
+                      </a:endParaRPr>
+                    </a:p>
+                  </a:txBody>
+                  <a:tcPr marL="10915" marR="10915" marT="10915" marB="0" anchor="b"/>
+                </a:tc>
+                <a:tc>
+                  <a:txBody>
+                    <a:bodyPr/>
+                    <a:lstStyle/>
+                    <a:p>
+                      <a:pPr algn="ctr" fontAlgn="b"/>
+                      <a:r>
+                        <a:rPr lang="en-US" sz="4800" u="none" strike="noStrike">
+                          <a:effectLst/>
+                        </a:rPr>
+                        <a:t>+</a:t>
+                      </a:r>
+                      <a:endParaRPr lang="en-US" sz="4800" b="1" i="0" u="none" strike="noStrike">
+                        <a:solidFill>
+                          <a:srgbClr val="006100"/>
+                        </a:solidFill>
+                        <a:effectLst/>
+                        <a:latin typeface="Calibri" panose="020F0502020204030204" pitchFamily="34" charset="0"/>
+                      </a:endParaRPr>
+                    </a:p>
+                  </a:txBody>
+                  <a:tcPr marL="10915" marR="10915" marT="10915" marB="0" anchor="b"/>
+                </a:tc>
+                <a:tc>
+                  <a:txBody>
+                    <a:bodyPr/>
+                    <a:lstStyle/>
+                    <a:p>
+                      <a:pPr algn="ctr" fontAlgn="b"/>
+                      <a:r>
+                        <a:rPr lang="en-US" sz="4800" u="none" strike="noStrike">
+                          <a:effectLst/>
+                        </a:rPr>
+                        <a:t> </a:t>
+                      </a:r>
+                      <a:endParaRPr lang="en-US" sz="4800" b="1" i="0" u="none" strike="noStrike">
+                        <a:solidFill>
+                          <a:srgbClr val="000000"/>
+                        </a:solidFill>
+                        <a:effectLst/>
+                        <a:latin typeface="Calibri" panose="020F0502020204030204" pitchFamily="34" charset="0"/>
+                      </a:endParaRPr>
+                    </a:p>
+                  </a:txBody>
+                  <a:tcPr marL="10915" marR="10915" marT="10915" marB="0" anchor="b"/>
+                </a:tc>
+                <a:tc>
+                  <a:txBody>
+                    <a:bodyPr/>
+                    <a:lstStyle/>
+                    <a:p>
+                      <a:pPr algn="ctr" fontAlgn="b"/>
+                      <a:r>
+                        <a:rPr lang="en-US" sz="4800" u="none" strike="noStrike">
+                          <a:effectLst/>
+                        </a:rPr>
+                        <a:t>+</a:t>
+                      </a:r>
+                      <a:endParaRPr lang="en-US" sz="4800" b="1" i="0" u="none" strike="noStrike">
+                        <a:solidFill>
+                          <a:srgbClr val="006100"/>
+                        </a:solidFill>
+                        <a:effectLst/>
+                        <a:latin typeface="Calibri" panose="020F0502020204030204" pitchFamily="34" charset="0"/>
+                      </a:endParaRPr>
+                    </a:p>
+                  </a:txBody>
+                  <a:tcPr marL="10915" marR="10915" marT="10915" marB="0" anchor="b"/>
+                </a:tc>
+                <a:extLst>
+                  <a:ext uri="{0D108BD9-81ED-4DB2-BD59-A6C34878D82A}">
+                    <a16:rowId xmlns:a16="http://schemas.microsoft.com/office/drawing/2014/main" val="771619408"/>
+                  </a:ext>
+                </a:extLst>
+              </a:tr>
+              <a:tr h="781795">
+                <a:tc>
+                  <a:txBody>
+                    <a:bodyPr/>
+                    <a:lstStyle/>
+                    <a:p>
+                      <a:pPr algn="ctr" fontAlgn="ctr"/>
+                      <a:r>
+                        <a:rPr lang="en-US" sz="3600" u="none" strike="noStrike">
+                          <a:effectLst/>
+                        </a:rPr>
+                        <a:t>Men</a:t>
+                      </a:r>
+                      <a:endParaRPr lang="en-US" sz="3600" b="0" i="0" u="none" strike="noStrike">
+                        <a:solidFill>
+                          <a:srgbClr val="000000"/>
+                        </a:solidFill>
+                        <a:effectLst/>
+                        <a:latin typeface="Calibri" panose="020F0502020204030204" pitchFamily="34" charset="0"/>
+                      </a:endParaRPr>
+                    </a:p>
+                  </a:txBody>
+                  <a:tcPr marL="10915" marR="10915" marT="10915" marB="0" anchor="ctr"/>
+                </a:tc>
+                <a:tc>
+                  <a:txBody>
+                    <a:bodyPr/>
+                    <a:lstStyle/>
+                    <a:p>
+                      <a:pPr algn="ctr" fontAlgn="b"/>
+                      <a:r>
+                        <a:rPr lang="en-US" sz="4800" u="none" strike="noStrike" dirty="0">
+                          <a:effectLst/>
+                        </a:rPr>
+                        <a:t>+</a:t>
+                      </a:r>
+                      <a:endParaRPr lang="en-US" sz="4800" b="1" i="0" u="none" strike="noStrike" dirty="0">
+                        <a:solidFill>
+                          <a:srgbClr val="006100"/>
+                        </a:solidFill>
+                        <a:effectLst/>
+                        <a:latin typeface="Calibri" panose="020F0502020204030204" pitchFamily="34" charset="0"/>
+                      </a:endParaRPr>
+                    </a:p>
+                  </a:txBody>
+                  <a:tcPr marL="10915" marR="10915" marT="10915" marB="0" anchor="b"/>
+                </a:tc>
+                <a:tc>
+                  <a:txBody>
+                    <a:bodyPr/>
+                    <a:lstStyle/>
+                    <a:p>
+                      <a:pPr algn="ctr" fontAlgn="b"/>
+                      <a:r>
+                        <a:rPr lang="en-US" sz="4800" u="none" strike="noStrike" dirty="0">
+                          <a:effectLst/>
+                        </a:rPr>
+                        <a:t> </a:t>
+                      </a:r>
+                      <a:endParaRPr lang="en-US" sz="4800" b="1" i="0" u="none" strike="noStrike" dirty="0">
+                        <a:solidFill>
+                          <a:srgbClr val="000000"/>
+                        </a:solidFill>
+                        <a:effectLst/>
+                        <a:latin typeface="Calibri" panose="020F0502020204030204" pitchFamily="34" charset="0"/>
+                      </a:endParaRPr>
+                    </a:p>
+                  </a:txBody>
+                  <a:tcPr marL="10915" marR="10915" marT="10915" marB="0" anchor="b"/>
+                </a:tc>
+                <a:tc>
+                  <a:txBody>
+                    <a:bodyPr/>
+                    <a:lstStyle/>
+                    <a:p>
+                      <a:pPr algn="ctr" fontAlgn="b"/>
+                      <a:r>
+                        <a:rPr lang="en-US" sz="4800" u="none" strike="noStrike" dirty="0">
+                          <a:effectLst/>
+                        </a:rPr>
+                        <a:t> </a:t>
+                      </a:r>
+                      <a:endParaRPr lang="en-US" sz="4800" b="1" i="0" u="none" strike="noStrike" dirty="0">
+                        <a:solidFill>
+                          <a:srgbClr val="000000"/>
+                        </a:solidFill>
+                        <a:effectLst/>
+                        <a:latin typeface="Calibri" panose="020F0502020204030204" pitchFamily="34" charset="0"/>
+                      </a:endParaRPr>
+                    </a:p>
+                  </a:txBody>
+                  <a:tcPr marL="10915" marR="10915" marT="10915" marB="0" anchor="b"/>
+                </a:tc>
+                <a:tc>
+                  <a:txBody>
+                    <a:bodyPr/>
+                    <a:lstStyle/>
+                    <a:p>
+                      <a:pPr algn="ctr" fontAlgn="b"/>
+                      <a:r>
+                        <a:rPr lang="en-US" sz="4800" u="none" strike="noStrike">
+                          <a:effectLst/>
+                        </a:rPr>
+                        <a:t>-</a:t>
+                      </a:r>
+                      <a:endParaRPr lang="en-US" sz="4800" b="1" i="0" u="none" strike="noStrike">
+                        <a:solidFill>
+                          <a:srgbClr val="9C0006"/>
+                        </a:solidFill>
+                        <a:effectLst/>
+                        <a:latin typeface="Calibri" panose="020F0502020204030204" pitchFamily="34" charset="0"/>
+                      </a:endParaRPr>
+                    </a:p>
+                  </a:txBody>
+                  <a:tcPr marL="10915" marR="10915" marT="10915" marB="0" anchor="b"/>
+                </a:tc>
+                <a:tc>
+                  <a:txBody>
+                    <a:bodyPr/>
+                    <a:lstStyle/>
+                    <a:p>
+                      <a:pPr algn="ctr" fontAlgn="b"/>
+                      <a:r>
+                        <a:rPr lang="en-US" sz="4800" u="none" strike="noStrike" dirty="0">
+                          <a:effectLst/>
+                        </a:rPr>
+                        <a:t> </a:t>
+                      </a:r>
+                      <a:endParaRPr lang="en-US" sz="4800" b="1" i="0" u="none" strike="noStrike" dirty="0">
+                        <a:solidFill>
+                          <a:srgbClr val="000000"/>
+                        </a:solidFill>
+                        <a:effectLst/>
+                        <a:latin typeface="Calibri" panose="020F0502020204030204" pitchFamily="34" charset="0"/>
+                      </a:endParaRPr>
+                    </a:p>
+                  </a:txBody>
+                  <a:tcPr marL="10915" marR="10915" marT="10915" marB="0" anchor="b"/>
+                </a:tc>
+                <a:tc>
+                  <a:txBody>
+                    <a:bodyPr/>
+                    <a:lstStyle/>
+                    <a:p>
+                      <a:pPr algn="ctr" fontAlgn="b"/>
+                      <a:r>
+                        <a:rPr lang="en-US" sz="4800" u="none" strike="noStrike" dirty="0">
+                          <a:effectLst/>
+                        </a:rPr>
+                        <a:t> </a:t>
+                      </a:r>
+                      <a:endParaRPr lang="en-US" sz="4800" b="1" i="0" u="none" strike="noStrike" dirty="0">
+                        <a:solidFill>
+                          <a:srgbClr val="000000"/>
+                        </a:solidFill>
+                        <a:effectLst/>
+                        <a:latin typeface="Calibri" panose="020F0502020204030204" pitchFamily="34" charset="0"/>
+                      </a:endParaRPr>
+                    </a:p>
+                  </a:txBody>
+                  <a:tcPr marL="10915" marR="10915" marT="10915" marB="0" anchor="b"/>
+                </a:tc>
+                <a:tc>
+                  <a:txBody>
+                    <a:bodyPr/>
+                    <a:lstStyle/>
+                    <a:p>
+                      <a:pPr algn="ctr" fontAlgn="b"/>
+                      <a:r>
+                        <a:rPr lang="en-US" sz="4800" u="none" strike="noStrike">
+                          <a:effectLst/>
+                        </a:rPr>
+                        <a:t> </a:t>
+                      </a:r>
+                      <a:endParaRPr lang="en-US" sz="4800" b="1" i="0" u="none" strike="noStrike">
+                        <a:solidFill>
+                          <a:srgbClr val="000000"/>
+                        </a:solidFill>
+                        <a:effectLst/>
+                        <a:latin typeface="Calibri" panose="020F0502020204030204" pitchFamily="34" charset="0"/>
+                      </a:endParaRPr>
+                    </a:p>
+                  </a:txBody>
+                  <a:tcPr marL="10915" marR="10915" marT="10915" marB="0" anchor="b"/>
+                </a:tc>
+                <a:tc>
+                  <a:txBody>
+                    <a:bodyPr/>
+                    <a:lstStyle/>
+                    <a:p>
+                      <a:pPr algn="ctr" fontAlgn="b"/>
+                      <a:r>
+                        <a:rPr lang="en-US" sz="4800" u="none" strike="noStrike">
+                          <a:effectLst/>
+                        </a:rPr>
+                        <a:t> </a:t>
+                      </a:r>
+                      <a:endParaRPr lang="en-US" sz="4800" b="1" i="0" u="none" strike="noStrike">
+                        <a:solidFill>
+                          <a:srgbClr val="000000"/>
+                        </a:solidFill>
+                        <a:effectLst/>
+                        <a:latin typeface="Calibri" panose="020F0502020204030204" pitchFamily="34" charset="0"/>
+                      </a:endParaRPr>
+                    </a:p>
+                  </a:txBody>
+                  <a:tcPr marL="10915" marR="10915" marT="10915" marB="0" anchor="b"/>
+                </a:tc>
+                <a:tc>
+                  <a:txBody>
+                    <a:bodyPr/>
+                    <a:lstStyle/>
+                    <a:p>
+                      <a:pPr algn="ctr" fontAlgn="b"/>
+                      <a:r>
+                        <a:rPr lang="en-US" sz="4800" u="none" strike="noStrike">
+                          <a:effectLst/>
+                        </a:rPr>
+                        <a:t> </a:t>
+                      </a:r>
+                      <a:endParaRPr lang="en-US" sz="4800" b="1" i="0" u="none" strike="noStrike">
+                        <a:solidFill>
+                          <a:srgbClr val="000000"/>
+                        </a:solidFill>
+                        <a:effectLst/>
+                        <a:latin typeface="Calibri" panose="020F0502020204030204" pitchFamily="34" charset="0"/>
+                      </a:endParaRPr>
+                    </a:p>
+                  </a:txBody>
+                  <a:tcPr marL="10915" marR="10915" marT="10915" marB="0" anchor="b"/>
+                </a:tc>
+                <a:tc>
+                  <a:txBody>
+                    <a:bodyPr/>
+                    <a:lstStyle/>
+                    <a:p>
+                      <a:pPr algn="ctr" fontAlgn="b"/>
+                      <a:r>
+                        <a:rPr lang="en-US" sz="4800" u="none" strike="noStrike">
+                          <a:effectLst/>
+                        </a:rPr>
+                        <a:t>+</a:t>
+                      </a:r>
+                      <a:endParaRPr lang="en-US" sz="4800" b="1" i="0" u="none" strike="noStrike">
+                        <a:solidFill>
+                          <a:srgbClr val="006100"/>
+                        </a:solidFill>
+                        <a:effectLst/>
+                        <a:latin typeface="Calibri" panose="020F0502020204030204" pitchFamily="34" charset="0"/>
+                      </a:endParaRPr>
+                    </a:p>
+                  </a:txBody>
+                  <a:tcPr marL="10915" marR="10915" marT="10915" marB="0" anchor="b"/>
+                </a:tc>
+                <a:tc>
+                  <a:txBody>
+                    <a:bodyPr/>
+                    <a:lstStyle/>
+                    <a:p>
+                      <a:pPr algn="ctr" fontAlgn="b"/>
+                      <a:r>
+                        <a:rPr lang="en-US" sz="4800" u="none" strike="noStrike">
+                          <a:effectLst/>
+                        </a:rPr>
+                        <a:t> </a:t>
+                      </a:r>
+                      <a:endParaRPr lang="en-US" sz="4800" b="1" i="0" u="none" strike="noStrike">
+                        <a:solidFill>
+                          <a:srgbClr val="000000"/>
+                        </a:solidFill>
+                        <a:effectLst/>
+                        <a:latin typeface="Calibri" panose="020F0502020204030204" pitchFamily="34" charset="0"/>
+                      </a:endParaRPr>
+                    </a:p>
+                  </a:txBody>
+                  <a:tcPr marL="10915" marR="10915" marT="10915" marB="0" anchor="b"/>
+                </a:tc>
+                <a:tc>
+                  <a:txBody>
+                    <a:bodyPr/>
+                    <a:lstStyle/>
+                    <a:p>
+                      <a:pPr algn="ctr" fontAlgn="b"/>
+                      <a:r>
+                        <a:rPr lang="en-US" sz="4800" u="none" strike="noStrike">
+                          <a:effectLst/>
+                        </a:rPr>
+                        <a:t>+</a:t>
+                      </a:r>
+                      <a:endParaRPr lang="en-US" sz="4800" b="1" i="0" u="none" strike="noStrike">
+                        <a:solidFill>
+                          <a:srgbClr val="006100"/>
+                        </a:solidFill>
+                        <a:effectLst/>
+                        <a:latin typeface="Calibri" panose="020F0502020204030204" pitchFamily="34" charset="0"/>
+                      </a:endParaRPr>
+                    </a:p>
+                  </a:txBody>
+                  <a:tcPr marL="10915" marR="10915" marT="10915" marB="0" anchor="b"/>
+                </a:tc>
+                <a:extLst>
+                  <a:ext uri="{0D108BD9-81ED-4DB2-BD59-A6C34878D82A}">
+                    <a16:rowId xmlns:a16="http://schemas.microsoft.com/office/drawing/2014/main" val="3874510719"/>
+                  </a:ext>
+                </a:extLst>
+              </a:tr>
+              <a:tr h="1166554">
+                <a:tc>
+                  <a:txBody>
+                    <a:bodyPr/>
+                    <a:lstStyle/>
+                    <a:p>
+                      <a:pPr algn="ctr" fontAlgn="ctr"/>
+                      <a:r>
+                        <a:rPr lang="en-US" sz="3600" u="none" strike="noStrike">
+                          <a:effectLst/>
+                        </a:rPr>
+                        <a:t>Experienced Students</a:t>
+                      </a:r>
+                      <a:endParaRPr lang="en-US" sz="3600" b="0" i="0" u="none" strike="noStrike">
+                        <a:solidFill>
+                          <a:srgbClr val="000000"/>
+                        </a:solidFill>
+                        <a:effectLst/>
+                        <a:latin typeface="Calibri" panose="020F0502020204030204" pitchFamily="34" charset="0"/>
+                      </a:endParaRPr>
+                    </a:p>
+                  </a:txBody>
+                  <a:tcPr marL="10915" marR="10915" marT="10915" marB="0" anchor="ctr"/>
+                </a:tc>
+                <a:tc>
+                  <a:txBody>
+                    <a:bodyPr/>
+                    <a:lstStyle/>
+                    <a:p>
+                      <a:pPr algn="ctr" fontAlgn="b"/>
+                      <a:r>
+                        <a:rPr lang="en-US" sz="4800" u="none" strike="noStrike">
+                          <a:effectLst/>
+                        </a:rPr>
+                        <a:t>+</a:t>
+                      </a:r>
+                      <a:endParaRPr lang="en-US" sz="4800" b="1" i="0" u="none" strike="noStrike">
+                        <a:solidFill>
+                          <a:srgbClr val="006100"/>
+                        </a:solidFill>
+                        <a:effectLst/>
+                        <a:latin typeface="Calibri" panose="020F0502020204030204" pitchFamily="34" charset="0"/>
+                      </a:endParaRPr>
+                    </a:p>
+                  </a:txBody>
+                  <a:tcPr marL="10915" marR="10915" marT="10915" marB="0" anchor="b"/>
+                </a:tc>
+                <a:tc>
+                  <a:txBody>
+                    <a:bodyPr/>
+                    <a:lstStyle/>
+                    <a:p>
+                      <a:pPr algn="ctr" fontAlgn="b"/>
+                      <a:r>
+                        <a:rPr lang="en-US" sz="4800" u="none" strike="noStrike" dirty="0">
+                          <a:effectLst/>
+                        </a:rPr>
+                        <a:t> </a:t>
+                      </a:r>
+                      <a:endParaRPr lang="en-US" sz="4800" b="1" i="0" u="none" strike="noStrike" dirty="0">
+                        <a:solidFill>
+                          <a:srgbClr val="000000"/>
+                        </a:solidFill>
+                        <a:effectLst/>
+                        <a:latin typeface="Calibri" panose="020F0502020204030204" pitchFamily="34" charset="0"/>
+                      </a:endParaRPr>
+                    </a:p>
+                  </a:txBody>
+                  <a:tcPr marL="10915" marR="10915" marT="10915" marB="0" anchor="b"/>
+                </a:tc>
+                <a:tc>
+                  <a:txBody>
+                    <a:bodyPr/>
+                    <a:lstStyle/>
+                    <a:p>
+                      <a:pPr algn="ctr" fontAlgn="b"/>
+                      <a:r>
+                        <a:rPr lang="en-US" sz="4800" u="none" strike="noStrike" dirty="0">
+                          <a:effectLst/>
+                        </a:rPr>
+                        <a:t> </a:t>
+                      </a:r>
+                      <a:endParaRPr lang="en-US" sz="4800" b="1" i="0" u="none" strike="noStrike" dirty="0">
+                        <a:solidFill>
+                          <a:srgbClr val="000000"/>
+                        </a:solidFill>
+                        <a:effectLst/>
+                        <a:latin typeface="Calibri" panose="020F0502020204030204" pitchFamily="34" charset="0"/>
+                      </a:endParaRPr>
+                    </a:p>
+                  </a:txBody>
+                  <a:tcPr marL="10915" marR="10915" marT="10915" marB="0" anchor="b"/>
+                </a:tc>
+                <a:tc>
+                  <a:txBody>
+                    <a:bodyPr/>
+                    <a:lstStyle/>
+                    <a:p>
+                      <a:pPr algn="ctr" fontAlgn="b"/>
+                      <a:r>
+                        <a:rPr lang="en-US" sz="4800" u="none" strike="noStrike" dirty="0">
+                          <a:effectLst/>
+                        </a:rPr>
+                        <a:t> </a:t>
+                      </a:r>
+                      <a:endParaRPr lang="en-US" sz="4800" b="1" i="0" u="none" strike="noStrike" dirty="0">
+                        <a:solidFill>
+                          <a:srgbClr val="000000"/>
+                        </a:solidFill>
+                        <a:effectLst/>
+                        <a:latin typeface="Calibri" panose="020F0502020204030204" pitchFamily="34" charset="0"/>
+                      </a:endParaRPr>
+                    </a:p>
+                  </a:txBody>
+                  <a:tcPr marL="10915" marR="10915" marT="10915" marB="0" anchor="b"/>
+                </a:tc>
+                <a:tc>
+                  <a:txBody>
+                    <a:bodyPr/>
+                    <a:lstStyle/>
+                    <a:p>
+                      <a:pPr algn="ctr" fontAlgn="b"/>
+                      <a:r>
+                        <a:rPr lang="en-US" sz="4800" u="none" strike="noStrike" dirty="0">
+                          <a:effectLst/>
+                        </a:rPr>
+                        <a:t>+</a:t>
+                      </a:r>
+                      <a:endParaRPr lang="en-US" sz="4800" b="1" i="0" u="none" strike="noStrike" dirty="0">
+                        <a:solidFill>
+                          <a:srgbClr val="006100"/>
+                        </a:solidFill>
+                        <a:effectLst/>
+                        <a:latin typeface="Calibri" panose="020F0502020204030204" pitchFamily="34" charset="0"/>
+                      </a:endParaRPr>
+                    </a:p>
+                  </a:txBody>
+                  <a:tcPr marL="10915" marR="10915" marT="10915" marB="0" anchor="b"/>
+                </a:tc>
+                <a:tc>
+                  <a:txBody>
+                    <a:bodyPr/>
+                    <a:lstStyle/>
+                    <a:p>
+                      <a:pPr algn="ctr" fontAlgn="b"/>
+                      <a:r>
+                        <a:rPr lang="en-US" sz="4800" u="none" strike="noStrike">
+                          <a:effectLst/>
+                        </a:rPr>
+                        <a:t> </a:t>
+                      </a:r>
+                      <a:endParaRPr lang="en-US" sz="4800" b="1" i="0" u="none" strike="noStrike">
+                        <a:solidFill>
+                          <a:srgbClr val="000000"/>
+                        </a:solidFill>
+                        <a:effectLst/>
+                        <a:latin typeface="Calibri" panose="020F0502020204030204" pitchFamily="34" charset="0"/>
+                      </a:endParaRPr>
+                    </a:p>
+                  </a:txBody>
+                  <a:tcPr marL="10915" marR="10915" marT="10915" marB="0" anchor="b"/>
+                </a:tc>
+                <a:tc>
+                  <a:txBody>
+                    <a:bodyPr/>
+                    <a:lstStyle/>
+                    <a:p>
+                      <a:pPr algn="ctr" fontAlgn="b"/>
+                      <a:r>
+                        <a:rPr lang="en-US" sz="4800" u="none" strike="noStrike" dirty="0">
+                          <a:effectLst/>
+                        </a:rPr>
+                        <a:t> </a:t>
+                      </a:r>
+                      <a:endParaRPr lang="en-US" sz="4800" b="1" i="0" u="none" strike="noStrike" dirty="0">
+                        <a:solidFill>
+                          <a:srgbClr val="000000"/>
+                        </a:solidFill>
+                        <a:effectLst/>
+                        <a:latin typeface="Calibri" panose="020F0502020204030204" pitchFamily="34" charset="0"/>
+                      </a:endParaRPr>
+                    </a:p>
+                  </a:txBody>
+                  <a:tcPr marL="10915" marR="10915" marT="10915" marB="0" anchor="b"/>
+                </a:tc>
+                <a:tc>
+                  <a:txBody>
+                    <a:bodyPr/>
+                    <a:lstStyle/>
+                    <a:p>
+                      <a:pPr algn="ctr" fontAlgn="b"/>
+                      <a:r>
+                        <a:rPr lang="en-US" sz="4800" u="none" strike="noStrike">
+                          <a:effectLst/>
+                        </a:rPr>
+                        <a:t> </a:t>
+                      </a:r>
+                      <a:endParaRPr lang="en-US" sz="4800" b="1" i="0" u="none" strike="noStrike">
+                        <a:solidFill>
+                          <a:srgbClr val="000000"/>
+                        </a:solidFill>
+                        <a:effectLst/>
+                        <a:latin typeface="Calibri" panose="020F0502020204030204" pitchFamily="34" charset="0"/>
+                      </a:endParaRPr>
+                    </a:p>
+                  </a:txBody>
+                  <a:tcPr marL="10915" marR="10915" marT="10915" marB="0" anchor="b"/>
+                </a:tc>
+                <a:tc>
+                  <a:txBody>
+                    <a:bodyPr/>
+                    <a:lstStyle/>
+                    <a:p>
+                      <a:pPr algn="ctr" fontAlgn="b"/>
+                      <a:r>
+                        <a:rPr lang="en-US" sz="4800" u="none" strike="noStrike">
+                          <a:effectLst/>
+                        </a:rPr>
+                        <a:t> </a:t>
+                      </a:r>
+                      <a:endParaRPr lang="en-US" sz="4800" b="1" i="0" u="none" strike="noStrike">
+                        <a:solidFill>
+                          <a:srgbClr val="000000"/>
+                        </a:solidFill>
+                        <a:effectLst/>
+                        <a:latin typeface="Calibri" panose="020F0502020204030204" pitchFamily="34" charset="0"/>
+                      </a:endParaRPr>
+                    </a:p>
+                  </a:txBody>
+                  <a:tcPr marL="10915" marR="10915" marT="10915" marB="0" anchor="b"/>
+                </a:tc>
+                <a:tc>
+                  <a:txBody>
+                    <a:bodyPr/>
+                    <a:lstStyle/>
+                    <a:p>
+                      <a:pPr algn="ctr" fontAlgn="b"/>
+                      <a:r>
+                        <a:rPr lang="en-US" sz="4800" u="none" strike="noStrike">
+                          <a:effectLst/>
+                        </a:rPr>
+                        <a:t>+</a:t>
+                      </a:r>
+                      <a:endParaRPr lang="en-US" sz="4800" b="1" i="0" u="none" strike="noStrike">
+                        <a:solidFill>
+                          <a:srgbClr val="006100"/>
+                        </a:solidFill>
+                        <a:effectLst/>
+                        <a:latin typeface="Calibri" panose="020F0502020204030204" pitchFamily="34" charset="0"/>
+                      </a:endParaRPr>
+                    </a:p>
+                  </a:txBody>
+                  <a:tcPr marL="10915" marR="10915" marT="10915" marB="0" anchor="b"/>
+                </a:tc>
+                <a:tc>
+                  <a:txBody>
+                    <a:bodyPr/>
+                    <a:lstStyle/>
+                    <a:p>
+                      <a:pPr algn="ctr" fontAlgn="b"/>
+                      <a:r>
+                        <a:rPr lang="en-US" sz="4800" u="none" strike="noStrike">
+                          <a:effectLst/>
+                        </a:rPr>
+                        <a:t> </a:t>
+                      </a:r>
+                      <a:endParaRPr lang="en-US" sz="4800" b="1" i="0" u="none" strike="noStrike">
+                        <a:solidFill>
+                          <a:srgbClr val="000000"/>
+                        </a:solidFill>
+                        <a:effectLst/>
+                        <a:latin typeface="Calibri" panose="020F0502020204030204" pitchFamily="34" charset="0"/>
+                      </a:endParaRPr>
+                    </a:p>
+                  </a:txBody>
+                  <a:tcPr marL="10915" marR="10915" marT="10915" marB="0" anchor="b"/>
+                </a:tc>
+                <a:tc>
+                  <a:txBody>
+                    <a:bodyPr/>
+                    <a:lstStyle/>
+                    <a:p>
+                      <a:pPr algn="ctr" fontAlgn="b"/>
+                      <a:r>
+                        <a:rPr lang="en-US" sz="4800" u="none" strike="noStrike">
+                          <a:effectLst/>
+                        </a:rPr>
+                        <a:t>+</a:t>
+                      </a:r>
+                      <a:endParaRPr lang="en-US" sz="4800" b="1" i="0" u="none" strike="noStrike">
+                        <a:solidFill>
+                          <a:srgbClr val="006100"/>
+                        </a:solidFill>
+                        <a:effectLst/>
+                        <a:latin typeface="Calibri" panose="020F0502020204030204" pitchFamily="34" charset="0"/>
+                      </a:endParaRPr>
+                    </a:p>
+                  </a:txBody>
+                  <a:tcPr marL="10915" marR="10915" marT="10915" marB="0" anchor="b"/>
+                </a:tc>
+                <a:extLst>
+                  <a:ext uri="{0D108BD9-81ED-4DB2-BD59-A6C34878D82A}">
+                    <a16:rowId xmlns:a16="http://schemas.microsoft.com/office/drawing/2014/main" val="4265211922"/>
+                  </a:ext>
+                </a:extLst>
+              </a:tr>
+              <a:tr h="1166554">
+                <a:tc>
+                  <a:txBody>
+                    <a:bodyPr/>
+                    <a:lstStyle/>
+                    <a:p>
+                      <a:pPr algn="ctr" fontAlgn="ctr"/>
+                      <a:r>
+                        <a:rPr lang="en-US" sz="3600" u="none" strike="noStrike" dirty="0" smtClean="0">
+                          <a:effectLst/>
+                        </a:rPr>
+                        <a:t>Unexperienced </a:t>
+                      </a:r>
+                      <a:r>
+                        <a:rPr lang="en-US" sz="3600" u="none" strike="noStrike" dirty="0">
+                          <a:effectLst/>
+                        </a:rPr>
+                        <a:t>Students</a:t>
+                      </a:r>
+                      <a:endParaRPr lang="en-US" sz="3600" b="0" i="0" u="none" strike="noStrike" dirty="0">
+                        <a:solidFill>
+                          <a:srgbClr val="000000"/>
+                        </a:solidFill>
+                        <a:effectLst/>
+                        <a:latin typeface="Calibri" panose="020F0502020204030204" pitchFamily="34" charset="0"/>
+                      </a:endParaRPr>
+                    </a:p>
+                  </a:txBody>
+                  <a:tcPr marL="10915" marR="10915" marT="10915" marB="0" anchor="ctr"/>
+                </a:tc>
+                <a:tc>
+                  <a:txBody>
+                    <a:bodyPr/>
+                    <a:lstStyle/>
+                    <a:p>
+                      <a:pPr algn="ctr" fontAlgn="b"/>
+                      <a:r>
+                        <a:rPr lang="en-US" sz="4800" u="none" strike="noStrike">
+                          <a:effectLst/>
+                        </a:rPr>
+                        <a:t>+</a:t>
+                      </a:r>
+                      <a:endParaRPr lang="en-US" sz="4800" b="1" i="0" u="none" strike="noStrike">
+                        <a:solidFill>
+                          <a:srgbClr val="006100"/>
+                        </a:solidFill>
+                        <a:effectLst/>
+                        <a:latin typeface="Calibri" panose="020F0502020204030204" pitchFamily="34" charset="0"/>
+                      </a:endParaRPr>
+                    </a:p>
+                  </a:txBody>
+                  <a:tcPr marL="10915" marR="10915" marT="10915" marB="0" anchor="b"/>
+                </a:tc>
+                <a:tc>
+                  <a:txBody>
+                    <a:bodyPr/>
+                    <a:lstStyle/>
+                    <a:p>
+                      <a:pPr algn="ctr" fontAlgn="b"/>
+                      <a:r>
+                        <a:rPr lang="en-US" sz="4800" u="none" strike="noStrike">
+                          <a:effectLst/>
+                        </a:rPr>
+                        <a:t> </a:t>
+                      </a:r>
+                      <a:endParaRPr lang="en-US" sz="4800" b="1" i="0" u="none" strike="noStrike">
+                        <a:solidFill>
+                          <a:srgbClr val="000000"/>
+                        </a:solidFill>
+                        <a:effectLst/>
+                        <a:latin typeface="Calibri" panose="020F0502020204030204" pitchFamily="34" charset="0"/>
+                      </a:endParaRPr>
+                    </a:p>
+                  </a:txBody>
+                  <a:tcPr marL="10915" marR="10915" marT="10915" marB="0" anchor="b"/>
+                </a:tc>
+                <a:tc>
+                  <a:txBody>
+                    <a:bodyPr/>
+                    <a:lstStyle/>
+                    <a:p>
+                      <a:pPr algn="ctr" fontAlgn="b"/>
+                      <a:r>
+                        <a:rPr lang="en-US" sz="4800" u="none" strike="noStrike">
+                          <a:effectLst/>
+                        </a:rPr>
+                        <a:t> </a:t>
+                      </a:r>
+                      <a:endParaRPr lang="en-US" sz="4800" b="1" i="0" u="none" strike="noStrike">
+                        <a:solidFill>
+                          <a:srgbClr val="000000"/>
+                        </a:solidFill>
+                        <a:effectLst/>
+                        <a:latin typeface="Calibri" panose="020F0502020204030204" pitchFamily="34" charset="0"/>
+                      </a:endParaRPr>
+                    </a:p>
+                  </a:txBody>
+                  <a:tcPr marL="10915" marR="10915" marT="10915" marB="0" anchor="b"/>
+                </a:tc>
+                <a:tc>
+                  <a:txBody>
+                    <a:bodyPr/>
+                    <a:lstStyle/>
+                    <a:p>
+                      <a:pPr algn="ctr" fontAlgn="b"/>
+                      <a:r>
+                        <a:rPr lang="en-US" sz="4800" u="none" strike="noStrike" dirty="0">
+                          <a:effectLst/>
+                        </a:rPr>
+                        <a:t>-</a:t>
+                      </a:r>
+                      <a:endParaRPr lang="en-US" sz="4800" b="1" i="0" u="none" strike="noStrike" dirty="0">
+                        <a:solidFill>
+                          <a:srgbClr val="9C0006"/>
+                        </a:solidFill>
+                        <a:effectLst/>
+                        <a:latin typeface="Calibri" panose="020F0502020204030204" pitchFamily="34" charset="0"/>
+                      </a:endParaRPr>
+                    </a:p>
+                  </a:txBody>
+                  <a:tcPr marL="10915" marR="10915" marT="10915" marB="0" anchor="b"/>
+                </a:tc>
+                <a:tc>
+                  <a:txBody>
+                    <a:bodyPr/>
+                    <a:lstStyle/>
+                    <a:p>
+                      <a:pPr algn="ctr" fontAlgn="b"/>
+                      <a:r>
+                        <a:rPr lang="en-US" sz="4800" u="none" strike="noStrike" dirty="0">
+                          <a:effectLst/>
+                        </a:rPr>
+                        <a:t> </a:t>
+                      </a:r>
+                      <a:endParaRPr lang="en-US" sz="4800" b="1" i="0" u="none" strike="noStrike" dirty="0">
+                        <a:solidFill>
+                          <a:srgbClr val="000000"/>
+                        </a:solidFill>
+                        <a:effectLst/>
+                        <a:latin typeface="Calibri" panose="020F0502020204030204" pitchFamily="34" charset="0"/>
+                      </a:endParaRPr>
+                    </a:p>
+                  </a:txBody>
+                  <a:tcPr marL="10915" marR="10915" marT="10915" marB="0" anchor="b"/>
+                </a:tc>
+                <a:tc>
+                  <a:txBody>
+                    <a:bodyPr/>
+                    <a:lstStyle/>
+                    <a:p>
+                      <a:pPr algn="ctr" fontAlgn="b"/>
+                      <a:r>
+                        <a:rPr lang="en-US" sz="4800" u="none" strike="noStrike" dirty="0">
+                          <a:effectLst/>
+                        </a:rPr>
+                        <a:t> </a:t>
+                      </a:r>
+                      <a:endParaRPr lang="en-US" sz="4800" b="1" i="0" u="none" strike="noStrike" dirty="0">
+                        <a:solidFill>
+                          <a:srgbClr val="000000"/>
+                        </a:solidFill>
+                        <a:effectLst/>
+                        <a:latin typeface="Calibri" panose="020F0502020204030204" pitchFamily="34" charset="0"/>
+                      </a:endParaRPr>
+                    </a:p>
+                  </a:txBody>
+                  <a:tcPr marL="10915" marR="10915" marT="10915" marB="0" anchor="b"/>
+                </a:tc>
+                <a:tc>
+                  <a:txBody>
+                    <a:bodyPr/>
+                    <a:lstStyle/>
+                    <a:p>
+                      <a:pPr algn="ctr" fontAlgn="b"/>
+                      <a:r>
+                        <a:rPr lang="en-US" sz="4800" u="none" strike="noStrike" dirty="0">
+                          <a:effectLst/>
+                        </a:rPr>
+                        <a:t> </a:t>
+                      </a:r>
+                      <a:endParaRPr lang="en-US" sz="4800" b="1" i="0" u="none" strike="noStrike" dirty="0">
+                        <a:solidFill>
+                          <a:srgbClr val="000000"/>
+                        </a:solidFill>
+                        <a:effectLst/>
+                        <a:latin typeface="Calibri" panose="020F0502020204030204" pitchFamily="34" charset="0"/>
+                      </a:endParaRPr>
+                    </a:p>
+                  </a:txBody>
+                  <a:tcPr marL="10915" marR="10915" marT="10915" marB="0" anchor="b"/>
+                </a:tc>
+                <a:tc>
+                  <a:txBody>
+                    <a:bodyPr/>
+                    <a:lstStyle/>
+                    <a:p>
+                      <a:pPr algn="ctr" fontAlgn="b"/>
+                      <a:r>
+                        <a:rPr lang="en-US" sz="4800" u="none" strike="noStrike" dirty="0">
+                          <a:effectLst/>
+                        </a:rPr>
+                        <a:t> </a:t>
+                      </a:r>
+                      <a:endParaRPr lang="en-US" sz="4800" b="1" i="0" u="none" strike="noStrike" dirty="0">
+                        <a:solidFill>
+                          <a:srgbClr val="000000"/>
+                        </a:solidFill>
+                        <a:effectLst/>
+                        <a:latin typeface="Calibri" panose="020F0502020204030204" pitchFamily="34" charset="0"/>
+                      </a:endParaRPr>
+                    </a:p>
+                  </a:txBody>
+                  <a:tcPr marL="10915" marR="10915" marT="10915" marB="0" anchor="b"/>
+                </a:tc>
+                <a:tc>
+                  <a:txBody>
+                    <a:bodyPr/>
+                    <a:lstStyle/>
+                    <a:p>
+                      <a:pPr algn="ctr" fontAlgn="b"/>
+                      <a:r>
+                        <a:rPr lang="en-US" sz="4800" u="none" strike="noStrike" dirty="0">
+                          <a:effectLst/>
+                        </a:rPr>
+                        <a:t> </a:t>
+                      </a:r>
+                      <a:endParaRPr lang="en-US" sz="4800" b="1" i="0" u="none" strike="noStrike" dirty="0">
+                        <a:solidFill>
+                          <a:srgbClr val="000000"/>
+                        </a:solidFill>
+                        <a:effectLst/>
+                        <a:latin typeface="Calibri" panose="020F0502020204030204" pitchFamily="34" charset="0"/>
+                      </a:endParaRPr>
+                    </a:p>
+                  </a:txBody>
+                  <a:tcPr marL="10915" marR="10915" marT="10915" marB="0" anchor="b"/>
+                </a:tc>
+                <a:tc>
+                  <a:txBody>
+                    <a:bodyPr/>
+                    <a:lstStyle/>
+                    <a:p>
+                      <a:pPr algn="ctr" fontAlgn="b"/>
+                      <a:r>
+                        <a:rPr lang="en-US" sz="4800" u="none" strike="noStrike">
+                          <a:effectLst/>
+                        </a:rPr>
+                        <a:t> </a:t>
+                      </a:r>
+                      <a:endParaRPr lang="en-US" sz="4800" b="1" i="0" u="none" strike="noStrike">
+                        <a:solidFill>
+                          <a:srgbClr val="000000"/>
+                        </a:solidFill>
+                        <a:effectLst/>
+                        <a:latin typeface="Calibri" panose="020F0502020204030204" pitchFamily="34" charset="0"/>
+                      </a:endParaRPr>
+                    </a:p>
+                  </a:txBody>
+                  <a:tcPr marL="10915" marR="10915" marT="10915" marB="0" anchor="b"/>
+                </a:tc>
+                <a:tc>
+                  <a:txBody>
+                    <a:bodyPr/>
+                    <a:lstStyle/>
+                    <a:p>
+                      <a:pPr algn="ctr" fontAlgn="b"/>
+                      <a:r>
+                        <a:rPr lang="en-US" sz="4800" u="none" strike="noStrike">
+                          <a:effectLst/>
+                        </a:rPr>
+                        <a:t> </a:t>
+                      </a:r>
+                      <a:endParaRPr lang="en-US" sz="4800" b="1" i="0" u="none" strike="noStrike">
+                        <a:solidFill>
+                          <a:srgbClr val="000000"/>
+                        </a:solidFill>
+                        <a:effectLst/>
+                        <a:latin typeface="Calibri" panose="020F0502020204030204" pitchFamily="34" charset="0"/>
+                      </a:endParaRPr>
+                    </a:p>
+                  </a:txBody>
+                  <a:tcPr marL="10915" marR="10915" marT="10915" marB="0" anchor="b"/>
+                </a:tc>
+                <a:tc>
+                  <a:txBody>
+                    <a:bodyPr/>
+                    <a:lstStyle/>
+                    <a:p>
+                      <a:pPr algn="ctr" fontAlgn="b"/>
+                      <a:r>
+                        <a:rPr lang="en-US" sz="4800" u="none" strike="noStrike">
+                          <a:effectLst/>
+                        </a:rPr>
+                        <a:t> </a:t>
+                      </a:r>
+                      <a:endParaRPr lang="en-US" sz="4800" b="1" i="0" u="none" strike="noStrike">
+                        <a:solidFill>
+                          <a:srgbClr val="000000"/>
+                        </a:solidFill>
+                        <a:effectLst/>
+                        <a:latin typeface="Calibri" panose="020F0502020204030204" pitchFamily="34" charset="0"/>
+                      </a:endParaRPr>
+                    </a:p>
+                  </a:txBody>
+                  <a:tcPr marL="10915" marR="10915" marT="10915" marB="0" anchor="b"/>
+                </a:tc>
+                <a:extLst>
+                  <a:ext uri="{0D108BD9-81ED-4DB2-BD59-A6C34878D82A}">
+                    <a16:rowId xmlns:a16="http://schemas.microsoft.com/office/drawing/2014/main" val="66295971"/>
+                  </a:ext>
+                </a:extLst>
+              </a:tr>
+              <a:tr h="781795">
+                <a:tc>
+                  <a:txBody>
+                    <a:bodyPr/>
+                    <a:lstStyle/>
+                    <a:p>
+                      <a:pPr algn="ctr" fontAlgn="ctr"/>
+                      <a:r>
+                        <a:rPr lang="en-US" sz="3600" u="none" strike="noStrike">
+                          <a:effectLst/>
+                        </a:rPr>
+                        <a:t>First Attempt</a:t>
+                      </a:r>
+                      <a:endParaRPr lang="en-US" sz="3600" b="0" i="0" u="none" strike="noStrike">
+                        <a:solidFill>
+                          <a:srgbClr val="000000"/>
+                        </a:solidFill>
+                        <a:effectLst/>
+                        <a:latin typeface="Calibri" panose="020F0502020204030204" pitchFamily="34" charset="0"/>
+                      </a:endParaRPr>
+                    </a:p>
+                  </a:txBody>
+                  <a:tcPr marL="10915" marR="10915" marT="10915" marB="0" anchor="ctr"/>
+                </a:tc>
+                <a:tc>
+                  <a:txBody>
+                    <a:bodyPr/>
+                    <a:lstStyle/>
+                    <a:p>
+                      <a:pPr algn="ctr" fontAlgn="b"/>
+                      <a:r>
+                        <a:rPr lang="en-US" sz="4800" u="none" strike="noStrike">
+                          <a:effectLst/>
+                        </a:rPr>
+                        <a:t>+</a:t>
+                      </a:r>
+                      <a:endParaRPr lang="en-US" sz="4800" b="1" i="0" u="none" strike="noStrike">
+                        <a:solidFill>
+                          <a:srgbClr val="006100"/>
+                        </a:solidFill>
+                        <a:effectLst/>
+                        <a:latin typeface="Calibri" panose="020F0502020204030204" pitchFamily="34" charset="0"/>
+                      </a:endParaRPr>
+                    </a:p>
+                  </a:txBody>
+                  <a:tcPr marL="10915" marR="10915" marT="10915" marB="0" anchor="b"/>
+                </a:tc>
+                <a:tc>
+                  <a:txBody>
+                    <a:bodyPr/>
+                    <a:lstStyle/>
+                    <a:p>
+                      <a:pPr algn="ctr" fontAlgn="b"/>
+                      <a:r>
+                        <a:rPr lang="en-US" sz="4800" u="none" strike="noStrike">
+                          <a:effectLst/>
+                        </a:rPr>
+                        <a:t> </a:t>
+                      </a:r>
+                      <a:endParaRPr lang="en-US" sz="4800" b="1" i="0" u="none" strike="noStrike">
+                        <a:solidFill>
+                          <a:srgbClr val="000000"/>
+                        </a:solidFill>
+                        <a:effectLst/>
+                        <a:latin typeface="Calibri" panose="020F0502020204030204" pitchFamily="34" charset="0"/>
+                      </a:endParaRPr>
+                    </a:p>
+                  </a:txBody>
+                  <a:tcPr marL="10915" marR="10915" marT="10915" marB="0" anchor="b"/>
+                </a:tc>
+                <a:tc>
+                  <a:txBody>
+                    <a:bodyPr/>
+                    <a:lstStyle/>
+                    <a:p>
+                      <a:pPr algn="ctr" fontAlgn="b"/>
+                      <a:r>
+                        <a:rPr lang="en-US" sz="4800" u="none" strike="noStrike">
+                          <a:effectLst/>
+                        </a:rPr>
+                        <a:t> </a:t>
+                      </a:r>
+                      <a:endParaRPr lang="en-US" sz="4800" b="1" i="0" u="none" strike="noStrike">
+                        <a:solidFill>
+                          <a:srgbClr val="000000"/>
+                        </a:solidFill>
+                        <a:effectLst/>
+                        <a:latin typeface="Calibri" panose="020F0502020204030204" pitchFamily="34" charset="0"/>
+                      </a:endParaRPr>
+                    </a:p>
+                  </a:txBody>
+                  <a:tcPr marL="10915" marR="10915" marT="10915" marB="0" anchor="b"/>
+                </a:tc>
+                <a:tc>
+                  <a:txBody>
+                    <a:bodyPr/>
+                    <a:lstStyle/>
+                    <a:p>
+                      <a:pPr algn="ctr" fontAlgn="b"/>
+                      <a:r>
+                        <a:rPr lang="en-US" sz="4800" u="none" strike="noStrike">
+                          <a:effectLst/>
+                        </a:rPr>
+                        <a:t>-</a:t>
+                      </a:r>
+                      <a:endParaRPr lang="en-US" sz="4800" b="1" i="0" u="none" strike="noStrike">
+                        <a:solidFill>
+                          <a:srgbClr val="9C0006"/>
+                        </a:solidFill>
+                        <a:effectLst/>
+                        <a:latin typeface="Calibri" panose="020F0502020204030204" pitchFamily="34" charset="0"/>
+                      </a:endParaRPr>
+                    </a:p>
+                  </a:txBody>
+                  <a:tcPr marL="10915" marR="10915" marT="10915" marB="0" anchor="b"/>
+                </a:tc>
+                <a:tc>
+                  <a:txBody>
+                    <a:bodyPr/>
+                    <a:lstStyle/>
+                    <a:p>
+                      <a:pPr algn="ctr" fontAlgn="b"/>
+                      <a:r>
+                        <a:rPr lang="en-US" sz="4800" u="none" strike="noStrike">
+                          <a:effectLst/>
+                        </a:rPr>
+                        <a:t> </a:t>
+                      </a:r>
+                      <a:endParaRPr lang="en-US" sz="4800" b="1" i="0" u="none" strike="noStrike">
+                        <a:solidFill>
+                          <a:srgbClr val="000000"/>
+                        </a:solidFill>
+                        <a:effectLst/>
+                        <a:latin typeface="Calibri" panose="020F0502020204030204" pitchFamily="34" charset="0"/>
+                      </a:endParaRPr>
+                    </a:p>
+                  </a:txBody>
+                  <a:tcPr marL="10915" marR="10915" marT="10915" marB="0" anchor="b"/>
+                </a:tc>
+                <a:tc>
+                  <a:txBody>
+                    <a:bodyPr/>
+                    <a:lstStyle/>
+                    <a:p>
+                      <a:pPr algn="ctr" fontAlgn="b"/>
+                      <a:r>
+                        <a:rPr lang="en-US" sz="4800" u="none" strike="noStrike" dirty="0">
+                          <a:effectLst/>
+                        </a:rPr>
+                        <a:t> </a:t>
+                      </a:r>
+                      <a:endParaRPr lang="en-US" sz="4800" b="1" i="0" u="none" strike="noStrike" dirty="0">
+                        <a:solidFill>
+                          <a:srgbClr val="000000"/>
+                        </a:solidFill>
+                        <a:effectLst/>
+                        <a:latin typeface="Calibri" panose="020F0502020204030204" pitchFamily="34" charset="0"/>
+                      </a:endParaRPr>
+                    </a:p>
+                  </a:txBody>
+                  <a:tcPr marL="10915" marR="10915" marT="10915" marB="0" anchor="b"/>
+                </a:tc>
+                <a:tc>
+                  <a:txBody>
+                    <a:bodyPr/>
+                    <a:lstStyle/>
+                    <a:p>
+                      <a:pPr algn="ctr" fontAlgn="b"/>
+                      <a:r>
+                        <a:rPr lang="en-US" sz="4800" u="none" strike="noStrike" dirty="0">
+                          <a:effectLst/>
+                        </a:rPr>
+                        <a:t> </a:t>
+                      </a:r>
+                      <a:endParaRPr lang="en-US" sz="4800" b="1" i="0" u="none" strike="noStrike" dirty="0">
+                        <a:solidFill>
+                          <a:srgbClr val="000000"/>
+                        </a:solidFill>
+                        <a:effectLst/>
+                        <a:latin typeface="Calibri" panose="020F0502020204030204" pitchFamily="34" charset="0"/>
+                      </a:endParaRPr>
+                    </a:p>
+                  </a:txBody>
+                  <a:tcPr marL="10915" marR="10915" marT="10915" marB="0" anchor="b"/>
+                </a:tc>
+                <a:tc>
+                  <a:txBody>
+                    <a:bodyPr/>
+                    <a:lstStyle/>
+                    <a:p>
+                      <a:pPr algn="ctr" fontAlgn="b"/>
+                      <a:r>
+                        <a:rPr lang="en-US" sz="4800" u="none" strike="noStrike">
+                          <a:effectLst/>
+                        </a:rPr>
+                        <a:t> </a:t>
+                      </a:r>
+                      <a:endParaRPr lang="en-US" sz="4800" b="1" i="0" u="none" strike="noStrike">
+                        <a:solidFill>
+                          <a:srgbClr val="000000"/>
+                        </a:solidFill>
+                        <a:effectLst/>
+                        <a:latin typeface="Calibri" panose="020F0502020204030204" pitchFamily="34" charset="0"/>
+                      </a:endParaRPr>
+                    </a:p>
+                  </a:txBody>
+                  <a:tcPr marL="10915" marR="10915" marT="10915" marB="0" anchor="b"/>
+                </a:tc>
+                <a:tc>
+                  <a:txBody>
+                    <a:bodyPr/>
+                    <a:lstStyle/>
+                    <a:p>
+                      <a:pPr algn="ctr" fontAlgn="b"/>
+                      <a:r>
+                        <a:rPr lang="en-US" sz="4800" u="none" strike="noStrike" dirty="0">
+                          <a:effectLst/>
+                        </a:rPr>
+                        <a:t> </a:t>
+                      </a:r>
+                      <a:endParaRPr lang="en-US" sz="4800" b="1" i="0" u="none" strike="noStrike" dirty="0">
+                        <a:solidFill>
+                          <a:srgbClr val="000000"/>
+                        </a:solidFill>
+                        <a:effectLst/>
+                        <a:latin typeface="Calibri" panose="020F0502020204030204" pitchFamily="34" charset="0"/>
+                      </a:endParaRPr>
+                    </a:p>
+                  </a:txBody>
+                  <a:tcPr marL="10915" marR="10915" marT="10915" marB="0" anchor="b"/>
+                </a:tc>
+                <a:tc>
+                  <a:txBody>
+                    <a:bodyPr/>
+                    <a:lstStyle/>
+                    <a:p>
+                      <a:pPr algn="ctr" fontAlgn="b"/>
+                      <a:r>
+                        <a:rPr lang="en-US" sz="4800" u="none" strike="noStrike">
+                          <a:effectLst/>
+                        </a:rPr>
+                        <a:t>+</a:t>
+                      </a:r>
+                      <a:endParaRPr lang="en-US" sz="4800" b="1" i="0" u="none" strike="noStrike">
+                        <a:solidFill>
+                          <a:srgbClr val="006100"/>
+                        </a:solidFill>
+                        <a:effectLst/>
+                        <a:latin typeface="Calibri" panose="020F0502020204030204" pitchFamily="34" charset="0"/>
+                      </a:endParaRPr>
+                    </a:p>
+                  </a:txBody>
+                  <a:tcPr marL="10915" marR="10915" marT="10915" marB="0" anchor="b"/>
+                </a:tc>
+                <a:tc>
+                  <a:txBody>
+                    <a:bodyPr/>
+                    <a:lstStyle/>
+                    <a:p>
+                      <a:pPr algn="ctr" fontAlgn="b"/>
+                      <a:r>
+                        <a:rPr lang="en-US" sz="4800" u="none" strike="noStrike">
+                          <a:effectLst/>
+                        </a:rPr>
+                        <a:t> </a:t>
+                      </a:r>
+                      <a:endParaRPr lang="en-US" sz="4800" b="1" i="0" u="none" strike="noStrike">
+                        <a:solidFill>
+                          <a:srgbClr val="000000"/>
+                        </a:solidFill>
+                        <a:effectLst/>
+                        <a:latin typeface="Calibri" panose="020F0502020204030204" pitchFamily="34" charset="0"/>
+                      </a:endParaRPr>
+                    </a:p>
+                  </a:txBody>
+                  <a:tcPr marL="10915" marR="10915" marT="10915" marB="0" anchor="b"/>
+                </a:tc>
+                <a:tc>
+                  <a:txBody>
+                    <a:bodyPr/>
+                    <a:lstStyle/>
+                    <a:p>
+                      <a:pPr algn="ctr" fontAlgn="b"/>
+                      <a:r>
+                        <a:rPr lang="en-US" sz="4800" u="none" strike="noStrike">
+                          <a:effectLst/>
+                        </a:rPr>
+                        <a:t>+</a:t>
+                      </a:r>
+                      <a:endParaRPr lang="en-US" sz="4800" b="1" i="0" u="none" strike="noStrike">
+                        <a:solidFill>
+                          <a:srgbClr val="006100"/>
+                        </a:solidFill>
+                        <a:effectLst/>
+                        <a:latin typeface="Calibri" panose="020F0502020204030204" pitchFamily="34" charset="0"/>
+                      </a:endParaRPr>
+                    </a:p>
+                  </a:txBody>
+                  <a:tcPr marL="10915" marR="10915" marT="10915" marB="0" anchor="b"/>
+                </a:tc>
+                <a:extLst>
+                  <a:ext uri="{0D108BD9-81ED-4DB2-BD59-A6C34878D82A}">
+                    <a16:rowId xmlns:a16="http://schemas.microsoft.com/office/drawing/2014/main" val="2096629234"/>
+                  </a:ext>
+                </a:extLst>
+              </a:tr>
+              <a:tr h="781795">
+                <a:tc>
+                  <a:txBody>
+                    <a:bodyPr/>
+                    <a:lstStyle/>
+                    <a:p>
+                      <a:pPr algn="ctr" fontAlgn="ctr"/>
+                      <a:r>
+                        <a:rPr lang="en-US" sz="3600" u="none" strike="noStrike">
+                          <a:effectLst/>
+                        </a:rPr>
+                        <a:t>2nd+ Attempt</a:t>
+                      </a:r>
+                      <a:endParaRPr lang="en-US" sz="3600" b="0" i="0" u="none" strike="noStrike">
+                        <a:solidFill>
+                          <a:srgbClr val="006100"/>
+                        </a:solidFill>
+                        <a:effectLst/>
+                        <a:latin typeface="Calibri" panose="020F0502020204030204" pitchFamily="34" charset="0"/>
+                      </a:endParaRPr>
+                    </a:p>
+                  </a:txBody>
+                  <a:tcPr marL="10915" marR="10915" marT="10915" marB="0" anchor="ctr"/>
+                </a:tc>
+                <a:tc>
+                  <a:txBody>
+                    <a:bodyPr/>
+                    <a:lstStyle/>
+                    <a:p>
+                      <a:pPr algn="ctr" fontAlgn="b"/>
+                      <a:r>
+                        <a:rPr lang="en-US" sz="4800" u="none" strike="noStrike">
+                          <a:effectLst/>
+                        </a:rPr>
+                        <a:t>+</a:t>
+                      </a:r>
+                      <a:endParaRPr lang="en-US" sz="4800" b="1" i="0" u="none" strike="noStrike">
+                        <a:solidFill>
+                          <a:srgbClr val="006100"/>
+                        </a:solidFill>
+                        <a:effectLst/>
+                        <a:latin typeface="Calibri" panose="020F0502020204030204" pitchFamily="34" charset="0"/>
+                      </a:endParaRPr>
+                    </a:p>
+                  </a:txBody>
+                  <a:tcPr marL="10915" marR="10915" marT="10915" marB="0" anchor="b"/>
+                </a:tc>
+                <a:tc>
+                  <a:txBody>
+                    <a:bodyPr/>
+                    <a:lstStyle/>
+                    <a:p>
+                      <a:pPr algn="ctr" fontAlgn="b"/>
+                      <a:r>
+                        <a:rPr lang="en-US" sz="4800" u="none" strike="noStrike">
+                          <a:effectLst/>
+                        </a:rPr>
+                        <a:t> </a:t>
+                      </a:r>
+                      <a:endParaRPr lang="en-US" sz="4800" b="1" i="0" u="none" strike="noStrike">
+                        <a:solidFill>
+                          <a:srgbClr val="000000"/>
+                        </a:solidFill>
+                        <a:effectLst/>
+                        <a:latin typeface="Calibri" panose="020F0502020204030204" pitchFamily="34" charset="0"/>
+                      </a:endParaRPr>
+                    </a:p>
+                  </a:txBody>
+                  <a:tcPr marL="10915" marR="10915" marT="10915" marB="0" anchor="b"/>
+                </a:tc>
+                <a:tc>
+                  <a:txBody>
+                    <a:bodyPr/>
+                    <a:lstStyle/>
+                    <a:p>
+                      <a:pPr algn="ctr" fontAlgn="b"/>
+                      <a:r>
+                        <a:rPr lang="en-US" sz="4800" u="none" strike="noStrike">
+                          <a:effectLst/>
+                        </a:rPr>
+                        <a:t> </a:t>
+                      </a:r>
+                      <a:endParaRPr lang="en-US" sz="4800" b="1" i="0" u="none" strike="noStrike">
+                        <a:solidFill>
+                          <a:srgbClr val="000000"/>
+                        </a:solidFill>
+                        <a:effectLst/>
+                        <a:latin typeface="Calibri" panose="020F0502020204030204" pitchFamily="34" charset="0"/>
+                      </a:endParaRPr>
+                    </a:p>
+                  </a:txBody>
+                  <a:tcPr marL="10915" marR="10915" marT="10915" marB="0" anchor="b"/>
+                </a:tc>
+                <a:tc>
+                  <a:txBody>
+                    <a:bodyPr/>
+                    <a:lstStyle/>
+                    <a:p>
+                      <a:pPr algn="ctr" fontAlgn="b"/>
+                      <a:r>
+                        <a:rPr lang="en-US" sz="4800" u="none" strike="noStrike">
+                          <a:effectLst/>
+                        </a:rPr>
+                        <a:t> </a:t>
+                      </a:r>
+                      <a:endParaRPr lang="en-US" sz="4800" b="1" i="0" u="none" strike="noStrike">
+                        <a:solidFill>
+                          <a:srgbClr val="000000"/>
+                        </a:solidFill>
+                        <a:effectLst/>
+                        <a:latin typeface="Calibri" panose="020F0502020204030204" pitchFamily="34" charset="0"/>
+                      </a:endParaRPr>
+                    </a:p>
+                  </a:txBody>
+                  <a:tcPr marL="10915" marR="10915" marT="10915" marB="0" anchor="b"/>
+                </a:tc>
+                <a:tc>
+                  <a:txBody>
+                    <a:bodyPr/>
+                    <a:lstStyle/>
+                    <a:p>
+                      <a:pPr algn="ctr" fontAlgn="b"/>
+                      <a:r>
+                        <a:rPr lang="en-US" sz="4800" u="none" strike="noStrike">
+                          <a:effectLst/>
+                        </a:rPr>
+                        <a:t> </a:t>
+                      </a:r>
+                      <a:endParaRPr lang="en-US" sz="4800" b="1" i="0" u="none" strike="noStrike">
+                        <a:solidFill>
+                          <a:srgbClr val="000000"/>
+                        </a:solidFill>
+                        <a:effectLst/>
+                        <a:latin typeface="Calibri" panose="020F0502020204030204" pitchFamily="34" charset="0"/>
+                      </a:endParaRPr>
+                    </a:p>
+                  </a:txBody>
+                  <a:tcPr marL="10915" marR="10915" marT="10915" marB="0" anchor="b"/>
+                </a:tc>
+                <a:tc>
+                  <a:txBody>
+                    <a:bodyPr/>
+                    <a:lstStyle/>
+                    <a:p>
+                      <a:pPr algn="ctr" fontAlgn="b"/>
+                      <a:r>
+                        <a:rPr lang="en-US" sz="4800" u="none" strike="noStrike">
+                          <a:effectLst/>
+                        </a:rPr>
+                        <a:t> </a:t>
+                      </a:r>
+                      <a:endParaRPr lang="en-US" sz="4800" b="1" i="0" u="none" strike="noStrike">
+                        <a:solidFill>
+                          <a:srgbClr val="000000"/>
+                        </a:solidFill>
+                        <a:effectLst/>
+                        <a:latin typeface="Calibri" panose="020F0502020204030204" pitchFamily="34" charset="0"/>
+                      </a:endParaRPr>
+                    </a:p>
+                  </a:txBody>
+                  <a:tcPr marL="10915" marR="10915" marT="10915" marB="0" anchor="b"/>
+                </a:tc>
+                <a:tc>
+                  <a:txBody>
+                    <a:bodyPr/>
+                    <a:lstStyle/>
+                    <a:p>
+                      <a:pPr algn="ctr" fontAlgn="b"/>
+                      <a:r>
+                        <a:rPr lang="en-US" sz="4800" u="none" strike="noStrike" dirty="0">
+                          <a:effectLst/>
+                        </a:rPr>
+                        <a:t> </a:t>
+                      </a:r>
+                      <a:endParaRPr lang="en-US" sz="4800" b="1" i="0" u="none" strike="noStrike" dirty="0">
+                        <a:solidFill>
+                          <a:srgbClr val="000000"/>
+                        </a:solidFill>
+                        <a:effectLst/>
+                        <a:latin typeface="Calibri" panose="020F0502020204030204" pitchFamily="34" charset="0"/>
+                      </a:endParaRPr>
+                    </a:p>
+                  </a:txBody>
+                  <a:tcPr marL="10915" marR="10915" marT="10915" marB="0" anchor="b"/>
+                </a:tc>
+                <a:tc>
+                  <a:txBody>
+                    <a:bodyPr/>
+                    <a:lstStyle/>
+                    <a:p>
+                      <a:pPr algn="ctr" fontAlgn="b"/>
+                      <a:r>
+                        <a:rPr lang="en-US" sz="4800" u="none" strike="noStrike" dirty="0">
+                          <a:effectLst/>
+                        </a:rPr>
+                        <a:t> </a:t>
+                      </a:r>
+                      <a:endParaRPr lang="en-US" sz="4800" b="1" i="0" u="none" strike="noStrike" dirty="0">
+                        <a:solidFill>
+                          <a:srgbClr val="000000"/>
+                        </a:solidFill>
+                        <a:effectLst/>
+                        <a:latin typeface="Calibri" panose="020F0502020204030204" pitchFamily="34" charset="0"/>
+                      </a:endParaRPr>
+                    </a:p>
+                  </a:txBody>
+                  <a:tcPr marL="10915" marR="10915" marT="10915" marB="0" anchor="b"/>
+                </a:tc>
+                <a:tc>
+                  <a:txBody>
+                    <a:bodyPr/>
+                    <a:lstStyle/>
+                    <a:p>
+                      <a:pPr algn="ctr" fontAlgn="b"/>
+                      <a:r>
+                        <a:rPr lang="en-US" sz="4800" u="none" strike="noStrike" dirty="0">
+                          <a:effectLst/>
+                        </a:rPr>
+                        <a:t> </a:t>
+                      </a:r>
+                      <a:endParaRPr lang="en-US" sz="4800" b="1" i="0" u="none" strike="noStrike" dirty="0">
+                        <a:solidFill>
+                          <a:srgbClr val="000000"/>
+                        </a:solidFill>
+                        <a:effectLst/>
+                        <a:latin typeface="Calibri" panose="020F0502020204030204" pitchFamily="34" charset="0"/>
+                      </a:endParaRPr>
+                    </a:p>
+                  </a:txBody>
+                  <a:tcPr marL="10915" marR="10915" marT="10915" marB="0" anchor="b"/>
+                </a:tc>
+                <a:tc>
+                  <a:txBody>
+                    <a:bodyPr/>
+                    <a:lstStyle/>
+                    <a:p>
+                      <a:pPr algn="ctr" fontAlgn="b"/>
+                      <a:r>
+                        <a:rPr lang="en-US" sz="4800" u="none" strike="noStrike" dirty="0">
+                          <a:effectLst/>
+                        </a:rPr>
+                        <a:t> </a:t>
+                      </a:r>
+                      <a:endParaRPr lang="en-US" sz="4800" b="1" i="0" u="none" strike="noStrike" dirty="0">
+                        <a:solidFill>
+                          <a:srgbClr val="000000"/>
+                        </a:solidFill>
+                        <a:effectLst/>
+                        <a:latin typeface="Calibri" panose="020F0502020204030204" pitchFamily="34" charset="0"/>
+                      </a:endParaRPr>
+                    </a:p>
+                  </a:txBody>
+                  <a:tcPr marL="10915" marR="10915" marT="10915" marB="0" anchor="b"/>
+                </a:tc>
+                <a:tc>
+                  <a:txBody>
+                    <a:bodyPr/>
+                    <a:lstStyle/>
+                    <a:p>
+                      <a:pPr algn="ctr" fontAlgn="b"/>
+                      <a:r>
+                        <a:rPr lang="en-US" sz="4800" u="none" strike="noStrike">
+                          <a:effectLst/>
+                        </a:rPr>
+                        <a:t> </a:t>
+                      </a:r>
+                      <a:endParaRPr lang="en-US" sz="4800" b="1" i="0" u="none" strike="noStrike">
+                        <a:solidFill>
+                          <a:srgbClr val="000000"/>
+                        </a:solidFill>
+                        <a:effectLst/>
+                        <a:latin typeface="Calibri" panose="020F0502020204030204" pitchFamily="34" charset="0"/>
+                      </a:endParaRPr>
+                    </a:p>
+                  </a:txBody>
+                  <a:tcPr marL="10915" marR="10915" marT="10915" marB="0" anchor="b"/>
+                </a:tc>
+                <a:tc>
+                  <a:txBody>
+                    <a:bodyPr/>
+                    <a:lstStyle/>
+                    <a:p>
+                      <a:pPr algn="ctr" fontAlgn="b"/>
+                      <a:r>
+                        <a:rPr lang="en-US" sz="4800" u="none" strike="noStrike">
+                          <a:effectLst/>
+                        </a:rPr>
+                        <a:t> </a:t>
+                      </a:r>
+                      <a:endParaRPr lang="en-US" sz="4800" b="1" i="0" u="none" strike="noStrike">
+                        <a:solidFill>
+                          <a:srgbClr val="000000"/>
+                        </a:solidFill>
+                        <a:effectLst/>
+                        <a:latin typeface="Calibri" panose="020F0502020204030204" pitchFamily="34" charset="0"/>
+                      </a:endParaRPr>
+                    </a:p>
+                  </a:txBody>
+                  <a:tcPr marL="10915" marR="10915" marT="10915" marB="0" anchor="b"/>
+                </a:tc>
+                <a:extLst>
+                  <a:ext uri="{0D108BD9-81ED-4DB2-BD59-A6C34878D82A}">
+                    <a16:rowId xmlns:a16="http://schemas.microsoft.com/office/drawing/2014/main" val="1534417951"/>
+                  </a:ext>
+                </a:extLst>
+              </a:tr>
+              <a:tr h="781795">
+                <a:tc>
+                  <a:txBody>
+                    <a:bodyPr/>
+                    <a:lstStyle/>
+                    <a:p>
+                      <a:pPr algn="ctr" fontAlgn="ctr"/>
+                      <a:r>
+                        <a:rPr lang="en-US" sz="3600" u="none" strike="noStrike">
+                          <a:effectLst/>
+                        </a:rPr>
+                        <a:t>Sophomore</a:t>
+                      </a:r>
+                      <a:endParaRPr lang="en-US" sz="3600" b="0" i="0" u="none" strike="noStrike">
+                        <a:solidFill>
+                          <a:srgbClr val="000000"/>
+                        </a:solidFill>
+                        <a:effectLst/>
+                        <a:latin typeface="Calibri" panose="020F0502020204030204" pitchFamily="34" charset="0"/>
+                      </a:endParaRPr>
+                    </a:p>
+                  </a:txBody>
+                  <a:tcPr marL="10915" marR="10915" marT="10915" marB="0" anchor="ctr"/>
+                </a:tc>
+                <a:tc>
+                  <a:txBody>
+                    <a:bodyPr/>
+                    <a:lstStyle/>
+                    <a:p>
+                      <a:pPr algn="ctr" fontAlgn="b"/>
+                      <a:r>
+                        <a:rPr lang="en-US" sz="4800" u="none" strike="noStrike">
+                          <a:effectLst/>
+                        </a:rPr>
+                        <a:t>+</a:t>
+                      </a:r>
+                      <a:endParaRPr lang="en-US" sz="4800" b="1" i="0" u="none" strike="noStrike">
+                        <a:solidFill>
+                          <a:srgbClr val="006100"/>
+                        </a:solidFill>
+                        <a:effectLst/>
+                        <a:latin typeface="Calibri" panose="020F0502020204030204" pitchFamily="34" charset="0"/>
+                      </a:endParaRPr>
+                    </a:p>
+                  </a:txBody>
+                  <a:tcPr marL="10915" marR="10915" marT="10915" marB="0" anchor="b"/>
+                </a:tc>
+                <a:tc>
+                  <a:txBody>
+                    <a:bodyPr/>
+                    <a:lstStyle/>
+                    <a:p>
+                      <a:pPr algn="ctr" fontAlgn="b"/>
+                      <a:r>
+                        <a:rPr lang="en-US" sz="4800" u="none" strike="noStrike">
+                          <a:effectLst/>
+                        </a:rPr>
+                        <a:t> </a:t>
+                      </a:r>
+                      <a:endParaRPr lang="en-US" sz="4800" b="1" i="0" u="none" strike="noStrike">
+                        <a:solidFill>
+                          <a:srgbClr val="000000"/>
+                        </a:solidFill>
+                        <a:effectLst/>
+                        <a:latin typeface="Calibri" panose="020F0502020204030204" pitchFamily="34" charset="0"/>
+                      </a:endParaRPr>
+                    </a:p>
+                  </a:txBody>
+                  <a:tcPr marL="10915" marR="10915" marT="10915" marB="0" anchor="b"/>
+                </a:tc>
+                <a:tc>
+                  <a:txBody>
+                    <a:bodyPr/>
+                    <a:lstStyle/>
+                    <a:p>
+                      <a:pPr algn="ctr" fontAlgn="b"/>
+                      <a:r>
+                        <a:rPr lang="en-US" sz="4800" u="none" strike="noStrike">
+                          <a:effectLst/>
+                        </a:rPr>
+                        <a:t> </a:t>
+                      </a:r>
+                      <a:endParaRPr lang="en-US" sz="4800" b="1" i="0" u="none" strike="noStrike">
+                        <a:solidFill>
+                          <a:srgbClr val="000000"/>
+                        </a:solidFill>
+                        <a:effectLst/>
+                        <a:latin typeface="Calibri" panose="020F0502020204030204" pitchFamily="34" charset="0"/>
+                      </a:endParaRPr>
+                    </a:p>
+                  </a:txBody>
+                  <a:tcPr marL="10915" marR="10915" marT="10915" marB="0" anchor="b"/>
+                </a:tc>
+                <a:tc>
+                  <a:txBody>
+                    <a:bodyPr/>
+                    <a:lstStyle/>
+                    <a:p>
+                      <a:pPr algn="ctr" fontAlgn="b"/>
+                      <a:r>
+                        <a:rPr lang="en-US" sz="4800" u="none" strike="noStrike">
+                          <a:effectLst/>
+                        </a:rPr>
+                        <a:t> </a:t>
+                      </a:r>
+                      <a:endParaRPr lang="en-US" sz="4800" b="1" i="0" u="none" strike="noStrike">
+                        <a:solidFill>
+                          <a:srgbClr val="000000"/>
+                        </a:solidFill>
+                        <a:effectLst/>
+                        <a:latin typeface="Calibri" panose="020F0502020204030204" pitchFamily="34" charset="0"/>
+                      </a:endParaRPr>
+                    </a:p>
+                  </a:txBody>
+                  <a:tcPr marL="10915" marR="10915" marT="10915" marB="0" anchor="b"/>
+                </a:tc>
+                <a:tc>
+                  <a:txBody>
+                    <a:bodyPr/>
+                    <a:lstStyle/>
+                    <a:p>
+                      <a:pPr algn="ctr" fontAlgn="b"/>
+                      <a:r>
+                        <a:rPr lang="en-US" sz="4800" u="none" strike="noStrike">
+                          <a:effectLst/>
+                        </a:rPr>
+                        <a:t> </a:t>
+                      </a:r>
+                      <a:endParaRPr lang="en-US" sz="4800" b="1" i="0" u="none" strike="noStrike">
+                        <a:solidFill>
+                          <a:srgbClr val="000000"/>
+                        </a:solidFill>
+                        <a:effectLst/>
+                        <a:latin typeface="Calibri" panose="020F0502020204030204" pitchFamily="34" charset="0"/>
+                      </a:endParaRPr>
+                    </a:p>
+                  </a:txBody>
+                  <a:tcPr marL="10915" marR="10915" marT="10915" marB="0" anchor="b"/>
+                </a:tc>
+                <a:tc>
+                  <a:txBody>
+                    <a:bodyPr/>
+                    <a:lstStyle/>
+                    <a:p>
+                      <a:pPr algn="ctr" fontAlgn="b"/>
+                      <a:r>
+                        <a:rPr lang="en-US" sz="4800" u="none" strike="noStrike">
+                          <a:effectLst/>
+                        </a:rPr>
+                        <a:t> </a:t>
+                      </a:r>
+                      <a:endParaRPr lang="en-US" sz="4800" b="1" i="0" u="none" strike="noStrike">
+                        <a:solidFill>
+                          <a:srgbClr val="000000"/>
+                        </a:solidFill>
+                        <a:effectLst/>
+                        <a:latin typeface="Calibri" panose="020F0502020204030204" pitchFamily="34" charset="0"/>
+                      </a:endParaRPr>
+                    </a:p>
+                  </a:txBody>
+                  <a:tcPr marL="10915" marR="10915" marT="10915" marB="0" anchor="b"/>
+                </a:tc>
+                <a:tc>
+                  <a:txBody>
+                    <a:bodyPr/>
+                    <a:lstStyle/>
+                    <a:p>
+                      <a:pPr algn="ctr" fontAlgn="b"/>
+                      <a:r>
+                        <a:rPr lang="en-US" sz="4800" u="none" strike="noStrike" dirty="0">
+                          <a:effectLst/>
+                        </a:rPr>
+                        <a:t> </a:t>
+                      </a:r>
+                      <a:endParaRPr lang="en-US" sz="4800" b="1" i="0" u="none" strike="noStrike" dirty="0">
+                        <a:solidFill>
+                          <a:srgbClr val="000000"/>
+                        </a:solidFill>
+                        <a:effectLst/>
+                        <a:latin typeface="Calibri" panose="020F0502020204030204" pitchFamily="34" charset="0"/>
+                      </a:endParaRPr>
+                    </a:p>
+                  </a:txBody>
+                  <a:tcPr marL="10915" marR="10915" marT="10915" marB="0" anchor="b"/>
+                </a:tc>
+                <a:tc>
+                  <a:txBody>
+                    <a:bodyPr/>
+                    <a:lstStyle/>
+                    <a:p>
+                      <a:pPr algn="ctr" fontAlgn="b"/>
+                      <a:r>
+                        <a:rPr lang="en-US" sz="4800" u="none" strike="noStrike" dirty="0">
+                          <a:effectLst/>
+                        </a:rPr>
+                        <a:t> </a:t>
+                      </a:r>
+                      <a:endParaRPr lang="en-US" sz="4800" b="1" i="0" u="none" strike="noStrike" dirty="0">
+                        <a:solidFill>
+                          <a:srgbClr val="000000"/>
+                        </a:solidFill>
+                        <a:effectLst/>
+                        <a:latin typeface="Calibri" panose="020F0502020204030204" pitchFamily="34" charset="0"/>
+                      </a:endParaRPr>
+                    </a:p>
+                  </a:txBody>
+                  <a:tcPr marL="10915" marR="10915" marT="10915" marB="0" anchor="b"/>
+                </a:tc>
+                <a:tc>
+                  <a:txBody>
+                    <a:bodyPr/>
+                    <a:lstStyle/>
+                    <a:p>
+                      <a:pPr algn="ctr" fontAlgn="b"/>
+                      <a:r>
+                        <a:rPr lang="en-US" sz="4800" u="none" strike="noStrike" dirty="0">
+                          <a:effectLst/>
+                        </a:rPr>
+                        <a:t> </a:t>
+                      </a:r>
+                      <a:endParaRPr lang="en-US" sz="4800" b="1" i="0" u="none" strike="noStrike" dirty="0">
+                        <a:solidFill>
+                          <a:srgbClr val="000000"/>
+                        </a:solidFill>
+                        <a:effectLst/>
+                        <a:latin typeface="Calibri" panose="020F0502020204030204" pitchFamily="34" charset="0"/>
+                      </a:endParaRPr>
+                    </a:p>
+                  </a:txBody>
+                  <a:tcPr marL="10915" marR="10915" marT="10915" marB="0" anchor="b"/>
+                </a:tc>
+                <a:tc>
+                  <a:txBody>
+                    <a:bodyPr/>
+                    <a:lstStyle/>
+                    <a:p>
+                      <a:pPr algn="ctr" fontAlgn="b"/>
+                      <a:r>
+                        <a:rPr lang="en-US" sz="4800" u="none" strike="noStrike" dirty="0">
+                          <a:effectLst/>
+                        </a:rPr>
+                        <a:t>+</a:t>
+                      </a:r>
+                      <a:endParaRPr lang="en-US" sz="4800" b="1" i="0" u="none" strike="noStrike" dirty="0">
+                        <a:solidFill>
+                          <a:srgbClr val="006100"/>
+                        </a:solidFill>
+                        <a:effectLst/>
+                        <a:latin typeface="Calibri" panose="020F0502020204030204" pitchFamily="34" charset="0"/>
+                      </a:endParaRPr>
+                    </a:p>
+                  </a:txBody>
+                  <a:tcPr marL="10915" marR="10915" marT="10915" marB="0" anchor="b"/>
+                </a:tc>
+                <a:tc>
+                  <a:txBody>
+                    <a:bodyPr/>
+                    <a:lstStyle/>
+                    <a:p>
+                      <a:pPr algn="ctr" fontAlgn="b"/>
+                      <a:r>
+                        <a:rPr lang="en-US" sz="4800" u="none" strike="noStrike" dirty="0">
+                          <a:effectLst/>
+                        </a:rPr>
+                        <a:t> </a:t>
+                      </a:r>
+                      <a:endParaRPr lang="en-US" sz="4800" b="1" i="0" u="none" strike="noStrike" dirty="0">
+                        <a:solidFill>
+                          <a:srgbClr val="000000"/>
+                        </a:solidFill>
+                        <a:effectLst/>
+                        <a:latin typeface="Calibri" panose="020F0502020204030204" pitchFamily="34" charset="0"/>
+                      </a:endParaRPr>
+                    </a:p>
+                  </a:txBody>
+                  <a:tcPr marL="10915" marR="10915" marT="10915" marB="0" anchor="b"/>
+                </a:tc>
+                <a:tc>
+                  <a:txBody>
+                    <a:bodyPr/>
+                    <a:lstStyle/>
+                    <a:p>
+                      <a:pPr algn="ctr" fontAlgn="b"/>
+                      <a:r>
+                        <a:rPr lang="en-US" sz="4800" u="none" strike="noStrike" dirty="0">
+                          <a:effectLst/>
+                        </a:rPr>
+                        <a:t>+</a:t>
+                      </a:r>
+                      <a:endParaRPr lang="en-US" sz="4800" b="1" i="0" u="none" strike="noStrike" dirty="0">
+                        <a:solidFill>
+                          <a:srgbClr val="006100"/>
+                        </a:solidFill>
+                        <a:effectLst/>
+                        <a:latin typeface="Calibri" panose="020F0502020204030204" pitchFamily="34" charset="0"/>
+                      </a:endParaRPr>
+                    </a:p>
+                  </a:txBody>
+                  <a:tcPr marL="10915" marR="10915" marT="10915" marB="0" anchor="b"/>
+                </a:tc>
+                <a:extLst>
+                  <a:ext uri="{0D108BD9-81ED-4DB2-BD59-A6C34878D82A}">
+                    <a16:rowId xmlns:a16="http://schemas.microsoft.com/office/drawing/2014/main" val="842710022"/>
+                  </a:ext>
+                </a:extLst>
+              </a:tr>
+              <a:tr h="781795">
+                <a:tc>
+                  <a:txBody>
+                    <a:bodyPr/>
+                    <a:lstStyle/>
+                    <a:p>
+                      <a:pPr algn="ctr" fontAlgn="ctr"/>
+                      <a:r>
+                        <a:rPr lang="en-US" sz="3600" u="none" strike="noStrike">
+                          <a:effectLst/>
+                        </a:rPr>
+                        <a:t>Junior</a:t>
+                      </a:r>
+                      <a:endParaRPr lang="en-US" sz="3600" b="0" i="0" u="none" strike="noStrike">
+                        <a:solidFill>
+                          <a:srgbClr val="000000"/>
+                        </a:solidFill>
+                        <a:effectLst/>
+                        <a:latin typeface="Calibri" panose="020F0502020204030204" pitchFamily="34" charset="0"/>
+                      </a:endParaRPr>
+                    </a:p>
+                  </a:txBody>
+                  <a:tcPr marL="10915" marR="10915" marT="10915" marB="0" anchor="ctr"/>
+                </a:tc>
+                <a:tc>
+                  <a:txBody>
+                    <a:bodyPr/>
+                    <a:lstStyle/>
+                    <a:p>
+                      <a:pPr algn="ctr" fontAlgn="b"/>
+                      <a:r>
+                        <a:rPr lang="en-US" sz="4800" u="none" strike="noStrike">
+                          <a:effectLst/>
+                        </a:rPr>
+                        <a:t> </a:t>
+                      </a:r>
+                      <a:endParaRPr lang="en-US" sz="4800" b="1" i="0" u="none" strike="noStrike">
+                        <a:solidFill>
+                          <a:srgbClr val="000000"/>
+                        </a:solidFill>
+                        <a:effectLst/>
+                        <a:latin typeface="Calibri" panose="020F0502020204030204" pitchFamily="34" charset="0"/>
+                      </a:endParaRPr>
+                    </a:p>
+                  </a:txBody>
+                  <a:tcPr marL="10915" marR="10915" marT="10915" marB="0" anchor="b"/>
+                </a:tc>
+                <a:tc>
+                  <a:txBody>
+                    <a:bodyPr/>
+                    <a:lstStyle/>
+                    <a:p>
+                      <a:pPr algn="ctr" fontAlgn="b"/>
+                      <a:r>
+                        <a:rPr lang="en-US" sz="4800" u="none" strike="noStrike">
+                          <a:effectLst/>
+                        </a:rPr>
+                        <a:t> </a:t>
+                      </a:r>
+                      <a:endParaRPr lang="en-US" sz="4800" b="1" i="0" u="none" strike="noStrike">
+                        <a:solidFill>
+                          <a:srgbClr val="000000"/>
+                        </a:solidFill>
+                        <a:effectLst/>
+                        <a:latin typeface="Calibri" panose="020F0502020204030204" pitchFamily="34" charset="0"/>
+                      </a:endParaRPr>
+                    </a:p>
+                  </a:txBody>
+                  <a:tcPr marL="10915" marR="10915" marT="10915" marB="0" anchor="b"/>
+                </a:tc>
+                <a:tc>
+                  <a:txBody>
+                    <a:bodyPr/>
+                    <a:lstStyle/>
+                    <a:p>
+                      <a:pPr algn="ctr" fontAlgn="b"/>
+                      <a:r>
+                        <a:rPr lang="en-US" sz="4800" u="none" strike="noStrike">
+                          <a:effectLst/>
+                        </a:rPr>
+                        <a:t> </a:t>
+                      </a:r>
+                      <a:endParaRPr lang="en-US" sz="4800" b="1" i="0" u="none" strike="noStrike">
+                        <a:solidFill>
+                          <a:srgbClr val="000000"/>
+                        </a:solidFill>
+                        <a:effectLst/>
+                        <a:latin typeface="Calibri" panose="020F0502020204030204" pitchFamily="34" charset="0"/>
+                      </a:endParaRPr>
+                    </a:p>
+                  </a:txBody>
+                  <a:tcPr marL="10915" marR="10915" marT="10915" marB="0" anchor="b"/>
+                </a:tc>
+                <a:tc>
+                  <a:txBody>
+                    <a:bodyPr/>
+                    <a:lstStyle/>
+                    <a:p>
+                      <a:pPr algn="ctr" fontAlgn="b"/>
+                      <a:r>
+                        <a:rPr lang="en-US" sz="4800" u="none" strike="noStrike">
+                          <a:effectLst/>
+                        </a:rPr>
+                        <a:t>-</a:t>
+                      </a:r>
+                      <a:endParaRPr lang="en-US" sz="4800" b="1" i="0" u="none" strike="noStrike">
+                        <a:solidFill>
+                          <a:srgbClr val="9C0006"/>
+                        </a:solidFill>
+                        <a:effectLst/>
+                        <a:latin typeface="Calibri" panose="020F0502020204030204" pitchFamily="34" charset="0"/>
+                      </a:endParaRPr>
+                    </a:p>
+                  </a:txBody>
+                  <a:tcPr marL="10915" marR="10915" marT="10915" marB="0" anchor="b"/>
+                </a:tc>
+                <a:tc>
+                  <a:txBody>
+                    <a:bodyPr/>
+                    <a:lstStyle/>
+                    <a:p>
+                      <a:pPr algn="ctr" fontAlgn="b"/>
+                      <a:r>
+                        <a:rPr lang="en-US" sz="4800" u="none" strike="noStrike">
+                          <a:effectLst/>
+                        </a:rPr>
+                        <a:t> </a:t>
+                      </a:r>
+                      <a:endParaRPr lang="en-US" sz="4800" b="1" i="0" u="none" strike="noStrike">
+                        <a:solidFill>
+                          <a:srgbClr val="000000"/>
+                        </a:solidFill>
+                        <a:effectLst/>
+                        <a:latin typeface="Calibri" panose="020F0502020204030204" pitchFamily="34" charset="0"/>
+                      </a:endParaRPr>
+                    </a:p>
+                  </a:txBody>
+                  <a:tcPr marL="10915" marR="10915" marT="10915" marB="0" anchor="b"/>
+                </a:tc>
+                <a:tc>
+                  <a:txBody>
+                    <a:bodyPr/>
+                    <a:lstStyle/>
+                    <a:p>
+                      <a:pPr algn="ctr" fontAlgn="b"/>
+                      <a:r>
+                        <a:rPr lang="en-US" sz="4800" u="none" strike="noStrike">
+                          <a:effectLst/>
+                        </a:rPr>
+                        <a:t> </a:t>
+                      </a:r>
+                      <a:endParaRPr lang="en-US" sz="4800" b="1" i="0" u="none" strike="noStrike">
+                        <a:solidFill>
+                          <a:srgbClr val="000000"/>
+                        </a:solidFill>
+                        <a:effectLst/>
+                        <a:latin typeface="Calibri" panose="020F0502020204030204" pitchFamily="34" charset="0"/>
+                      </a:endParaRPr>
+                    </a:p>
+                  </a:txBody>
+                  <a:tcPr marL="10915" marR="10915" marT="10915" marB="0" anchor="b"/>
+                </a:tc>
+                <a:tc>
+                  <a:txBody>
+                    <a:bodyPr/>
+                    <a:lstStyle/>
+                    <a:p>
+                      <a:pPr algn="ctr" fontAlgn="b"/>
+                      <a:r>
+                        <a:rPr lang="en-US" sz="4800" u="none" strike="noStrike">
+                          <a:effectLst/>
+                        </a:rPr>
+                        <a:t> </a:t>
+                      </a:r>
+                      <a:endParaRPr lang="en-US" sz="4800" b="1" i="0" u="none" strike="noStrike">
+                        <a:solidFill>
+                          <a:srgbClr val="000000"/>
+                        </a:solidFill>
+                        <a:effectLst/>
+                        <a:latin typeface="Calibri" panose="020F0502020204030204" pitchFamily="34" charset="0"/>
+                      </a:endParaRPr>
+                    </a:p>
+                  </a:txBody>
+                  <a:tcPr marL="10915" marR="10915" marT="10915" marB="0" anchor="b"/>
+                </a:tc>
+                <a:tc>
+                  <a:txBody>
+                    <a:bodyPr/>
+                    <a:lstStyle/>
+                    <a:p>
+                      <a:pPr algn="ctr" fontAlgn="b"/>
+                      <a:r>
+                        <a:rPr lang="en-US" sz="4800" u="none" strike="noStrike" dirty="0">
+                          <a:effectLst/>
+                        </a:rPr>
+                        <a:t> </a:t>
+                      </a:r>
+                      <a:endParaRPr lang="en-US" sz="4800" b="1" i="0" u="none" strike="noStrike" dirty="0">
+                        <a:solidFill>
+                          <a:srgbClr val="000000"/>
+                        </a:solidFill>
+                        <a:effectLst/>
+                        <a:latin typeface="Calibri" panose="020F0502020204030204" pitchFamily="34" charset="0"/>
+                      </a:endParaRPr>
+                    </a:p>
+                  </a:txBody>
+                  <a:tcPr marL="10915" marR="10915" marT="10915" marB="0" anchor="b"/>
+                </a:tc>
+                <a:tc>
+                  <a:txBody>
+                    <a:bodyPr/>
+                    <a:lstStyle/>
+                    <a:p>
+                      <a:pPr algn="ctr" fontAlgn="b"/>
+                      <a:r>
+                        <a:rPr lang="en-US" sz="4800" u="none" strike="noStrike" dirty="0">
+                          <a:effectLst/>
+                        </a:rPr>
+                        <a:t> </a:t>
+                      </a:r>
+                      <a:endParaRPr lang="en-US" sz="4800" b="1" i="0" u="none" strike="noStrike" dirty="0">
+                        <a:solidFill>
+                          <a:srgbClr val="000000"/>
+                        </a:solidFill>
+                        <a:effectLst/>
+                        <a:latin typeface="Calibri" panose="020F0502020204030204" pitchFamily="34" charset="0"/>
+                      </a:endParaRPr>
+                    </a:p>
+                  </a:txBody>
+                  <a:tcPr marL="10915" marR="10915" marT="10915" marB="0" anchor="b"/>
+                </a:tc>
+                <a:tc>
+                  <a:txBody>
+                    <a:bodyPr/>
+                    <a:lstStyle/>
+                    <a:p>
+                      <a:pPr algn="ctr" fontAlgn="b"/>
+                      <a:r>
+                        <a:rPr lang="en-US" sz="4800" u="none" strike="noStrike" dirty="0">
+                          <a:effectLst/>
+                        </a:rPr>
+                        <a:t> </a:t>
+                      </a:r>
+                      <a:endParaRPr lang="en-US" sz="4800" b="1" i="0" u="none" strike="noStrike" dirty="0">
+                        <a:solidFill>
+                          <a:srgbClr val="000000"/>
+                        </a:solidFill>
+                        <a:effectLst/>
+                        <a:latin typeface="Calibri" panose="020F0502020204030204" pitchFamily="34" charset="0"/>
+                      </a:endParaRPr>
+                    </a:p>
+                  </a:txBody>
+                  <a:tcPr marL="10915" marR="10915" marT="10915" marB="0" anchor="b"/>
+                </a:tc>
+                <a:tc>
+                  <a:txBody>
+                    <a:bodyPr/>
+                    <a:lstStyle/>
+                    <a:p>
+                      <a:pPr algn="ctr" fontAlgn="b"/>
+                      <a:r>
+                        <a:rPr lang="en-US" sz="4800" u="none" strike="noStrike" dirty="0">
+                          <a:effectLst/>
+                        </a:rPr>
+                        <a:t> </a:t>
+                      </a:r>
+                      <a:endParaRPr lang="en-US" sz="4800" b="1" i="0" u="none" strike="noStrike" dirty="0">
+                        <a:solidFill>
+                          <a:srgbClr val="000000"/>
+                        </a:solidFill>
+                        <a:effectLst/>
+                        <a:latin typeface="Calibri" panose="020F0502020204030204" pitchFamily="34" charset="0"/>
+                      </a:endParaRPr>
+                    </a:p>
+                  </a:txBody>
+                  <a:tcPr marL="10915" marR="10915" marT="10915" marB="0" anchor="b"/>
+                </a:tc>
+                <a:tc>
+                  <a:txBody>
+                    <a:bodyPr/>
+                    <a:lstStyle/>
+                    <a:p>
+                      <a:pPr algn="ctr" fontAlgn="b"/>
+                      <a:r>
+                        <a:rPr lang="en-US" sz="4800" u="none" strike="noStrike" dirty="0">
+                          <a:effectLst/>
+                        </a:rPr>
+                        <a:t> </a:t>
+                      </a:r>
+                      <a:endParaRPr lang="en-US" sz="4800" b="1" i="0" u="none" strike="noStrike" dirty="0">
+                        <a:solidFill>
+                          <a:srgbClr val="000000"/>
+                        </a:solidFill>
+                        <a:effectLst/>
+                        <a:latin typeface="Calibri" panose="020F0502020204030204" pitchFamily="34" charset="0"/>
+                      </a:endParaRPr>
+                    </a:p>
+                  </a:txBody>
+                  <a:tcPr marL="10915" marR="10915" marT="10915" marB="0" anchor="b"/>
+                </a:tc>
+                <a:extLst>
+                  <a:ext uri="{0D108BD9-81ED-4DB2-BD59-A6C34878D82A}">
+                    <a16:rowId xmlns:a16="http://schemas.microsoft.com/office/drawing/2014/main" val="2507441299"/>
+                  </a:ext>
+                </a:extLst>
+              </a:tr>
+            </a:tbl>
+          </a:graphicData>
+        </a:graphic>
+      </p:graphicFrame>
     </p:spTree>
   </p:cSld>
   <p:clrMapOvr>
